--- a/Presentacion School Maps/SchoolMapsPresentacion.pptx
+++ b/Presentacion School Maps/SchoolMapsPresentacion.pptx
@@ -107,6 +107,11 @@
       </a:defRPr>
     </a:lvl9pPr>
   </p:defaultTextStyle>
+  <p:extLst>
+    <p:ext uri="{EFAFB233-063F-42B5-8137-9DF3F51BA10A}">
+      <p15:sldGuideLst xmlns:p15="http://schemas.microsoft.com/office/powerpoint/2012/main"/>
+    </p:ext>
+  </p:extLst>
 </p:presentation>
 </file>
 
@@ -160,7 +165,7 @@
           <a:noFill/>
           <a:extLst>
             <a:ext uri="{909E8E84-426E-40dd-AFC4-6F175D3DCCD1}">
-              <a14:hiddenFill xmlns:a14="http://schemas.microsoft.com/office/drawing/2010/main" xmlns="">
+              <a14:hiddenFill xmlns="" xmlns:a14="http://schemas.microsoft.com/office/drawing/2010/main">
                 <a:solidFill>
                   <a:srgbClr val="FFFFFF"/>
                 </a:solidFill>
@@ -220,7 +225,7 @@
             </a:ln>
             <a:extLst>
               <a:ext uri="{91240B29-F687-4f45-9708-019B960494DF}">
-                <a14:hiddenLine xmlns:a14="http://schemas.microsoft.com/office/drawing/2010/main" xmlns="" w="9525">
+                <a14:hiddenLine xmlns="" xmlns:a14="http://schemas.microsoft.com/office/drawing/2010/main" w="9525">
                   <a:solidFill>
                     <a:srgbClr val="000000"/>
                   </a:solidFill>
@@ -310,7 +315,7 @@
             </a:ln>
             <a:extLst>
               <a:ext uri="{91240B29-F687-4f45-9708-019B960494DF}">
-                <a14:hiddenLine xmlns:a14="http://schemas.microsoft.com/office/drawing/2010/main" xmlns="" w="9525">
+                <a14:hiddenLine xmlns="" xmlns:a14="http://schemas.microsoft.com/office/drawing/2010/main" w="9525">
                   <a:solidFill>
                     <a:srgbClr val="000000"/>
                   </a:solidFill>
@@ -400,7 +405,7 @@
             </a:ln>
             <a:extLst>
               <a:ext uri="{91240B29-F687-4f45-9708-019B960494DF}">
-                <a14:hiddenLine xmlns:a14="http://schemas.microsoft.com/office/drawing/2010/main" xmlns="" w="9525">
+                <a14:hiddenLine xmlns="" xmlns:a14="http://schemas.microsoft.com/office/drawing/2010/main" w="9525">
                   <a:solidFill>
                     <a:srgbClr val="000000"/>
                   </a:solidFill>
@@ -434,7 +439,7 @@
             </a:ln>
             <a:extLst>
               <a:ext uri="{91240B29-F687-4f45-9708-019B960494DF}">
-                <a14:hiddenLine xmlns:a14="http://schemas.microsoft.com/office/drawing/2010/main" xmlns="" w="9525">
+                <a14:hiddenLine xmlns="" xmlns:a14="http://schemas.microsoft.com/office/drawing/2010/main" w="9525">
                   <a:solidFill>
                     <a:srgbClr val="000000"/>
                   </a:solidFill>
@@ -524,7 +529,7 @@
             </a:ln>
             <a:extLst>
               <a:ext uri="{91240B29-F687-4f45-9708-019B960494DF}">
-                <a14:hiddenLine xmlns:a14="http://schemas.microsoft.com/office/drawing/2010/main" xmlns="" w="9525">
+                <a14:hiddenLine xmlns="" xmlns:a14="http://schemas.microsoft.com/office/drawing/2010/main" w="9525">
                   <a:solidFill>
                     <a:srgbClr val="000000"/>
                   </a:solidFill>
@@ -586,7 +591,7 @@
             </a:ln>
             <a:extLst>
               <a:ext uri="{91240B29-F687-4f45-9708-019B960494DF}">
-                <a14:hiddenLine xmlns:a14="http://schemas.microsoft.com/office/drawing/2010/main" xmlns="" w="9525">
+                <a14:hiddenLine xmlns="" xmlns:a14="http://schemas.microsoft.com/office/drawing/2010/main" w="9525">
                   <a:solidFill>
                     <a:srgbClr val="000000"/>
                   </a:solidFill>
@@ -648,7 +653,7 @@
             </a:ln>
             <a:extLst>
               <a:ext uri="{91240B29-F687-4f45-9708-019B960494DF}">
-                <a14:hiddenLine xmlns:a14="http://schemas.microsoft.com/office/drawing/2010/main" xmlns="" w="9525">
+                <a14:hiddenLine xmlns="" xmlns:a14="http://schemas.microsoft.com/office/drawing/2010/main" w="9525">
                   <a:solidFill>
                     <a:srgbClr val="000000"/>
                   </a:solidFill>
@@ -738,7 +743,7 @@
             </a:ln>
             <a:extLst>
               <a:ext uri="{91240B29-F687-4f45-9708-019B960494DF}">
-                <a14:hiddenLine xmlns:a14="http://schemas.microsoft.com/office/drawing/2010/main" xmlns="" w="9525">
+                <a14:hiddenLine xmlns="" xmlns:a14="http://schemas.microsoft.com/office/drawing/2010/main" w="9525">
                   <a:solidFill>
                     <a:srgbClr val="000000"/>
                   </a:solidFill>
@@ -800,7 +805,7 @@
             </a:ln>
             <a:extLst>
               <a:ext uri="{91240B29-F687-4f45-9708-019B960494DF}">
-                <a14:hiddenLine xmlns:a14="http://schemas.microsoft.com/office/drawing/2010/main" xmlns="" w="9525">
+                <a14:hiddenLine xmlns="" xmlns:a14="http://schemas.microsoft.com/office/drawing/2010/main" w="9525">
                   <a:solidFill>
                     <a:srgbClr val="000000"/>
                   </a:solidFill>
@@ -862,7 +867,7 @@
             </a:ln>
             <a:extLst>
               <a:ext uri="{91240B29-F687-4f45-9708-019B960494DF}">
-                <a14:hiddenLine xmlns:a14="http://schemas.microsoft.com/office/drawing/2010/main" xmlns="" w="9525">
+                <a14:hiddenLine xmlns="" xmlns:a14="http://schemas.microsoft.com/office/drawing/2010/main" w="9525">
                   <a:solidFill>
                     <a:srgbClr val="000000"/>
                   </a:solidFill>
@@ -952,7 +957,7 @@
             </a:ln>
             <a:extLst>
               <a:ext uri="{91240B29-F687-4f45-9708-019B960494DF}">
-                <a14:hiddenLine xmlns:a14="http://schemas.microsoft.com/office/drawing/2010/main" xmlns="" w="9525">
+                <a14:hiddenLine xmlns="" xmlns:a14="http://schemas.microsoft.com/office/drawing/2010/main" w="9525">
                   <a:solidFill>
                     <a:srgbClr val="000000"/>
                   </a:solidFill>
@@ -1042,7 +1047,7 @@
             </a:ln>
             <a:extLst>
               <a:ext uri="{91240B29-F687-4f45-9708-019B960494DF}">
-                <a14:hiddenLine xmlns:a14="http://schemas.microsoft.com/office/drawing/2010/main" xmlns="" w="9525">
+                <a14:hiddenLine xmlns="" xmlns:a14="http://schemas.microsoft.com/office/drawing/2010/main" w="9525">
                   <a:solidFill>
                     <a:srgbClr val="000000"/>
                   </a:solidFill>
@@ -1104,7 +1109,7 @@
             </a:ln>
             <a:extLst>
               <a:ext uri="{91240B29-F687-4f45-9708-019B960494DF}">
-                <a14:hiddenLine xmlns:a14="http://schemas.microsoft.com/office/drawing/2010/main" xmlns="" w="9525">
+                <a14:hiddenLine xmlns="" xmlns:a14="http://schemas.microsoft.com/office/drawing/2010/main" w="9525">
                   <a:solidFill>
                     <a:srgbClr val="000000"/>
                   </a:solidFill>
@@ -1214,7 +1219,7 @@
             </a:ln>
             <a:extLst>
               <a:ext uri="{91240B29-F687-4f45-9708-019B960494DF}">
-                <a14:hiddenLine xmlns:a14="http://schemas.microsoft.com/office/drawing/2010/main" xmlns="" w="9525">
+                <a14:hiddenLine xmlns="" xmlns:a14="http://schemas.microsoft.com/office/drawing/2010/main" w="9525">
                   <a:solidFill>
                     <a:srgbClr val="000000"/>
                   </a:solidFill>
@@ -1276,7 +1281,7 @@
             </a:ln>
             <a:extLst>
               <a:ext uri="{91240B29-F687-4f45-9708-019B960494DF}">
-                <a14:hiddenLine xmlns:a14="http://schemas.microsoft.com/office/drawing/2010/main" xmlns="" w="9525">
+                <a14:hiddenLine xmlns="" xmlns:a14="http://schemas.microsoft.com/office/drawing/2010/main" w="9525">
                   <a:solidFill>
                     <a:srgbClr val="000000"/>
                   </a:solidFill>
@@ -1366,7 +1371,7 @@
             </a:ln>
             <a:extLst>
               <a:ext uri="{91240B29-F687-4f45-9708-019B960494DF}">
-                <a14:hiddenLine xmlns:a14="http://schemas.microsoft.com/office/drawing/2010/main" xmlns="" w="9525">
+                <a14:hiddenLine xmlns="" xmlns:a14="http://schemas.microsoft.com/office/drawing/2010/main" w="9525">
                   <a:solidFill>
                     <a:srgbClr val="000000"/>
                   </a:solidFill>
@@ -1456,7 +1461,7 @@
             </a:ln>
             <a:extLst>
               <a:ext uri="{91240B29-F687-4f45-9708-019B960494DF}">
-                <a14:hiddenLine xmlns:a14="http://schemas.microsoft.com/office/drawing/2010/main" xmlns="" w="9525">
+                <a14:hiddenLine xmlns="" xmlns:a14="http://schemas.microsoft.com/office/drawing/2010/main" w="9525">
                   <a:solidFill>
                     <a:srgbClr val="000000"/>
                   </a:solidFill>
@@ -1518,7 +1523,7 @@
             </a:ln>
             <a:extLst>
               <a:ext uri="{91240B29-F687-4f45-9708-019B960494DF}">
-                <a14:hiddenLine xmlns:a14="http://schemas.microsoft.com/office/drawing/2010/main" xmlns="" w="9525">
+                <a14:hiddenLine xmlns="" xmlns:a14="http://schemas.microsoft.com/office/drawing/2010/main" w="9525">
                   <a:solidFill>
                     <a:srgbClr val="000000"/>
                   </a:solidFill>
@@ -1608,7 +1613,7 @@
             </a:ln>
             <a:extLst>
               <a:ext uri="{91240B29-F687-4f45-9708-019B960494DF}">
-                <a14:hiddenLine xmlns:a14="http://schemas.microsoft.com/office/drawing/2010/main" xmlns="" w="9525">
+                <a14:hiddenLine xmlns="" xmlns:a14="http://schemas.microsoft.com/office/drawing/2010/main" w="9525">
                   <a:solidFill>
                     <a:srgbClr val="000000"/>
                   </a:solidFill>
@@ -1698,7 +1703,7 @@
             </a:ln>
             <a:extLst>
               <a:ext uri="{91240B29-F687-4f45-9708-019B960494DF}">
-                <a14:hiddenLine xmlns:a14="http://schemas.microsoft.com/office/drawing/2010/main" xmlns="" w="9525">
+                <a14:hiddenLine xmlns="" xmlns:a14="http://schemas.microsoft.com/office/drawing/2010/main" w="9525">
                   <a:solidFill>
                     <a:srgbClr val="000000"/>
                   </a:solidFill>
@@ -1754,7 +1759,7 @@
             </a:ln>
             <a:extLst>
               <a:ext uri="{91240B29-F687-4f45-9708-019B960494DF}">
-                <a14:hiddenLine xmlns:a14="http://schemas.microsoft.com/office/drawing/2010/main" xmlns="" w="9525">
+                <a14:hiddenLine xmlns="" xmlns:a14="http://schemas.microsoft.com/office/drawing/2010/main" w="9525">
                   <a:solidFill>
                     <a:srgbClr val="000000"/>
                   </a:solidFill>
@@ -1844,7 +1849,7 @@
             </a:ln>
             <a:extLst>
               <a:ext uri="{91240B29-F687-4f45-9708-019B960494DF}">
-                <a14:hiddenLine xmlns:a14="http://schemas.microsoft.com/office/drawing/2010/main" xmlns="" w="9525">
+                <a14:hiddenLine xmlns="" xmlns:a14="http://schemas.microsoft.com/office/drawing/2010/main" w="9525">
                   <a:solidFill>
                     <a:srgbClr val="000000"/>
                   </a:solidFill>
@@ -1900,7 +1905,7 @@
             </a:ln>
             <a:extLst>
               <a:ext uri="{91240B29-F687-4f45-9708-019B960494DF}">
-                <a14:hiddenLine xmlns:a14="http://schemas.microsoft.com/office/drawing/2010/main" xmlns="" w="9525">
+                <a14:hiddenLine xmlns="" xmlns:a14="http://schemas.microsoft.com/office/drawing/2010/main" w="9525">
                   <a:solidFill>
                     <a:srgbClr val="000000"/>
                   </a:solidFill>
@@ -1990,7 +1995,7 @@
             </a:ln>
             <a:extLst>
               <a:ext uri="{91240B29-F687-4f45-9708-019B960494DF}">
-                <a14:hiddenLine xmlns:a14="http://schemas.microsoft.com/office/drawing/2010/main" xmlns="" w="9525">
+                <a14:hiddenLine xmlns="" xmlns:a14="http://schemas.microsoft.com/office/drawing/2010/main" w="9525">
                   <a:solidFill>
                     <a:srgbClr val="000000"/>
                   </a:solidFill>
@@ -2058,7 +2063,7 @@
             </a:ln>
             <a:extLst>
               <a:ext uri="{91240B29-F687-4f45-9708-019B960494DF}">
-                <a14:hiddenLine xmlns:a14="http://schemas.microsoft.com/office/drawing/2010/main" xmlns="" w="9525">
+                <a14:hiddenLine xmlns="" xmlns:a14="http://schemas.microsoft.com/office/drawing/2010/main" w="9525">
                   <a:solidFill>
                     <a:srgbClr val="000000"/>
                   </a:solidFill>
@@ -2148,7 +2153,7 @@
             </a:ln>
             <a:extLst>
               <a:ext uri="{91240B29-F687-4f45-9708-019B960494DF}">
-                <a14:hiddenLine xmlns:a14="http://schemas.microsoft.com/office/drawing/2010/main" xmlns="" w="9525">
+                <a14:hiddenLine xmlns="" xmlns:a14="http://schemas.microsoft.com/office/drawing/2010/main" w="9525">
                   <a:solidFill>
                     <a:srgbClr val="000000"/>
                   </a:solidFill>
@@ -2216,7 +2221,7 @@
             </a:ln>
             <a:extLst>
               <a:ext uri="{91240B29-F687-4f45-9708-019B960494DF}">
-                <a14:hiddenLine xmlns:a14="http://schemas.microsoft.com/office/drawing/2010/main" xmlns="" w="9525">
+                <a14:hiddenLine xmlns="" xmlns:a14="http://schemas.microsoft.com/office/drawing/2010/main" w="9525">
                   <a:solidFill>
                     <a:srgbClr val="000000"/>
                   </a:solidFill>
@@ -2306,7 +2311,7 @@
             </a:ln>
             <a:extLst>
               <a:ext uri="{91240B29-F687-4f45-9708-019B960494DF}">
-                <a14:hiddenLine xmlns:a14="http://schemas.microsoft.com/office/drawing/2010/main" xmlns="" w="9525">
+                <a14:hiddenLine xmlns="" xmlns:a14="http://schemas.microsoft.com/office/drawing/2010/main" w="9525">
                   <a:solidFill>
                     <a:srgbClr val="000000"/>
                   </a:solidFill>
@@ -2340,7 +2345,7 @@
             </a:ln>
             <a:extLst>
               <a:ext uri="{91240B29-F687-4f45-9708-019B960494DF}">
-                <a14:hiddenLine xmlns:a14="http://schemas.microsoft.com/office/drawing/2010/main" xmlns="" w="9525">
+                <a14:hiddenLine xmlns="" xmlns:a14="http://schemas.microsoft.com/office/drawing/2010/main" w="9525">
                   <a:solidFill>
                     <a:srgbClr val="000000"/>
                   </a:solidFill>
@@ -2430,7 +2435,7 @@
             </a:ln>
             <a:extLst>
               <a:ext uri="{91240B29-F687-4f45-9708-019B960494DF}">
-                <a14:hiddenLine xmlns:a14="http://schemas.microsoft.com/office/drawing/2010/main" xmlns="" w="9525">
+                <a14:hiddenLine xmlns="" xmlns:a14="http://schemas.microsoft.com/office/drawing/2010/main" w="9525">
                   <a:solidFill>
                     <a:srgbClr val="000000"/>
                   </a:solidFill>
@@ -2492,7 +2497,7 @@
             </a:ln>
             <a:extLst>
               <a:ext uri="{91240B29-F687-4f45-9708-019B960494DF}">
-                <a14:hiddenLine xmlns:a14="http://schemas.microsoft.com/office/drawing/2010/main" xmlns="" w="9525">
+                <a14:hiddenLine xmlns="" xmlns:a14="http://schemas.microsoft.com/office/drawing/2010/main" w="9525">
                   <a:solidFill>
                     <a:srgbClr val="000000"/>
                   </a:solidFill>
@@ -2554,7 +2559,7 @@
             </a:ln>
             <a:extLst>
               <a:ext uri="{91240B29-F687-4f45-9708-019B960494DF}">
-                <a14:hiddenLine xmlns:a14="http://schemas.microsoft.com/office/drawing/2010/main" xmlns="" w="9525">
+                <a14:hiddenLine xmlns="" xmlns:a14="http://schemas.microsoft.com/office/drawing/2010/main" w="9525">
                   <a:solidFill>
                     <a:srgbClr val="000000"/>
                   </a:solidFill>
@@ -2644,7 +2649,7 @@
             </a:ln>
             <a:extLst>
               <a:ext uri="{91240B29-F687-4f45-9708-019B960494DF}">
-                <a14:hiddenLine xmlns:a14="http://schemas.microsoft.com/office/drawing/2010/main" xmlns="" w="9525">
+                <a14:hiddenLine xmlns="" xmlns:a14="http://schemas.microsoft.com/office/drawing/2010/main" w="9525">
                   <a:solidFill>
                     <a:srgbClr val="000000"/>
                   </a:solidFill>
@@ -2712,7 +2717,7 @@
             </a:ln>
             <a:extLst>
               <a:ext uri="{91240B29-F687-4f45-9708-019B960494DF}">
-                <a14:hiddenLine xmlns:a14="http://schemas.microsoft.com/office/drawing/2010/main" xmlns="" w="9525">
+                <a14:hiddenLine xmlns="" xmlns:a14="http://schemas.microsoft.com/office/drawing/2010/main" w="9525">
                   <a:solidFill>
                     <a:srgbClr val="000000"/>
                   </a:solidFill>
@@ -2774,7 +2779,7 @@
             </a:ln>
             <a:extLst>
               <a:ext uri="{91240B29-F687-4f45-9708-019B960494DF}">
-                <a14:hiddenLine xmlns:a14="http://schemas.microsoft.com/office/drawing/2010/main" xmlns="" w="9525">
+                <a14:hiddenLine xmlns="" xmlns:a14="http://schemas.microsoft.com/office/drawing/2010/main" w="9525">
                   <a:solidFill>
                     <a:srgbClr val="000000"/>
                   </a:solidFill>
@@ -2864,7 +2869,7 @@
             </a:ln>
             <a:extLst>
               <a:ext uri="{91240B29-F687-4f45-9708-019B960494DF}">
-                <a14:hiddenLine xmlns:a14="http://schemas.microsoft.com/office/drawing/2010/main" xmlns="" w="9525">
+                <a14:hiddenLine xmlns="" xmlns:a14="http://schemas.microsoft.com/office/drawing/2010/main" w="9525">
                   <a:solidFill>
                     <a:srgbClr val="000000"/>
                   </a:solidFill>
@@ -2926,7 +2931,7 @@
             </a:ln>
             <a:extLst>
               <a:ext uri="{91240B29-F687-4f45-9708-019B960494DF}">
-                <a14:hiddenLine xmlns:a14="http://schemas.microsoft.com/office/drawing/2010/main" xmlns="" w="9525">
+                <a14:hiddenLine xmlns="" xmlns:a14="http://schemas.microsoft.com/office/drawing/2010/main" w="9525">
                   <a:solidFill>
                     <a:srgbClr val="000000"/>
                   </a:solidFill>
@@ -3016,7 +3021,7 @@
             </a:ln>
             <a:extLst>
               <a:ext uri="{91240B29-F687-4f45-9708-019B960494DF}">
-                <a14:hiddenLine xmlns:a14="http://schemas.microsoft.com/office/drawing/2010/main" xmlns="" w="9525">
+                <a14:hiddenLine xmlns="" xmlns:a14="http://schemas.microsoft.com/office/drawing/2010/main" w="9525">
                   <a:solidFill>
                     <a:srgbClr val="000000"/>
                   </a:solidFill>
@@ -3078,7 +3083,7 @@
             </a:ln>
             <a:extLst>
               <a:ext uri="{91240B29-F687-4f45-9708-019B960494DF}">
-                <a14:hiddenLine xmlns:a14="http://schemas.microsoft.com/office/drawing/2010/main" xmlns="" w="9525">
+                <a14:hiddenLine xmlns="" xmlns:a14="http://schemas.microsoft.com/office/drawing/2010/main" w="9525">
                   <a:solidFill>
                     <a:srgbClr val="000000"/>
                   </a:solidFill>
@@ -3168,7 +3173,7 @@
             </a:ln>
             <a:extLst>
               <a:ext uri="{91240B29-F687-4f45-9708-019B960494DF}">
-                <a14:hiddenLine xmlns:a14="http://schemas.microsoft.com/office/drawing/2010/main" xmlns="" w="9525">
+                <a14:hiddenLine xmlns="" xmlns:a14="http://schemas.microsoft.com/office/drawing/2010/main" w="9525">
                   <a:solidFill>
                     <a:srgbClr val="000000"/>
                   </a:solidFill>
@@ -3202,7 +3207,7 @@
             </a:ln>
             <a:extLst>
               <a:ext uri="{91240B29-F687-4f45-9708-019B960494DF}">
-                <a14:hiddenLine xmlns:a14="http://schemas.microsoft.com/office/drawing/2010/main" xmlns="" w="9525">
+                <a14:hiddenLine xmlns="" xmlns:a14="http://schemas.microsoft.com/office/drawing/2010/main" w="9525">
                   <a:solidFill>
                     <a:srgbClr val="000000"/>
                   </a:solidFill>
@@ -3267,7 +3272,7 @@
             </a:ln>
             <a:extLst>
               <a:ext uri="{91240B29-F687-4f45-9708-019B960494DF}">
-                <a14:hiddenLine xmlns:a14="http://schemas.microsoft.com/office/drawing/2010/main" xmlns="" w="9525">
+                <a14:hiddenLine xmlns="" xmlns:a14="http://schemas.microsoft.com/office/drawing/2010/main" w="9525">
                   <a:solidFill>
                     <a:srgbClr val="000000"/>
                   </a:solidFill>
@@ -3357,7 +3362,7 @@
             </a:ln>
             <a:extLst>
               <a:ext uri="{91240B29-F687-4f45-9708-019B960494DF}">
-                <a14:hiddenLine xmlns:a14="http://schemas.microsoft.com/office/drawing/2010/main" xmlns="" w="9525">
+                <a14:hiddenLine xmlns="" xmlns:a14="http://schemas.microsoft.com/office/drawing/2010/main" w="9525">
                   <a:solidFill>
                     <a:srgbClr val="000000"/>
                   </a:solidFill>
@@ -3419,7 +3424,7 @@
             </a:ln>
             <a:extLst>
               <a:ext uri="{91240B29-F687-4f45-9708-019B960494DF}">
-                <a14:hiddenLine xmlns:a14="http://schemas.microsoft.com/office/drawing/2010/main" xmlns="" w="9525">
+                <a14:hiddenLine xmlns="" xmlns:a14="http://schemas.microsoft.com/office/drawing/2010/main" w="9525">
                   <a:solidFill>
                     <a:srgbClr val="000000"/>
                   </a:solidFill>
@@ -3509,7 +3514,7 @@
             </a:ln>
             <a:extLst>
               <a:ext uri="{91240B29-F687-4f45-9708-019B960494DF}">
-                <a14:hiddenLine xmlns:a14="http://schemas.microsoft.com/office/drawing/2010/main" xmlns="" w="9525">
+                <a14:hiddenLine xmlns="" xmlns:a14="http://schemas.microsoft.com/office/drawing/2010/main" w="9525">
                   <a:solidFill>
                     <a:srgbClr val="000000"/>
                   </a:solidFill>
@@ -3599,7 +3604,7 @@
             </a:ln>
             <a:extLst>
               <a:ext uri="{91240B29-F687-4f45-9708-019B960494DF}">
-                <a14:hiddenLine xmlns:a14="http://schemas.microsoft.com/office/drawing/2010/main" xmlns="" w="9525">
+                <a14:hiddenLine xmlns="" xmlns:a14="http://schemas.microsoft.com/office/drawing/2010/main" w="9525">
                   <a:solidFill>
                     <a:srgbClr val="000000"/>
                   </a:solidFill>
@@ -3664,7 +3669,7 @@
             </a:ln>
             <a:extLst>
               <a:ext uri="{91240B29-F687-4f45-9708-019B960494DF}">
-                <a14:hiddenLine xmlns:a14="http://schemas.microsoft.com/office/drawing/2010/main" xmlns="" w="9525">
+                <a14:hiddenLine xmlns="" xmlns:a14="http://schemas.microsoft.com/office/drawing/2010/main" w="9525">
                   <a:solidFill>
                     <a:srgbClr val="000000"/>
                   </a:solidFill>
@@ -3726,7 +3731,7 @@
             </a:ln>
             <a:extLst>
               <a:ext uri="{91240B29-F687-4f45-9708-019B960494DF}">
-                <a14:hiddenLine xmlns:a14="http://schemas.microsoft.com/office/drawing/2010/main" xmlns="" w="9525">
+                <a14:hiddenLine xmlns="" xmlns:a14="http://schemas.microsoft.com/office/drawing/2010/main" w="9525">
                   <a:solidFill>
                     <a:srgbClr val="000000"/>
                   </a:solidFill>
@@ -3816,7 +3821,7 @@
             </a:ln>
             <a:extLst>
               <a:ext uri="{91240B29-F687-4f45-9708-019B960494DF}">
-                <a14:hiddenLine xmlns:a14="http://schemas.microsoft.com/office/drawing/2010/main" xmlns="" w="9525">
+                <a14:hiddenLine xmlns="" xmlns:a14="http://schemas.microsoft.com/office/drawing/2010/main" w="9525">
                   <a:solidFill>
                     <a:srgbClr val="000000"/>
                   </a:solidFill>
@@ -3906,7 +3911,7 @@
             </a:ln>
             <a:extLst>
               <a:ext uri="{91240B29-F687-4f45-9708-019B960494DF}">
-                <a14:hiddenLine xmlns:a14="http://schemas.microsoft.com/office/drawing/2010/main" xmlns="" w="9525">
+                <a14:hiddenLine xmlns="" xmlns:a14="http://schemas.microsoft.com/office/drawing/2010/main" w="9525">
                   <a:solidFill>
                     <a:srgbClr val="000000"/>
                   </a:solidFill>
@@ -3968,7 +3973,7 @@
             </a:ln>
             <a:extLst>
               <a:ext uri="{91240B29-F687-4f45-9708-019B960494DF}">
-                <a14:hiddenLine xmlns:a14="http://schemas.microsoft.com/office/drawing/2010/main" xmlns="" w="9525">
+                <a14:hiddenLine xmlns="" xmlns:a14="http://schemas.microsoft.com/office/drawing/2010/main" w="9525">
                   <a:solidFill>
                     <a:srgbClr val="000000"/>
                   </a:solidFill>
@@ -4088,7 +4093,7 @@
             </a:ln>
             <a:extLst>
               <a:ext uri="{91240B29-F687-4f45-9708-019B960494DF}">
-                <a14:hiddenLine xmlns:a14="http://schemas.microsoft.com/office/drawing/2010/main" xmlns="" w="9525">
+                <a14:hiddenLine xmlns="" xmlns:a14="http://schemas.microsoft.com/office/drawing/2010/main" w="9525">
                   <a:solidFill>
                     <a:srgbClr val="000000"/>
                   </a:solidFill>
@@ -4156,7 +4161,7 @@
             </a:ln>
             <a:extLst>
               <a:ext uri="{91240B29-F687-4f45-9708-019B960494DF}">
-                <a14:hiddenLine xmlns:a14="http://schemas.microsoft.com/office/drawing/2010/main" xmlns="" w="9525">
+                <a14:hiddenLine xmlns="" xmlns:a14="http://schemas.microsoft.com/office/drawing/2010/main" w="9525">
                   <a:solidFill>
                     <a:srgbClr val="000000"/>
                   </a:solidFill>
@@ -4246,7 +4251,7 @@
             </a:ln>
             <a:extLst>
               <a:ext uri="{91240B29-F687-4f45-9708-019B960494DF}">
-                <a14:hiddenLine xmlns:a14="http://schemas.microsoft.com/office/drawing/2010/main" xmlns="" w="9525">
+                <a14:hiddenLine xmlns="" xmlns:a14="http://schemas.microsoft.com/office/drawing/2010/main" w="9525">
                   <a:solidFill>
                     <a:srgbClr val="000000"/>
                   </a:solidFill>
@@ -8968,7 +8973,7 @@
           <a:noFill/>
           <a:extLst>
             <a:ext uri="{909E8E84-426E-40dd-AFC4-6F175D3DCCD1}">
-              <a14:hiddenFill xmlns:a14="http://schemas.microsoft.com/office/drawing/2010/main" xmlns="">
+              <a14:hiddenFill xmlns="" xmlns:a14="http://schemas.microsoft.com/office/drawing/2010/main">
                 <a:solidFill>
                   <a:srgbClr val="FFFFFF"/>
                 </a:solidFill>
@@ -9042,7 +9047,7 @@
               </a:ln>
               <a:extLst>
                 <a:ext uri="{91240B29-F687-4f45-9708-019B960494DF}">
-                  <a14:hiddenLine xmlns:a14="http://schemas.microsoft.com/office/drawing/2010/main" xmlns="" w="9525">
+                  <a14:hiddenLine xmlns="" xmlns:a14="http://schemas.microsoft.com/office/drawing/2010/main" w="9525">
                     <a:solidFill>
                       <a:srgbClr val="000000"/>
                     </a:solidFill>
@@ -9132,7 +9137,7 @@
               </a:ln>
               <a:extLst>
                 <a:ext uri="{91240B29-F687-4f45-9708-019B960494DF}">
-                  <a14:hiddenLine xmlns:a14="http://schemas.microsoft.com/office/drawing/2010/main" xmlns="" w="9525">
+                  <a14:hiddenLine xmlns="" xmlns:a14="http://schemas.microsoft.com/office/drawing/2010/main" w="9525">
                     <a:solidFill>
                       <a:srgbClr val="000000"/>
                     </a:solidFill>
@@ -9222,7 +9227,7 @@
               </a:ln>
               <a:extLst>
                 <a:ext uri="{91240B29-F687-4f45-9708-019B960494DF}">
-                  <a14:hiddenLine xmlns:a14="http://schemas.microsoft.com/office/drawing/2010/main" xmlns="" w="9525">
+                  <a14:hiddenLine xmlns="" xmlns:a14="http://schemas.microsoft.com/office/drawing/2010/main" w="9525">
                     <a:solidFill>
                       <a:srgbClr val="000000"/>
                     </a:solidFill>
@@ -9284,7 +9289,7 @@
               </a:ln>
               <a:extLst>
                 <a:ext uri="{91240B29-F687-4f45-9708-019B960494DF}">
-                  <a14:hiddenLine xmlns:a14="http://schemas.microsoft.com/office/drawing/2010/main" xmlns="" w="9525">
+                  <a14:hiddenLine xmlns="" xmlns:a14="http://schemas.microsoft.com/office/drawing/2010/main" w="9525">
                     <a:solidFill>
                       <a:srgbClr val="000000"/>
                     </a:solidFill>
@@ -9374,7 +9379,7 @@
               </a:ln>
               <a:extLst>
                 <a:ext uri="{91240B29-F687-4f45-9708-019B960494DF}">
-                  <a14:hiddenLine xmlns:a14="http://schemas.microsoft.com/office/drawing/2010/main" xmlns="" w="9525">
+                  <a14:hiddenLine xmlns="" xmlns:a14="http://schemas.microsoft.com/office/drawing/2010/main" w="9525">
                     <a:solidFill>
                       <a:srgbClr val="000000"/>
                     </a:solidFill>
@@ -9436,7 +9441,7 @@
               </a:ln>
               <a:extLst>
                 <a:ext uri="{91240B29-F687-4f45-9708-019B960494DF}">
-                  <a14:hiddenLine xmlns:a14="http://schemas.microsoft.com/office/drawing/2010/main" xmlns="" w="9525">
+                  <a14:hiddenLine xmlns="" xmlns:a14="http://schemas.microsoft.com/office/drawing/2010/main" w="9525">
                     <a:solidFill>
                       <a:srgbClr val="000000"/>
                     </a:solidFill>
@@ -9498,7 +9503,7 @@
               </a:ln>
               <a:extLst>
                 <a:ext uri="{91240B29-F687-4f45-9708-019B960494DF}">
-                  <a14:hiddenLine xmlns:a14="http://schemas.microsoft.com/office/drawing/2010/main" xmlns="" w="9525">
+                  <a14:hiddenLine xmlns="" xmlns:a14="http://schemas.microsoft.com/office/drawing/2010/main" w="9525">
                     <a:solidFill>
                       <a:srgbClr val="000000"/>
                     </a:solidFill>
@@ -9588,7 +9593,7 @@
               </a:ln>
               <a:extLst>
                 <a:ext uri="{91240B29-F687-4f45-9708-019B960494DF}">
-                  <a14:hiddenLine xmlns:a14="http://schemas.microsoft.com/office/drawing/2010/main" xmlns="" w="9525">
+                  <a14:hiddenLine xmlns="" xmlns:a14="http://schemas.microsoft.com/office/drawing/2010/main" w="9525">
                     <a:solidFill>
                       <a:srgbClr val="000000"/>
                     </a:solidFill>
@@ -9678,7 +9683,7 @@
               </a:ln>
               <a:extLst>
                 <a:ext uri="{91240B29-F687-4f45-9708-019B960494DF}">
-                  <a14:hiddenLine xmlns:a14="http://schemas.microsoft.com/office/drawing/2010/main" xmlns="" w="9525">
+                  <a14:hiddenLine xmlns="" xmlns:a14="http://schemas.microsoft.com/office/drawing/2010/main" w="9525">
                     <a:solidFill>
                       <a:srgbClr val="000000"/>
                     </a:solidFill>
@@ -9740,7 +9745,7 @@
               </a:ln>
               <a:extLst>
                 <a:ext uri="{91240B29-F687-4f45-9708-019B960494DF}">
-                  <a14:hiddenLine xmlns:a14="http://schemas.microsoft.com/office/drawing/2010/main" xmlns="" w="9525">
+                  <a14:hiddenLine xmlns="" xmlns:a14="http://schemas.microsoft.com/office/drawing/2010/main" w="9525">
                     <a:solidFill>
                       <a:srgbClr val="000000"/>
                     </a:solidFill>
@@ -9850,7 +9855,7 @@
               </a:ln>
               <a:extLst>
                 <a:ext uri="{91240B29-F687-4f45-9708-019B960494DF}">
-                  <a14:hiddenLine xmlns:a14="http://schemas.microsoft.com/office/drawing/2010/main" xmlns="" w="9525">
+                  <a14:hiddenLine xmlns="" xmlns:a14="http://schemas.microsoft.com/office/drawing/2010/main" w="9525">
                     <a:solidFill>
                       <a:srgbClr val="000000"/>
                     </a:solidFill>
@@ -9934,7 +9939,7 @@
               </a:ln>
               <a:extLst>
                 <a:ext uri="{91240B29-F687-4f45-9708-019B960494DF}">
-                  <a14:hiddenLine xmlns:a14="http://schemas.microsoft.com/office/drawing/2010/main" xmlns="" w="9525">
+                  <a14:hiddenLine xmlns="" xmlns:a14="http://schemas.microsoft.com/office/drawing/2010/main" w="9525">
                     <a:solidFill>
                       <a:srgbClr val="000000"/>
                     </a:solidFill>
@@ -9996,7 +10001,7 @@
               </a:ln>
               <a:extLst>
                 <a:ext uri="{91240B29-F687-4f45-9708-019B960494DF}">
-                  <a14:hiddenLine xmlns:a14="http://schemas.microsoft.com/office/drawing/2010/main" xmlns="" w="9525">
+                  <a14:hiddenLine xmlns="" xmlns:a14="http://schemas.microsoft.com/office/drawing/2010/main" w="9525">
                     <a:solidFill>
                       <a:srgbClr val="000000"/>
                     </a:solidFill>
@@ -10058,7 +10063,7 @@
               </a:ln>
               <a:extLst>
                 <a:ext uri="{91240B29-F687-4f45-9708-019B960494DF}">
-                  <a14:hiddenLine xmlns:a14="http://schemas.microsoft.com/office/drawing/2010/main" xmlns="" w="9525">
+                  <a14:hiddenLine xmlns="" xmlns:a14="http://schemas.microsoft.com/office/drawing/2010/main" w="9525">
                     <a:solidFill>
                       <a:srgbClr val="000000"/>
                     </a:solidFill>
@@ -10148,7 +10153,7 @@
               </a:ln>
               <a:extLst>
                 <a:ext uri="{91240B29-F687-4f45-9708-019B960494DF}">
-                  <a14:hiddenLine xmlns:a14="http://schemas.microsoft.com/office/drawing/2010/main" xmlns="" w="9525">
+                  <a14:hiddenLine xmlns="" xmlns:a14="http://schemas.microsoft.com/office/drawing/2010/main" w="9525">
                     <a:solidFill>
                       <a:srgbClr val="000000"/>
                     </a:solidFill>
@@ -10182,7 +10187,7 @@
               </a:ln>
               <a:extLst>
                 <a:ext uri="{91240B29-F687-4f45-9708-019B960494DF}">
-                  <a14:hiddenLine xmlns:a14="http://schemas.microsoft.com/office/drawing/2010/main" xmlns="" w="9525">
+                  <a14:hiddenLine xmlns="" xmlns:a14="http://schemas.microsoft.com/office/drawing/2010/main" w="9525">
                     <a:solidFill>
                       <a:srgbClr val="000000"/>
                     </a:solidFill>
@@ -10247,7 +10252,7 @@
               </a:ln>
               <a:extLst>
                 <a:ext uri="{91240B29-F687-4f45-9708-019B960494DF}">
-                  <a14:hiddenLine xmlns:a14="http://schemas.microsoft.com/office/drawing/2010/main" xmlns="" w="9525">
+                  <a14:hiddenLine xmlns="" xmlns:a14="http://schemas.microsoft.com/office/drawing/2010/main" w="9525">
                     <a:solidFill>
                       <a:srgbClr val="000000"/>
                     </a:solidFill>
@@ -10337,7 +10342,7 @@
               </a:ln>
               <a:extLst>
                 <a:ext uri="{91240B29-F687-4f45-9708-019B960494DF}">
-                  <a14:hiddenLine xmlns:a14="http://schemas.microsoft.com/office/drawing/2010/main" xmlns="" w="9525">
+                  <a14:hiddenLine xmlns="" xmlns:a14="http://schemas.microsoft.com/office/drawing/2010/main" w="9525">
                     <a:solidFill>
                       <a:srgbClr val="000000"/>
                     </a:solidFill>
@@ -10399,7 +10404,7 @@
               </a:ln>
               <a:extLst>
                 <a:ext uri="{91240B29-F687-4f45-9708-019B960494DF}">
-                  <a14:hiddenLine xmlns:a14="http://schemas.microsoft.com/office/drawing/2010/main" xmlns="" w="9525">
+                  <a14:hiddenLine xmlns="" xmlns:a14="http://schemas.microsoft.com/office/drawing/2010/main" w="9525">
                     <a:solidFill>
                       <a:srgbClr val="000000"/>
                     </a:solidFill>
@@ -10489,7 +10494,7 @@
               </a:ln>
               <a:extLst>
                 <a:ext uri="{91240B29-F687-4f45-9708-019B960494DF}">
-                  <a14:hiddenLine xmlns:a14="http://schemas.microsoft.com/office/drawing/2010/main" xmlns="" w="9525">
+                  <a14:hiddenLine xmlns="" xmlns:a14="http://schemas.microsoft.com/office/drawing/2010/main" w="9525">
                     <a:solidFill>
                       <a:srgbClr val="000000"/>
                     </a:solidFill>
@@ -10554,7 +10559,7 @@
               </a:ln>
               <a:extLst>
                 <a:ext uri="{91240B29-F687-4f45-9708-019B960494DF}">
-                  <a14:hiddenLine xmlns:a14="http://schemas.microsoft.com/office/drawing/2010/main" xmlns="" w="9525">
+                  <a14:hiddenLine xmlns="" xmlns:a14="http://schemas.microsoft.com/office/drawing/2010/main" w="9525">
                     <a:solidFill>
                       <a:srgbClr val="000000"/>
                     </a:solidFill>
@@ -10616,7 +10621,7 @@
               </a:ln>
               <a:extLst>
                 <a:ext uri="{91240B29-F687-4f45-9708-019B960494DF}">
-                  <a14:hiddenLine xmlns:a14="http://schemas.microsoft.com/office/drawing/2010/main" xmlns="" w="9525">
+                  <a14:hiddenLine xmlns="" xmlns:a14="http://schemas.microsoft.com/office/drawing/2010/main" w="9525">
                     <a:solidFill>
                       <a:srgbClr val="000000"/>
                     </a:solidFill>
@@ -10706,7 +10711,7 @@
               </a:ln>
               <a:extLst>
                 <a:ext uri="{91240B29-F687-4f45-9708-019B960494DF}">
-                  <a14:hiddenLine xmlns:a14="http://schemas.microsoft.com/office/drawing/2010/main" xmlns="" w="9525">
+                  <a14:hiddenLine xmlns="" xmlns:a14="http://schemas.microsoft.com/office/drawing/2010/main" w="9525">
                     <a:solidFill>
                       <a:srgbClr val="000000"/>
                     </a:solidFill>
@@ -10796,7 +10801,7 @@
               </a:ln>
               <a:extLst>
                 <a:ext uri="{91240B29-F687-4f45-9708-019B960494DF}">
-                  <a14:hiddenLine xmlns:a14="http://schemas.microsoft.com/office/drawing/2010/main" xmlns="" w="9525">
+                  <a14:hiddenLine xmlns="" xmlns:a14="http://schemas.microsoft.com/office/drawing/2010/main" w="9525">
                     <a:solidFill>
                       <a:srgbClr val="000000"/>
                     </a:solidFill>
@@ -10861,7 +10866,7 @@
               </a:ln>
               <a:extLst>
                 <a:ext uri="{91240B29-F687-4f45-9708-019B960494DF}">
-                  <a14:hiddenLine xmlns:a14="http://schemas.microsoft.com/office/drawing/2010/main" xmlns="" w="9525">
+                  <a14:hiddenLine xmlns="" xmlns:a14="http://schemas.microsoft.com/office/drawing/2010/main" w="9525">
                     <a:solidFill>
                       <a:srgbClr val="000000"/>
                     </a:solidFill>
@@ -10981,7 +10986,7 @@
               </a:ln>
               <a:extLst>
                 <a:ext uri="{91240B29-F687-4f45-9708-019B960494DF}">
-                  <a14:hiddenLine xmlns:a14="http://schemas.microsoft.com/office/drawing/2010/main" xmlns="" w="9525">
+                  <a14:hiddenLine xmlns="" xmlns:a14="http://schemas.microsoft.com/office/drawing/2010/main" w="9525">
                     <a:solidFill>
                       <a:srgbClr val="000000"/>
                     </a:solidFill>
@@ -11079,7 +11084,7 @@
               </a:ln>
               <a:extLst>
                 <a:ext uri="{91240B29-F687-4f45-9708-019B960494DF}">
-                  <a14:hiddenLine xmlns:a14="http://schemas.microsoft.com/office/drawing/2010/main" xmlns="" w="9525">
+                  <a14:hiddenLine xmlns="" xmlns:a14="http://schemas.microsoft.com/office/drawing/2010/main" w="9525">
                     <a:solidFill>
                       <a:srgbClr val="000000"/>
                     </a:solidFill>
@@ -11194,7 +11199,7 @@
               </a:ln>
               <a:extLst>
                 <a:ext uri="{91240B29-F687-4f45-9708-019B960494DF}">
-                  <a14:hiddenLine xmlns:a14="http://schemas.microsoft.com/office/drawing/2010/main" xmlns="" w="9525">
+                  <a14:hiddenLine xmlns="" xmlns:a14="http://schemas.microsoft.com/office/drawing/2010/main" w="9525">
                     <a:solidFill>
                       <a:srgbClr val="000000"/>
                     </a:solidFill>
@@ -11284,7 +11289,7 @@
               </a:ln>
               <a:extLst>
                 <a:ext uri="{91240B29-F687-4f45-9708-019B960494DF}">
-                  <a14:hiddenLine xmlns:a14="http://schemas.microsoft.com/office/drawing/2010/main" xmlns="" w="9525">
+                  <a14:hiddenLine xmlns="" xmlns:a14="http://schemas.microsoft.com/office/drawing/2010/main" w="9525">
                     <a:solidFill>
                       <a:srgbClr val="000000"/>
                     </a:solidFill>
@@ -11349,7 +11354,7 @@
               </a:ln>
               <a:extLst>
                 <a:ext uri="{91240B29-F687-4f45-9708-019B960494DF}">
-                  <a14:hiddenLine xmlns:a14="http://schemas.microsoft.com/office/drawing/2010/main" xmlns="" w="9525">
+                  <a14:hiddenLine xmlns="" xmlns:a14="http://schemas.microsoft.com/office/drawing/2010/main" w="9525">
                     <a:solidFill>
                       <a:srgbClr val="000000"/>
                     </a:solidFill>
@@ -11439,7 +11444,7 @@
               </a:ln>
               <a:extLst>
                 <a:ext uri="{91240B29-F687-4f45-9708-019B960494DF}">
-                  <a14:hiddenLine xmlns:a14="http://schemas.microsoft.com/office/drawing/2010/main" xmlns="" w="9525">
+                  <a14:hiddenLine xmlns="" xmlns:a14="http://schemas.microsoft.com/office/drawing/2010/main" w="9525">
                     <a:solidFill>
                       <a:srgbClr val="000000"/>
                     </a:solidFill>
@@ -11507,7 +11512,7 @@
               </a:ln>
               <a:extLst>
                 <a:ext uri="{91240B29-F687-4f45-9708-019B960494DF}">
-                  <a14:hiddenLine xmlns:a14="http://schemas.microsoft.com/office/drawing/2010/main" xmlns="" w="9525">
+                  <a14:hiddenLine xmlns="" xmlns:a14="http://schemas.microsoft.com/office/drawing/2010/main" w="9525">
                     <a:solidFill>
                       <a:srgbClr val="000000"/>
                     </a:solidFill>
@@ -11597,7 +11602,7 @@
               </a:ln>
               <a:extLst>
                 <a:ext uri="{91240B29-F687-4f45-9708-019B960494DF}">
-                  <a14:hiddenLine xmlns:a14="http://schemas.microsoft.com/office/drawing/2010/main" xmlns="" w="9525">
+                  <a14:hiddenLine xmlns="" xmlns:a14="http://schemas.microsoft.com/office/drawing/2010/main" w="9525">
                     <a:solidFill>
                       <a:srgbClr val="000000"/>
                     </a:solidFill>
@@ -11665,7 +11670,7 @@
               </a:ln>
               <a:extLst>
                 <a:ext uri="{91240B29-F687-4f45-9708-019B960494DF}">
-                  <a14:hiddenLine xmlns:a14="http://schemas.microsoft.com/office/drawing/2010/main" xmlns="" w="9525">
+                  <a14:hiddenLine xmlns="" xmlns:a14="http://schemas.microsoft.com/office/drawing/2010/main" w="9525">
                     <a:solidFill>
                       <a:srgbClr val="000000"/>
                     </a:solidFill>
@@ -11755,7 +11760,7 @@
               </a:ln>
               <a:extLst>
                 <a:ext uri="{91240B29-F687-4f45-9708-019B960494DF}">
-                  <a14:hiddenLine xmlns:a14="http://schemas.microsoft.com/office/drawing/2010/main" xmlns="" w="9525">
+                  <a14:hiddenLine xmlns="" xmlns:a14="http://schemas.microsoft.com/office/drawing/2010/main" w="9525">
                     <a:solidFill>
                       <a:srgbClr val="000000"/>
                     </a:solidFill>
@@ -11789,7 +11794,7 @@
               </a:ln>
               <a:extLst>
                 <a:ext uri="{91240B29-F687-4f45-9708-019B960494DF}">
-                  <a14:hiddenLine xmlns:a14="http://schemas.microsoft.com/office/drawing/2010/main" xmlns="" w="9525">
+                  <a14:hiddenLine xmlns="" xmlns:a14="http://schemas.microsoft.com/office/drawing/2010/main" w="9525">
                     <a:solidFill>
                       <a:srgbClr val="000000"/>
                     </a:solidFill>
@@ -12984,36 +12989,65 @@
           </a:p>
         </p:txBody>
       </p:sp>
-      <p:sp>
-        <p:nvSpPr>
-          <p:cNvPr id="3" name="Marcador de contenido 2">
+      <p:pic>
+        <p:nvPicPr>
+          <p:cNvPr id="5" name="Marcador de contenido 4">
             <a:extLst>
               <a:ext uri="{FF2B5EF4-FFF2-40B4-BE49-F238E27FC236}">
-                <a16:creationId xmlns:a16="http://schemas.microsoft.com/office/drawing/2014/main" id="{9CCF4ACB-BADE-4D7C-9810-275B492F6B38}"/>
+                <a16:creationId xmlns:a16="http://schemas.microsoft.com/office/drawing/2014/main" id="{EA0C3C8D-4BED-4132-9DB7-F65FCFE8A934}"/>
               </a:ext>
             </a:extLst>
           </p:cNvPr>
-          <p:cNvSpPr>
-            <a:spLocks noGrp="1"/>
-          </p:cNvSpPr>
+          <p:cNvPicPr>
+            <a:picLocks noGrp="1" noChangeAspect="1"/>
+          </p:cNvPicPr>
           <p:nvPr>
             <p:ph idx="1"/>
           </p:nvPr>
-        </p:nvSpPr>
+        </p:nvPicPr>
+        <p:blipFill>
+          <a:blip r:embed="rId2"/>
+          <a:stretch>
+            <a:fillRect/>
+          </a:stretch>
+        </p:blipFill>
         <p:spPr>
           <a:xfrm>
-            <a:off x="1141412" y="2249486"/>
-            <a:ext cx="9905999" cy="4300603"/>
+            <a:off x="517994" y="2097088"/>
+            <a:ext cx="6712461" cy="3179587"/>
           </a:xfrm>
         </p:spPr>
-        <p:txBody>
-          <a:bodyPr/>
-          <a:lstStyle/>
-          <a:p>
-            <a:endParaRPr lang="es-AR" dirty="0"/>
-          </a:p>
-        </p:txBody>
-      </p:sp>
+      </p:pic>
+      <p:pic>
+        <p:nvPicPr>
+          <p:cNvPr id="6" name="Imagen 5">
+            <a:extLst>
+              <a:ext uri="{FF2B5EF4-FFF2-40B4-BE49-F238E27FC236}">
+                <a16:creationId xmlns:a16="http://schemas.microsoft.com/office/drawing/2014/main" id="{FE8001D8-4DE3-492B-B2BB-447B990CBFBA}"/>
+              </a:ext>
+            </a:extLst>
+          </p:cNvPr>
+          <p:cNvPicPr>
+            <a:picLocks noChangeAspect="1"/>
+          </p:cNvPicPr>
+          <p:nvPr/>
+        </p:nvPicPr>
+        <p:blipFill>
+          <a:blip r:embed="rId3"/>
+          <a:stretch>
+            <a:fillRect/>
+          </a:stretch>
+        </p:blipFill>
+        <p:spPr>
+          <a:xfrm>
+            <a:off x="8696323" y="1489923"/>
+            <a:ext cx="2863705" cy="4749559"/>
+          </a:xfrm>
+          <a:prstGeom prst="rect">
+            <a:avLst/>
+          </a:prstGeom>
+        </p:spPr>
+      </p:pic>
     </p:spTree>
     <p:extLst>
       <p:ext uri="{BB962C8B-B14F-4D97-AF65-F5344CB8AC3E}">
@@ -13073,31 +13107,95 @@
           </a:p>
         </p:txBody>
       </p:sp>
-      <p:sp>
-        <p:nvSpPr>
-          <p:cNvPr id="3" name="Marcador de contenido 2">
+      <p:pic>
+        <p:nvPicPr>
+          <p:cNvPr id="5" name="Marcador de contenido 4">
             <a:extLst>
               <a:ext uri="{FF2B5EF4-FFF2-40B4-BE49-F238E27FC236}">
-                <a16:creationId xmlns:a16="http://schemas.microsoft.com/office/drawing/2014/main" id="{7163FE08-D0A7-415F-90F8-637DE49CF307}"/>
+                <a16:creationId xmlns:a16="http://schemas.microsoft.com/office/drawing/2014/main" id="{A03B9293-5875-4C11-8607-3904308F818A}"/>
               </a:ext>
             </a:extLst>
           </p:cNvPr>
-          <p:cNvSpPr>
-            <a:spLocks noGrp="1"/>
-          </p:cNvSpPr>
+          <p:cNvPicPr>
+            <a:picLocks noGrp="1" noChangeAspect="1"/>
+          </p:cNvPicPr>
           <p:nvPr>
             <p:ph idx="1"/>
           </p:nvPr>
-        </p:nvSpPr>
-        <p:spPr/>
-        <p:txBody>
-          <a:bodyPr/>
-          <a:lstStyle/>
-          <a:p>
-            <a:endParaRPr lang="es-AR" dirty="0"/>
-          </a:p>
-        </p:txBody>
-      </p:sp>
+        </p:nvPicPr>
+        <p:blipFill>
+          <a:blip r:embed="rId2"/>
+          <a:stretch>
+            <a:fillRect/>
+          </a:stretch>
+        </p:blipFill>
+        <p:spPr>
+          <a:xfrm>
+            <a:off x="284847" y="1971797"/>
+            <a:ext cx="4256378" cy="2546352"/>
+          </a:xfrm>
+        </p:spPr>
+      </p:pic>
+      <p:pic>
+        <p:nvPicPr>
+          <p:cNvPr id="7" name="Imagen 6">
+            <a:extLst>
+              <a:ext uri="{FF2B5EF4-FFF2-40B4-BE49-F238E27FC236}">
+                <a16:creationId xmlns:a16="http://schemas.microsoft.com/office/drawing/2014/main" id="{2710C7CD-E414-4BAE-8E5C-497CB4129E1A}"/>
+              </a:ext>
+            </a:extLst>
+          </p:cNvPr>
+          <p:cNvPicPr>
+            <a:picLocks noChangeAspect="1"/>
+          </p:cNvPicPr>
+          <p:nvPr/>
+        </p:nvPicPr>
+        <p:blipFill>
+          <a:blip r:embed="rId3"/>
+          <a:stretch>
+            <a:fillRect/>
+          </a:stretch>
+        </p:blipFill>
+        <p:spPr>
+          <a:xfrm>
+            <a:off x="4847172" y="1971797"/>
+            <a:ext cx="3811315" cy="4101832"/>
+          </a:xfrm>
+          <a:prstGeom prst="rect">
+            <a:avLst/>
+          </a:prstGeom>
+        </p:spPr>
+      </p:pic>
+      <p:pic>
+        <p:nvPicPr>
+          <p:cNvPr id="11" name="Imagen 10">
+            <a:extLst>
+              <a:ext uri="{FF2B5EF4-FFF2-40B4-BE49-F238E27FC236}">
+                <a16:creationId xmlns:a16="http://schemas.microsoft.com/office/drawing/2014/main" id="{92390FDC-4E38-45C7-AF65-D280C975D00D}"/>
+              </a:ext>
+            </a:extLst>
+          </p:cNvPr>
+          <p:cNvPicPr>
+            <a:picLocks noChangeAspect="1"/>
+          </p:cNvPicPr>
+          <p:nvPr/>
+        </p:nvPicPr>
+        <p:blipFill>
+          <a:blip r:embed="rId4"/>
+          <a:stretch>
+            <a:fillRect/>
+          </a:stretch>
+        </p:blipFill>
+        <p:spPr>
+          <a:xfrm>
+            <a:off x="9086770" y="1971797"/>
+            <a:ext cx="2890462" cy="4775884"/>
+          </a:xfrm>
+          <a:prstGeom prst="rect">
+            <a:avLst/>
+          </a:prstGeom>
+        </p:spPr>
+      </p:pic>
     </p:spTree>
     <p:extLst>
       <p:ext uri="{BB962C8B-B14F-4D97-AF65-F5344CB8AC3E}">
@@ -13161,31 +13259,95 @@
           </a:p>
         </p:txBody>
       </p:sp>
-      <p:sp>
-        <p:nvSpPr>
-          <p:cNvPr id="3" name="Marcador de contenido 2">
+      <p:pic>
+        <p:nvPicPr>
+          <p:cNvPr id="7" name="Marcador de contenido 6">
             <a:extLst>
               <a:ext uri="{FF2B5EF4-FFF2-40B4-BE49-F238E27FC236}">
-                <a16:creationId xmlns:a16="http://schemas.microsoft.com/office/drawing/2014/main" id="{F694A395-A7E6-4E5E-A67D-1C920F245B4C}"/>
+                <a16:creationId xmlns:a16="http://schemas.microsoft.com/office/drawing/2014/main" id="{9969BE12-048D-4750-9970-510B7D780389}"/>
               </a:ext>
             </a:extLst>
           </p:cNvPr>
-          <p:cNvSpPr>
-            <a:spLocks noGrp="1"/>
-          </p:cNvSpPr>
+          <p:cNvPicPr>
+            <a:picLocks noGrp="1" noChangeAspect="1"/>
+          </p:cNvPicPr>
           <p:nvPr>
             <p:ph idx="1"/>
           </p:nvPr>
-        </p:nvSpPr>
-        <p:spPr/>
-        <p:txBody>
-          <a:bodyPr/>
-          <a:lstStyle/>
-          <a:p>
-            <a:endParaRPr lang="es-AR"/>
-          </a:p>
-        </p:txBody>
-      </p:sp>
+        </p:nvPicPr>
+        <p:blipFill>
+          <a:blip r:embed="rId2"/>
+          <a:stretch>
+            <a:fillRect/>
+          </a:stretch>
+        </p:blipFill>
+        <p:spPr>
+          <a:xfrm>
+            <a:off x="371483" y="3211248"/>
+            <a:ext cx="7613508" cy="1637590"/>
+          </a:xfrm>
+        </p:spPr>
+      </p:pic>
+      <p:pic>
+        <p:nvPicPr>
+          <p:cNvPr id="5" name="Imagen 4">
+            <a:extLst>
+              <a:ext uri="{FF2B5EF4-FFF2-40B4-BE49-F238E27FC236}">
+                <a16:creationId xmlns:a16="http://schemas.microsoft.com/office/drawing/2014/main" id="{77E43EB2-32CE-48A5-9D34-8758B0575A6D}"/>
+              </a:ext>
+            </a:extLst>
+          </p:cNvPr>
+          <p:cNvPicPr>
+            <a:picLocks noChangeAspect="1"/>
+          </p:cNvPicPr>
+          <p:nvPr/>
+        </p:nvPicPr>
+        <p:blipFill>
+          <a:blip r:embed="rId3"/>
+          <a:stretch>
+            <a:fillRect/>
+          </a:stretch>
+        </p:blipFill>
+        <p:spPr>
+          <a:xfrm>
+            <a:off x="8188938" y="1424076"/>
+            <a:ext cx="3159782" cy="5052225"/>
+          </a:xfrm>
+          <a:prstGeom prst="rect">
+            <a:avLst/>
+          </a:prstGeom>
+        </p:spPr>
+      </p:pic>
+      <p:pic>
+        <p:nvPicPr>
+          <p:cNvPr id="9" name="Imagen 8">
+            <a:extLst>
+              <a:ext uri="{FF2B5EF4-FFF2-40B4-BE49-F238E27FC236}">
+                <a16:creationId xmlns:a16="http://schemas.microsoft.com/office/drawing/2014/main" id="{A22A441F-6EC0-43DF-9E5F-08376AC8CA2B}"/>
+              </a:ext>
+            </a:extLst>
+          </p:cNvPr>
+          <p:cNvPicPr>
+            <a:picLocks noChangeAspect="1"/>
+          </p:cNvPicPr>
+          <p:nvPr/>
+        </p:nvPicPr>
+        <p:blipFill>
+          <a:blip r:embed="rId4"/>
+          <a:stretch>
+            <a:fillRect/>
+          </a:stretch>
+        </p:blipFill>
+        <p:spPr>
+          <a:xfrm>
+            <a:off x="371483" y="2097088"/>
+            <a:ext cx="4324954" cy="847843"/>
+          </a:xfrm>
+          <a:prstGeom prst="rect">
+            <a:avLst/>
+          </a:prstGeom>
+        </p:spPr>
+      </p:pic>
     </p:spTree>
     <p:extLst>
       <p:ext uri="{BB962C8B-B14F-4D97-AF65-F5344CB8AC3E}">

--- a/Presentacion School Maps/SchoolMapsPresentacion.pptx
+++ b/Presentacion School Maps/SchoolMapsPresentacion.pptx
@@ -9,6 +9,10 @@
     <p:sldId id="257" r:id="rId3"/>
     <p:sldId id="258" r:id="rId4"/>
     <p:sldId id="260" r:id="rId5"/>
+    <p:sldId id="261" r:id="rId6"/>
+    <p:sldId id="262" r:id="rId7"/>
+    <p:sldId id="263" r:id="rId8"/>
+    <p:sldId id="264" r:id="rId9"/>
   </p:sldIdLst>
   <p:sldSz cx="12192000" cy="6858000"/>
   <p:notesSz cx="6858000" cy="9144000"/>
@@ -165,7 +169,7 @@
           <a:noFill/>
           <a:extLst>
             <a:ext uri="{909E8E84-426E-40dd-AFC4-6F175D3DCCD1}">
-              <a14:hiddenFill xmlns="" xmlns:a14="http://schemas.microsoft.com/office/drawing/2010/main">
+              <a14:hiddenFill xmlns:a14="http://schemas.microsoft.com/office/drawing/2010/main" xmlns="">
                 <a:solidFill>
                   <a:srgbClr val="FFFFFF"/>
                 </a:solidFill>
@@ -225,7 +229,7 @@
             </a:ln>
             <a:extLst>
               <a:ext uri="{91240B29-F687-4f45-9708-019B960494DF}">
-                <a14:hiddenLine xmlns="" xmlns:a14="http://schemas.microsoft.com/office/drawing/2010/main" w="9525">
+                <a14:hiddenLine xmlns:a14="http://schemas.microsoft.com/office/drawing/2010/main" xmlns="" w="9525">
                   <a:solidFill>
                     <a:srgbClr val="000000"/>
                   </a:solidFill>
@@ -315,7 +319,7 @@
             </a:ln>
             <a:extLst>
               <a:ext uri="{91240B29-F687-4f45-9708-019B960494DF}">
-                <a14:hiddenLine xmlns="" xmlns:a14="http://schemas.microsoft.com/office/drawing/2010/main" w="9525">
+                <a14:hiddenLine xmlns:a14="http://schemas.microsoft.com/office/drawing/2010/main" xmlns="" w="9525">
                   <a:solidFill>
                     <a:srgbClr val="000000"/>
                   </a:solidFill>
@@ -405,7 +409,7 @@
             </a:ln>
             <a:extLst>
               <a:ext uri="{91240B29-F687-4f45-9708-019B960494DF}">
-                <a14:hiddenLine xmlns="" xmlns:a14="http://schemas.microsoft.com/office/drawing/2010/main" w="9525">
+                <a14:hiddenLine xmlns:a14="http://schemas.microsoft.com/office/drawing/2010/main" xmlns="" w="9525">
                   <a:solidFill>
                     <a:srgbClr val="000000"/>
                   </a:solidFill>
@@ -439,7 +443,7 @@
             </a:ln>
             <a:extLst>
               <a:ext uri="{91240B29-F687-4f45-9708-019B960494DF}">
-                <a14:hiddenLine xmlns="" xmlns:a14="http://schemas.microsoft.com/office/drawing/2010/main" w="9525">
+                <a14:hiddenLine xmlns:a14="http://schemas.microsoft.com/office/drawing/2010/main" xmlns="" w="9525">
                   <a:solidFill>
                     <a:srgbClr val="000000"/>
                   </a:solidFill>
@@ -529,7 +533,7 @@
             </a:ln>
             <a:extLst>
               <a:ext uri="{91240B29-F687-4f45-9708-019B960494DF}">
-                <a14:hiddenLine xmlns="" xmlns:a14="http://schemas.microsoft.com/office/drawing/2010/main" w="9525">
+                <a14:hiddenLine xmlns:a14="http://schemas.microsoft.com/office/drawing/2010/main" xmlns="" w="9525">
                   <a:solidFill>
                     <a:srgbClr val="000000"/>
                   </a:solidFill>
@@ -591,7 +595,7 @@
             </a:ln>
             <a:extLst>
               <a:ext uri="{91240B29-F687-4f45-9708-019B960494DF}">
-                <a14:hiddenLine xmlns="" xmlns:a14="http://schemas.microsoft.com/office/drawing/2010/main" w="9525">
+                <a14:hiddenLine xmlns:a14="http://schemas.microsoft.com/office/drawing/2010/main" xmlns="" w="9525">
                   <a:solidFill>
                     <a:srgbClr val="000000"/>
                   </a:solidFill>
@@ -653,7 +657,7 @@
             </a:ln>
             <a:extLst>
               <a:ext uri="{91240B29-F687-4f45-9708-019B960494DF}">
-                <a14:hiddenLine xmlns="" xmlns:a14="http://schemas.microsoft.com/office/drawing/2010/main" w="9525">
+                <a14:hiddenLine xmlns:a14="http://schemas.microsoft.com/office/drawing/2010/main" xmlns="" w="9525">
                   <a:solidFill>
                     <a:srgbClr val="000000"/>
                   </a:solidFill>
@@ -743,7 +747,7 @@
             </a:ln>
             <a:extLst>
               <a:ext uri="{91240B29-F687-4f45-9708-019B960494DF}">
-                <a14:hiddenLine xmlns="" xmlns:a14="http://schemas.microsoft.com/office/drawing/2010/main" w="9525">
+                <a14:hiddenLine xmlns:a14="http://schemas.microsoft.com/office/drawing/2010/main" xmlns="" w="9525">
                   <a:solidFill>
                     <a:srgbClr val="000000"/>
                   </a:solidFill>
@@ -805,7 +809,7 @@
             </a:ln>
             <a:extLst>
               <a:ext uri="{91240B29-F687-4f45-9708-019B960494DF}">
-                <a14:hiddenLine xmlns="" xmlns:a14="http://schemas.microsoft.com/office/drawing/2010/main" w="9525">
+                <a14:hiddenLine xmlns:a14="http://schemas.microsoft.com/office/drawing/2010/main" xmlns="" w="9525">
                   <a:solidFill>
                     <a:srgbClr val="000000"/>
                   </a:solidFill>
@@ -867,7 +871,7 @@
             </a:ln>
             <a:extLst>
               <a:ext uri="{91240B29-F687-4f45-9708-019B960494DF}">
-                <a14:hiddenLine xmlns="" xmlns:a14="http://schemas.microsoft.com/office/drawing/2010/main" w="9525">
+                <a14:hiddenLine xmlns:a14="http://schemas.microsoft.com/office/drawing/2010/main" xmlns="" w="9525">
                   <a:solidFill>
                     <a:srgbClr val="000000"/>
                   </a:solidFill>
@@ -957,7 +961,7 @@
             </a:ln>
             <a:extLst>
               <a:ext uri="{91240B29-F687-4f45-9708-019B960494DF}">
-                <a14:hiddenLine xmlns="" xmlns:a14="http://schemas.microsoft.com/office/drawing/2010/main" w="9525">
+                <a14:hiddenLine xmlns:a14="http://schemas.microsoft.com/office/drawing/2010/main" xmlns="" w="9525">
                   <a:solidFill>
                     <a:srgbClr val="000000"/>
                   </a:solidFill>
@@ -1047,7 +1051,7 @@
             </a:ln>
             <a:extLst>
               <a:ext uri="{91240B29-F687-4f45-9708-019B960494DF}">
-                <a14:hiddenLine xmlns="" xmlns:a14="http://schemas.microsoft.com/office/drawing/2010/main" w="9525">
+                <a14:hiddenLine xmlns:a14="http://schemas.microsoft.com/office/drawing/2010/main" xmlns="" w="9525">
                   <a:solidFill>
                     <a:srgbClr val="000000"/>
                   </a:solidFill>
@@ -1109,7 +1113,7 @@
             </a:ln>
             <a:extLst>
               <a:ext uri="{91240B29-F687-4f45-9708-019B960494DF}">
-                <a14:hiddenLine xmlns="" xmlns:a14="http://schemas.microsoft.com/office/drawing/2010/main" w="9525">
+                <a14:hiddenLine xmlns:a14="http://schemas.microsoft.com/office/drawing/2010/main" xmlns="" w="9525">
                   <a:solidFill>
                     <a:srgbClr val="000000"/>
                   </a:solidFill>
@@ -1219,7 +1223,7 @@
             </a:ln>
             <a:extLst>
               <a:ext uri="{91240B29-F687-4f45-9708-019B960494DF}">
-                <a14:hiddenLine xmlns="" xmlns:a14="http://schemas.microsoft.com/office/drawing/2010/main" w="9525">
+                <a14:hiddenLine xmlns:a14="http://schemas.microsoft.com/office/drawing/2010/main" xmlns="" w="9525">
                   <a:solidFill>
                     <a:srgbClr val="000000"/>
                   </a:solidFill>
@@ -1281,7 +1285,7 @@
             </a:ln>
             <a:extLst>
               <a:ext uri="{91240B29-F687-4f45-9708-019B960494DF}">
-                <a14:hiddenLine xmlns="" xmlns:a14="http://schemas.microsoft.com/office/drawing/2010/main" w="9525">
+                <a14:hiddenLine xmlns:a14="http://schemas.microsoft.com/office/drawing/2010/main" xmlns="" w="9525">
                   <a:solidFill>
                     <a:srgbClr val="000000"/>
                   </a:solidFill>
@@ -1371,7 +1375,7 @@
             </a:ln>
             <a:extLst>
               <a:ext uri="{91240B29-F687-4f45-9708-019B960494DF}">
-                <a14:hiddenLine xmlns="" xmlns:a14="http://schemas.microsoft.com/office/drawing/2010/main" w="9525">
+                <a14:hiddenLine xmlns:a14="http://schemas.microsoft.com/office/drawing/2010/main" xmlns="" w="9525">
                   <a:solidFill>
                     <a:srgbClr val="000000"/>
                   </a:solidFill>
@@ -1461,7 +1465,7 @@
             </a:ln>
             <a:extLst>
               <a:ext uri="{91240B29-F687-4f45-9708-019B960494DF}">
-                <a14:hiddenLine xmlns="" xmlns:a14="http://schemas.microsoft.com/office/drawing/2010/main" w="9525">
+                <a14:hiddenLine xmlns:a14="http://schemas.microsoft.com/office/drawing/2010/main" xmlns="" w="9525">
                   <a:solidFill>
                     <a:srgbClr val="000000"/>
                   </a:solidFill>
@@ -1523,7 +1527,7 @@
             </a:ln>
             <a:extLst>
               <a:ext uri="{91240B29-F687-4f45-9708-019B960494DF}">
-                <a14:hiddenLine xmlns="" xmlns:a14="http://schemas.microsoft.com/office/drawing/2010/main" w="9525">
+                <a14:hiddenLine xmlns:a14="http://schemas.microsoft.com/office/drawing/2010/main" xmlns="" w="9525">
                   <a:solidFill>
                     <a:srgbClr val="000000"/>
                   </a:solidFill>
@@ -1613,7 +1617,7 @@
             </a:ln>
             <a:extLst>
               <a:ext uri="{91240B29-F687-4f45-9708-019B960494DF}">
-                <a14:hiddenLine xmlns="" xmlns:a14="http://schemas.microsoft.com/office/drawing/2010/main" w="9525">
+                <a14:hiddenLine xmlns:a14="http://schemas.microsoft.com/office/drawing/2010/main" xmlns="" w="9525">
                   <a:solidFill>
                     <a:srgbClr val="000000"/>
                   </a:solidFill>
@@ -1703,7 +1707,7 @@
             </a:ln>
             <a:extLst>
               <a:ext uri="{91240B29-F687-4f45-9708-019B960494DF}">
-                <a14:hiddenLine xmlns="" xmlns:a14="http://schemas.microsoft.com/office/drawing/2010/main" w="9525">
+                <a14:hiddenLine xmlns:a14="http://schemas.microsoft.com/office/drawing/2010/main" xmlns="" w="9525">
                   <a:solidFill>
                     <a:srgbClr val="000000"/>
                   </a:solidFill>
@@ -1759,7 +1763,7 @@
             </a:ln>
             <a:extLst>
               <a:ext uri="{91240B29-F687-4f45-9708-019B960494DF}">
-                <a14:hiddenLine xmlns="" xmlns:a14="http://schemas.microsoft.com/office/drawing/2010/main" w="9525">
+                <a14:hiddenLine xmlns:a14="http://schemas.microsoft.com/office/drawing/2010/main" xmlns="" w="9525">
                   <a:solidFill>
                     <a:srgbClr val="000000"/>
                   </a:solidFill>
@@ -1849,7 +1853,7 @@
             </a:ln>
             <a:extLst>
               <a:ext uri="{91240B29-F687-4f45-9708-019B960494DF}">
-                <a14:hiddenLine xmlns="" xmlns:a14="http://schemas.microsoft.com/office/drawing/2010/main" w="9525">
+                <a14:hiddenLine xmlns:a14="http://schemas.microsoft.com/office/drawing/2010/main" xmlns="" w="9525">
                   <a:solidFill>
                     <a:srgbClr val="000000"/>
                   </a:solidFill>
@@ -1905,7 +1909,7 @@
             </a:ln>
             <a:extLst>
               <a:ext uri="{91240B29-F687-4f45-9708-019B960494DF}">
-                <a14:hiddenLine xmlns="" xmlns:a14="http://schemas.microsoft.com/office/drawing/2010/main" w="9525">
+                <a14:hiddenLine xmlns:a14="http://schemas.microsoft.com/office/drawing/2010/main" xmlns="" w="9525">
                   <a:solidFill>
                     <a:srgbClr val="000000"/>
                   </a:solidFill>
@@ -1995,7 +1999,7 @@
             </a:ln>
             <a:extLst>
               <a:ext uri="{91240B29-F687-4f45-9708-019B960494DF}">
-                <a14:hiddenLine xmlns="" xmlns:a14="http://schemas.microsoft.com/office/drawing/2010/main" w="9525">
+                <a14:hiddenLine xmlns:a14="http://schemas.microsoft.com/office/drawing/2010/main" xmlns="" w="9525">
                   <a:solidFill>
                     <a:srgbClr val="000000"/>
                   </a:solidFill>
@@ -2063,7 +2067,7 @@
             </a:ln>
             <a:extLst>
               <a:ext uri="{91240B29-F687-4f45-9708-019B960494DF}">
-                <a14:hiddenLine xmlns="" xmlns:a14="http://schemas.microsoft.com/office/drawing/2010/main" w="9525">
+                <a14:hiddenLine xmlns:a14="http://schemas.microsoft.com/office/drawing/2010/main" xmlns="" w="9525">
                   <a:solidFill>
                     <a:srgbClr val="000000"/>
                   </a:solidFill>
@@ -2153,7 +2157,7 @@
             </a:ln>
             <a:extLst>
               <a:ext uri="{91240B29-F687-4f45-9708-019B960494DF}">
-                <a14:hiddenLine xmlns="" xmlns:a14="http://schemas.microsoft.com/office/drawing/2010/main" w="9525">
+                <a14:hiddenLine xmlns:a14="http://schemas.microsoft.com/office/drawing/2010/main" xmlns="" w="9525">
                   <a:solidFill>
                     <a:srgbClr val="000000"/>
                   </a:solidFill>
@@ -2221,7 +2225,7 @@
             </a:ln>
             <a:extLst>
               <a:ext uri="{91240B29-F687-4f45-9708-019B960494DF}">
-                <a14:hiddenLine xmlns="" xmlns:a14="http://schemas.microsoft.com/office/drawing/2010/main" w="9525">
+                <a14:hiddenLine xmlns:a14="http://schemas.microsoft.com/office/drawing/2010/main" xmlns="" w="9525">
                   <a:solidFill>
                     <a:srgbClr val="000000"/>
                   </a:solidFill>
@@ -2311,7 +2315,7 @@
             </a:ln>
             <a:extLst>
               <a:ext uri="{91240B29-F687-4f45-9708-019B960494DF}">
-                <a14:hiddenLine xmlns="" xmlns:a14="http://schemas.microsoft.com/office/drawing/2010/main" w="9525">
+                <a14:hiddenLine xmlns:a14="http://schemas.microsoft.com/office/drawing/2010/main" xmlns="" w="9525">
                   <a:solidFill>
                     <a:srgbClr val="000000"/>
                   </a:solidFill>
@@ -2345,7 +2349,7 @@
             </a:ln>
             <a:extLst>
               <a:ext uri="{91240B29-F687-4f45-9708-019B960494DF}">
-                <a14:hiddenLine xmlns="" xmlns:a14="http://schemas.microsoft.com/office/drawing/2010/main" w="9525">
+                <a14:hiddenLine xmlns:a14="http://schemas.microsoft.com/office/drawing/2010/main" xmlns="" w="9525">
                   <a:solidFill>
                     <a:srgbClr val="000000"/>
                   </a:solidFill>
@@ -2435,7 +2439,7 @@
             </a:ln>
             <a:extLst>
               <a:ext uri="{91240B29-F687-4f45-9708-019B960494DF}">
-                <a14:hiddenLine xmlns="" xmlns:a14="http://schemas.microsoft.com/office/drawing/2010/main" w="9525">
+                <a14:hiddenLine xmlns:a14="http://schemas.microsoft.com/office/drawing/2010/main" xmlns="" w="9525">
                   <a:solidFill>
                     <a:srgbClr val="000000"/>
                   </a:solidFill>
@@ -2497,7 +2501,7 @@
             </a:ln>
             <a:extLst>
               <a:ext uri="{91240B29-F687-4f45-9708-019B960494DF}">
-                <a14:hiddenLine xmlns="" xmlns:a14="http://schemas.microsoft.com/office/drawing/2010/main" w="9525">
+                <a14:hiddenLine xmlns:a14="http://schemas.microsoft.com/office/drawing/2010/main" xmlns="" w="9525">
                   <a:solidFill>
                     <a:srgbClr val="000000"/>
                   </a:solidFill>
@@ -2559,7 +2563,7 @@
             </a:ln>
             <a:extLst>
               <a:ext uri="{91240B29-F687-4f45-9708-019B960494DF}">
-                <a14:hiddenLine xmlns="" xmlns:a14="http://schemas.microsoft.com/office/drawing/2010/main" w="9525">
+                <a14:hiddenLine xmlns:a14="http://schemas.microsoft.com/office/drawing/2010/main" xmlns="" w="9525">
                   <a:solidFill>
                     <a:srgbClr val="000000"/>
                   </a:solidFill>
@@ -2649,7 +2653,7 @@
             </a:ln>
             <a:extLst>
               <a:ext uri="{91240B29-F687-4f45-9708-019B960494DF}">
-                <a14:hiddenLine xmlns="" xmlns:a14="http://schemas.microsoft.com/office/drawing/2010/main" w="9525">
+                <a14:hiddenLine xmlns:a14="http://schemas.microsoft.com/office/drawing/2010/main" xmlns="" w="9525">
                   <a:solidFill>
                     <a:srgbClr val="000000"/>
                   </a:solidFill>
@@ -2717,7 +2721,7 @@
             </a:ln>
             <a:extLst>
               <a:ext uri="{91240B29-F687-4f45-9708-019B960494DF}">
-                <a14:hiddenLine xmlns="" xmlns:a14="http://schemas.microsoft.com/office/drawing/2010/main" w="9525">
+                <a14:hiddenLine xmlns:a14="http://schemas.microsoft.com/office/drawing/2010/main" xmlns="" w="9525">
                   <a:solidFill>
                     <a:srgbClr val="000000"/>
                   </a:solidFill>
@@ -2779,7 +2783,7 @@
             </a:ln>
             <a:extLst>
               <a:ext uri="{91240B29-F687-4f45-9708-019B960494DF}">
-                <a14:hiddenLine xmlns="" xmlns:a14="http://schemas.microsoft.com/office/drawing/2010/main" w="9525">
+                <a14:hiddenLine xmlns:a14="http://schemas.microsoft.com/office/drawing/2010/main" xmlns="" w="9525">
                   <a:solidFill>
                     <a:srgbClr val="000000"/>
                   </a:solidFill>
@@ -2869,7 +2873,7 @@
             </a:ln>
             <a:extLst>
               <a:ext uri="{91240B29-F687-4f45-9708-019B960494DF}">
-                <a14:hiddenLine xmlns="" xmlns:a14="http://schemas.microsoft.com/office/drawing/2010/main" w="9525">
+                <a14:hiddenLine xmlns:a14="http://schemas.microsoft.com/office/drawing/2010/main" xmlns="" w="9525">
                   <a:solidFill>
                     <a:srgbClr val="000000"/>
                   </a:solidFill>
@@ -2931,7 +2935,7 @@
             </a:ln>
             <a:extLst>
               <a:ext uri="{91240B29-F687-4f45-9708-019B960494DF}">
-                <a14:hiddenLine xmlns="" xmlns:a14="http://schemas.microsoft.com/office/drawing/2010/main" w="9525">
+                <a14:hiddenLine xmlns:a14="http://schemas.microsoft.com/office/drawing/2010/main" xmlns="" w="9525">
                   <a:solidFill>
                     <a:srgbClr val="000000"/>
                   </a:solidFill>
@@ -3021,7 +3025,7 @@
             </a:ln>
             <a:extLst>
               <a:ext uri="{91240B29-F687-4f45-9708-019B960494DF}">
-                <a14:hiddenLine xmlns="" xmlns:a14="http://schemas.microsoft.com/office/drawing/2010/main" w="9525">
+                <a14:hiddenLine xmlns:a14="http://schemas.microsoft.com/office/drawing/2010/main" xmlns="" w="9525">
                   <a:solidFill>
                     <a:srgbClr val="000000"/>
                   </a:solidFill>
@@ -3083,7 +3087,7 @@
             </a:ln>
             <a:extLst>
               <a:ext uri="{91240B29-F687-4f45-9708-019B960494DF}">
-                <a14:hiddenLine xmlns="" xmlns:a14="http://schemas.microsoft.com/office/drawing/2010/main" w="9525">
+                <a14:hiddenLine xmlns:a14="http://schemas.microsoft.com/office/drawing/2010/main" xmlns="" w="9525">
                   <a:solidFill>
                     <a:srgbClr val="000000"/>
                   </a:solidFill>
@@ -3173,7 +3177,7 @@
             </a:ln>
             <a:extLst>
               <a:ext uri="{91240B29-F687-4f45-9708-019B960494DF}">
-                <a14:hiddenLine xmlns="" xmlns:a14="http://schemas.microsoft.com/office/drawing/2010/main" w="9525">
+                <a14:hiddenLine xmlns:a14="http://schemas.microsoft.com/office/drawing/2010/main" xmlns="" w="9525">
                   <a:solidFill>
                     <a:srgbClr val="000000"/>
                   </a:solidFill>
@@ -3207,7 +3211,7 @@
             </a:ln>
             <a:extLst>
               <a:ext uri="{91240B29-F687-4f45-9708-019B960494DF}">
-                <a14:hiddenLine xmlns="" xmlns:a14="http://schemas.microsoft.com/office/drawing/2010/main" w="9525">
+                <a14:hiddenLine xmlns:a14="http://schemas.microsoft.com/office/drawing/2010/main" xmlns="" w="9525">
                   <a:solidFill>
                     <a:srgbClr val="000000"/>
                   </a:solidFill>
@@ -3272,7 +3276,7 @@
             </a:ln>
             <a:extLst>
               <a:ext uri="{91240B29-F687-4f45-9708-019B960494DF}">
-                <a14:hiddenLine xmlns="" xmlns:a14="http://schemas.microsoft.com/office/drawing/2010/main" w="9525">
+                <a14:hiddenLine xmlns:a14="http://schemas.microsoft.com/office/drawing/2010/main" xmlns="" w="9525">
                   <a:solidFill>
                     <a:srgbClr val="000000"/>
                   </a:solidFill>
@@ -3362,7 +3366,7 @@
             </a:ln>
             <a:extLst>
               <a:ext uri="{91240B29-F687-4f45-9708-019B960494DF}">
-                <a14:hiddenLine xmlns="" xmlns:a14="http://schemas.microsoft.com/office/drawing/2010/main" w="9525">
+                <a14:hiddenLine xmlns:a14="http://schemas.microsoft.com/office/drawing/2010/main" xmlns="" w="9525">
                   <a:solidFill>
                     <a:srgbClr val="000000"/>
                   </a:solidFill>
@@ -3424,7 +3428,7 @@
             </a:ln>
             <a:extLst>
               <a:ext uri="{91240B29-F687-4f45-9708-019B960494DF}">
-                <a14:hiddenLine xmlns="" xmlns:a14="http://schemas.microsoft.com/office/drawing/2010/main" w="9525">
+                <a14:hiddenLine xmlns:a14="http://schemas.microsoft.com/office/drawing/2010/main" xmlns="" w="9525">
                   <a:solidFill>
                     <a:srgbClr val="000000"/>
                   </a:solidFill>
@@ -3514,7 +3518,7 @@
             </a:ln>
             <a:extLst>
               <a:ext uri="{91240B29-F687-4f45-9708-019B960494DF}">
-                <a14:hiddenLine xmlns="" xmlns:a14="http://schemas.microsoft.com/office/drawing/2010/main" w="9525">
+                <a14:hiddenLine xmlns:a14="http://schemas.microsoft.com/office/drawing/2010/main" xmlns="" w="9525">
                   <a:solidFill>
                     <a:srgbClr val="000000"/>
                   </a:solidFill>
@@ -3604,7 +3608,7 @@
             </a:ln>
             <a:extLst>
               <a:ext uri="{91240B29-F687-4f45-9708-019B960494DF}">
-                <a14:hiddenLine xmlns="" xmlns:a14="http://schemas.microsoft.com/office/drawing/2010/main" w="9525">
+                <a14:hiddenLine xmlns:a14="http://schemas.microsoft.com/office/drawing/2010/main" xmlns="" w="9525">
                   <a:solidFill>
                     <a:srgbClr val="000000"/>
                   </a:solidFill>
@@ -3669,7 +3673,7 @@
             </a:ln>
             <a:extLst>
               <a:ext uri="{91240B29-F687-4f45-9708-019B960494DF}">
-                <a14:hiddenLine xmlns="" xmlns:a14="http://schemas.microsoft.com/office/drawing/2010/main" w="9525">
+                <a14:hiddenLine xmlns:a14="http://schemas.microsoft.com/office/drawing/2010/main" xmlns="" w="9525">
                   <a:solidFill>
                     <a:srgbClr val="000000"/>
                   </a:solidFill>
@@ -3731,7 +3735,7 @@
             </a:ln>
             <a:extLst>
               <a:ext uri="{91240B29-F687-4f45-9708-019B960494DF}">
-                <a14:hiddenLine xmlns="" xmlns:a14="http://schemas.microsoft.com/office/drawing/2010/main" w="9525">
+                <a14:hiddenLine xmlns:a14="http://schemas.microsoft.com/office/drawing/2010/main" xmlns="" w="9525">
                   <a:solidFill>
                     <a:srgbClr val="000000"/>
                   </a:solidFill>
@@ -3821,7 +3825,7 @@
             </a:ln>
             <a:extLst>
               <a:ext uri="{91240B29-F687-4f45-9708-019B960494DF}">
-                <a14:hiddenLine xmlns="" xmlns:a14="http://schemas.microsoft.com/office/drawing/2010/main" w="9525">
+                <a14:hiddenLine xmlns:a14="http://schemas.microsoft.com/office/drawing/2010/main" xmlns="" w="9525">
                   <a:solidFill>
                     <a:srgbClr val="000000"/>
                   </a:solidFill>
@@ -3911,7 +3915,7 @@
             </a:ln>
             <a:extLst>
               <a:ext uri="{91240B29-F687-4f45-9708-019B960494DF}">
-                <a14:hiddenLine xmlns="" xmlns:a14="http://schemas.microsoft.com/office/drawing/2010/main" w="9525">
+                <a14:hiddenLine xmlns:a14="http://schemas.microsoft.com/office/drawing/2010/main" xmlns="" w="9525">
                   <a:solidFill>
                     <a:srgbClr val="000000"/>
                   </a:solidFill>
@@ -3973,7 +3977,7 @@
             </a:ln>
             <a:extLst>
               <a:ext uri="{91240B29-F687-4f45-9708-019B960494DF}">
-                <a14:hiddenLine xmlns="" xmlns:a14="http://schemas.microsoft.com/office/drawing/2010/main" w="9525">
+                <a14:hiddenLine xmlns:a14="http://schemas.microsoft.com/office/drawing/2010/main" xmlns="" w="9525">
                   <a:solidFill>
                     <a:srgbClr val="000000"/>
                   </a:solidFill>
@@ -4093,7 +4097,7 @@
             </a:ln>
             <a:extLst>
               <a:ext uri="{91240B29-F687-4f45-9708-019B960494DF}">
-                <a14:hiddenLine xmlns="" xmlns:a14="http://schemas.microsoft.com/office/drawing/2010/main" w="9525">
+                <a14:hiddenLine xmlns:a14="http://schemas.microsoft.com/office/drawing/2010/main" xmlns="" w="9525">
                   <a:solidFill>
                     <a:srgbClr val="000000"/>
                   </a:solidFill>
@@ -4161,7 +4165,7 @@
             </a:ln>
             <a:extLst>
               <a:ext uri="{91240B29-F687-4f45-9708-019B960494DF}">
-                <a14:hiddenLine xmlns="" xmlns:a14="http://schemas.microsoft.com/office/drawing/2010/main" w="9525">
+                <a14:hiddenLine xmlns:a14="http://schemas.microsoft.com/office/drawing/2010/main" xmlns="" w="9525">
                   <a:solidFill>
                     <a:srgbClr val="000000"/>
                   </a:solidFill>
@@ -4251,7 +4255,7 @@
             </a:ln>
             <a:extLst>
               <a:ext uri="{91240B29-F687-4f45-9708-019B960494DF}">
-                <a14:hiddenLine xmlns="" xmlns:a14="http://schemas.microsoft.com/office/drawing/2010/main" w="9525">
+                <a14:hiddenLine xmlns:a14="http://schemas.microsoft.com/office/drawing/2010/main" xmlns="" w="9525">
                   <a:solidFill>
                     <a:srgbClr val="000000"/>
                   </a:solidFill>
@@ -4391,7 +4395,7 @@
           <a:p>
             <a:fld id="{48A87A34-81AB-432B-8DAE-1953F412C126}" type="datetimeFigureOut">
               <a:rPr lang="en-US" dirty="0"/>
-              <a:t>11/15/2021</a:t>
+              <a:t>11/16/2021</a:t>
             </a:fld>
             <a:endParaRPr lang="en-US" dirty="0"/>
           </a:p>
@@ -4653,7 +4657,7 @@
           <a:p>
             <a:fld id="{48A87A34-81AB-432B-8DAE-1953F412C126}" type="datetimeFigureOut">
               <a:rPr lang="en-US" dirty="0"/>
-              <a:t>11/15/2021</a:t>
+              <a:t>11/16/2021</a:t>
             </a:fld>
             <a:endParaRPr lang="en-US" dirty="0"/>
           </a:p>
@@ -4844,7 +4848,7 @@
           <a:p>
             <a:fld id="{48A87A34-81AB-432B-8DAE-1953F412C126}" type="datetimeFigureOut">
               <a:rPr lang="en-US" dirty="0"/>
-              <a:t>11/15/2021</a:t>
+              <a:t>11/16/2021</a:t>
             </a:fld>
             <a:endParaRPr lang="en-US" dirty="0"/>
           </a:p>
@@ -5102,7 +5106,7 @@
           <a:p>
             <a:fld id="{48A87A34-81AB-432B-8DAE-1953F412C126}" type="datetimeFigureOut">
               <a:rPr lang="en-US" dirty="0"/>
-              <a:t>11/15/2021</a:t>
+              <a:t>11/16/2021</a:t>
             </a:fld>
             <a:endParaRPr lang="en-US" dirty="0"/>
           </a:p>
@@ -5531,7 +5535,7 @@
           <a:p>
             <a:fld id="{48A87A34-81AB-432B-8DAE-1953F412C126}" type="datetimeFigureOut">
               <a:rPr lang="en-US" dirty="0"/>
-              <a:t>11/15/2021</a:t>
+              <a:t>11/16/2021</a:t>
             </a:fld>
             <a:endParaRPr lang="en-US" dirty="0"/>
           </a:p>
@@ -6072,7 +6076,7 @@
           <a:p>
             <a:fld id="{48A87A34-81AB-432B-8DAE-1953F412C126}" type="datetimeFigureOut">
               <a:rPr lang="en-US" dirty="0"/>
-              <a:t>11/15/2021</a:t>
+              <a:t>11/16/2021</a:t>
             </a:fld>
             <a:endParaRPr lang="en-US" dirty="0"/>
           </a:p>
@@ -6787,7 +6791,7 @@
           <a:p>
             <a:fld id="{48A87A34-81AB-432B-8DAE-1953F412C126}" type="datetimeFigureOut">
               <a:rPr lang="en-US" dirty="0"/>
-              <a:t>11/15/2021</a:t>
+              <a:t>11/16/2021</a:t>
             </a:fld>
             <a:endParaRPr lang="en-US" dirty="0"/>
           </a:p>
@@ -6952,7 +6956,7 @@
           <a:p>
             <a:fld id="{48A87A34-81AB-432B-8DAE-1953F412C126}" type="datetimeFigureOut">
               <a:rPr lang="en-US" dirty="0"/>
-              <a:t>11/15/2021</a:t>
+              <a:t>11/16/2021</a:t>
             </a:fld>
             <a:endParaRPr lang="en-US" dirty="0"/>
           </a:p>
@@ -7127,7 +7131,7 @@
           <a:p>
             <a:fld id="{48A87A34-81AB-432B-8DAE-1953F412C126}" type="datetimeFigureOut">
               <a:rPr lang="en-US" dirty="0"/>
-              <a:t>11/15/2021</a:t>
+              <a:t>11/16/2021</a:t>
             </a:fld>
             <a:endParaRPr lang="en-US" dirty="0"/>
           </a:p>
@@ -7292,7 +7296,7 @@
           <a:p>
             <a:fld id="{48A87A34-81AB-432B-8DAE-1953F412C126}" type="datetimeFigureOut">
               <a:rPr lang="en-US" dirty="0"/>
-              <a:t>11/15/2021</a:t>
+              <a:t>11/16/2021</a:t>
             </a:fld>
             <a:endParaRPr lang="en-US" dirty="0"/>
           </a:p>
@@ -7537,7 +7541,7 @@
           <a:p>
             <a:fld id="{48A87A34-81AB-432B-8DAE-1953F412C126}" type="datetimeFigureOut">
               <a:rPr lang="en-US" dirty="0"/>
-              <a:t>11/15/2021</a:t>
+              <a:t>11/16/2021</a:t>
             </a:fld>
             <a:endParaRPr lang="en-US" dirty="0"/>
           </a:p>
@@ -7764,7 +7768,7 @@
           <a:p>
             <a:fld id="{48A87A34-81AB-432B-8DAE-1953F412C126}" type="datetimeFigureOut">
               <a:rPr lang="en-US" dirty="0"/>
-              <a:t>11/15/2021</a:t>
+              <a:t>11/16/2021</a:t>
             </a:fld>
             <a:endParaRPr lang="en-US" dirty="0"/>
           </a:p>
@@ -8140,7 +8144,7 @@
           <a:p>
             <a:fld id="{48A87A34-81AB-432B-8DAE-1953F412C126}" type="datetimeFigureOut">
               <a:rPr lang="en-US" dirty="0"/>
-              <a:t>11/15/2021</a:t>
+              <a:t>11/16/2021</a:t>
             </a:fld>
             <a:endParaRPr lang="en-US" dirty="0"/>
           </a:p>
@@ -8253,7 +8257,7 @@
           <a:p>
             <a:fld id="{48A87A34-81AB-432B-8DAE-1953F412C126}" type="datetimeFigureOut">
               <a:rPr lang="en-US" dirty="0"/>
-              <a:t>11/15/2021</a:t>
+              <a:t>11/16/2021</a:t>
             </a:fld>
             <a:endParaRPr lang="en-US" dirty="0"/>
           </a:p>
@@ -8343,7 +8347,7 @@
           <a:p>
             <a:fld id="{48A87A34-81AB-432B-8DAE-1953F412C126}" type="datetimeFigureOut">
               <a:rPr lang="en-US" dirty="0"/>
-              <a:t>11/15/2021</a:t>
+              <a:t>11/16/2021</a:t>
             </a:fld>
             <a:endParaRPr lang="en-US" dirty="0"/>
           </a:p>
@@ -8587,7 +8591,7 @@
           <a:p>
             <a:fld id="{48A87A34-81AB-432B-8DAE-1953F412C126}" type="datetimeFigureOut">
               <a:rPr lang="en-US" dirty="0"/>
-              <a:t>11/15/2021</a:t>
+              <a:t>11/16/2021</a:t>
             </a:fld>
             <a:endParaRPr lang="en-US" dirty="0"/>
           </a:p>
@@ -8862,7 +8866,7 @@
           <a:p>
             <a:fld id="{48A87A34-81AB-432B-8DAE-1953F412C126}" type="datetimeFigureOut">
               <a:rPr lang="en-US" dirty="0"/>
-              <a:t>11/15/2021</a:t>
+              <a:t>11/16/2021</a:t>
             </a:fld>
             <a:endParaRPr lang="en-US" dirty="0"/>
           </a:p>
@@ -8973,7 +8977,7 @@
           <a:noFill/>
           <a:extLst>
             <a:ext uri="{909E8E84-426E-40dd-AFC4-6F175D3DCCD1}">
-              <a14:hiddenFill xmlns="" xmlns:a14="http://schemas.microsoft.com/office/drawing/2010/main">
+              <a14:hiddenFill xmlns:a14="http://schemas.microsoft.com/office/drawing/2010/main" xmlns="">
                 <a:solidFill>
                   <a:srgbClr val="FFFFFF"/>
                 </a:solidFill>
@@ -9047,7 +9051,7 @@
               </a:ln>
               <a:extLst>
                 <a:ext uri="{91240B29-F687-4f45-9708-019B960494DF}">
-                  <a14:hiddenLine xmlns="" xmlns:a14="http://schemas.microsoft.com/office/drawing/2010/main" w="9525">
+                  <a14:hiddenLine xmlns:a14="http://schemas.microsoft.com/office/drawing/2010/main" xmlns="" w="9525">
                     <a:solidFill>
                       <a:srgbClr val="000000"/>
                     </a:solidFill>
@@ -9137,7 +9141,7 @@
               </a:ln>
               <a:extLst>
                 <a:ext uri="{91240B29-F687-4f45-9708-019B960494DF}">
-                  <a14:hiddenLine xmlns="" xmlns:a14="http://schemas.microsoft.com/office/drawing/2010/main" w="9525">
+                  <a14:hiddenLine xmlns:a14="http://schemas.microsoft.com/office/drawing/2010/main" xmlns="" w="9525">
                     <a:solidFill>
                       <a:srgbClr val="000000"/>
                     </a:solidFill>
@@ -9227,7 +9231,7 @@
               </a:ln>
               <a:extLst>
                 <a:ext uri="{91240B29-F687-4f45-9708-019B960494DF}">
-                  <a14:hiddenLine xmlns="" xmlns:a14="http://schemas.microsoft.com/office/drawing/2010/main" w="9525">
+                  <a14:hiddenLine xmlns:a14="http://schemas.microsoft.com/office/drawing/2010/main" xmlns="" w="9525">
                     <a:solidFill>
                       <a:srgbClr val="000000"/>
                     </a:solidFill>
@@ -9289,7 +9293,7 @@
               </a:ln>
               <a:extLst>
                 <a:ext uri="{91240B29-F687-4f45-9708-019B960494DF}">
-                  <a14:hiddenLine xmlns="" xmlns:a14="http://schemas.microsoft.com/office/drawing/2010/main" w="9525">
+                  <a14:hiddenLine xmlns:a14="http://schemas.microsoft.com/office/drawing/2010/main" xmlns="" w="9525">
                     <a:solidFill>
                       <a:srgbClr val="000000"/>
                     </a:solidFill>
@@ -9379,7 +9383,7 @@
               </a:ln>
               <a:extLst>
                 <a:ext uri="{91240B29-F687-4f45-9708-019B960494DF}">
-                  <a14:hiddenLine xmlns="" xmlns:a14="http://schemas.microsoft.com/office/drawing/2010/main" w="9525">
+                  <a14:hiddenLine xmlns:a14="http://schemas.microsoft.com/office/drawing/2010/main" xmlns="" w="9525">
                     <a:solidFill>
                       <a:srgbClr val="000000"/>
                     </a:solidFill>
@@ -9441,7 +9445,7 @@
               </a:ln>
               <a:extLst>
                 <a:ext uri="{91240B29-F687-4f45-9708-019B960494DF}">
-                  <a14:hiddenLine xmlns="" xmlns:a14="http://schemas.microsoft.com/office/drawing/2010/main" w="9525">
+                  <a14:hiddenLine xmlns:a14="http://schemas.microsoft.com/office/drawing/2010/main" xmlns="" w="9525">
                     <a:solidFill>
                       <a:srgbClr val="000000"/>
                     </a:solidFill>
@@ -9503,7 +9507,7 @@
               </a:ln>
               <a:extLst>
                 <a:ext uri="{91240B29-F687-4f45-9708-019B960494DF}">
-                  <a14:hiddenLine xmlns="" xmlns:a14="http://schemas.microsoft.com/office/drawing/2010/main" w="9525">
+                  <a14:hiddenLine xmlns:a14="http://schemas.microsoft.com/office/drawing/2010/main" xmlns="" w="9525">
                     <a:solidFill>
                       <a:srgbClr val="000000"/>
                     </a:solidFill>
@@ -9593,7 +9597,7 @@
               </a:ln>
               <a:extLst>
                 <a:ext uri="{91240B29-F687-4f45-9708-019B960494DF}">
-                  <a14:hiddenLine xmlns="" xmlns:a14="http://schemas.microsoft.com/office/drawing/2010/main" w="9525">
+                  <a14:hiddenLine xmlns:a14="http://schemas.microsoft.com/office/drawing/2010/main" xmlns="" w="9525">
                     <a:solidFill>
                       <a:srgbClr val="000000"/>
                     </a:solidFill>
@@ -9683,7 +9687,7 @@
               </a:ln>
               <a:extLst>
                 <a:ext uri="{91240B29-F687-4f45-9708-019B960494DF}">
-                  <a14:hiddenLine xmlns="" xmlns:a14="http://schemas.microsoft.com/office/drawing/2010/main" w="9525">
+                  <a14:hiddenLine xmlns:a14="http://schemas.microsoft.com/office/drawing/2010/main" xmlns="" w="9525">
                     <a:solidFill>
                       <a:srgbClr val="000000"/>
                     </a:solidFill>
@@ -9745,7 +9749,7 @@
               </a:ln>
               <a:extLst>
                 <a:ext uri="{91240B29-F687-4f45-9708-019B960494DF}">
-                  <a14:hiddenLine xmlns="" xmlns:a14="http://schemas.microsoft.com/office/drawing/2010/main" w="9525">
+                  <a14:hiddenLine xmlns:a14="http://schemas.microsoft.com/office/drawing/2010/main" xmlns="" w="9525">
                     <a:solidFill>
                       <a:srgbClr val="000000"/>
                     </a:solidFill>
@@ -9855,7 +9859,7 @@
               </a:ln>
               <a:extLst>
                 <a:ext uri="{91240B29-F687-4f45-9708-019B960494DF}">
-                  <a14:hiddenLine xmlns="" xmlns:a14="http://schemas.microsoft.com/office/drawing/2010/main" w="9525">
+                  <a14:hiddenLine xmlns:a14="http://schemas.microsoft.com/office/drawing/2010/main" xmlns="" w="9525">
                     <a:solidFill>
                       <a:srgbClr val="000000"/>
                     </a:solidFill>
@@ -9939,7 +9943,7 @@
               </a:ln>
               <a:extLst>
                 <a:ext uri="{91240B29-F687-4f45-9708-019B960494DF}">
-                  <a14:hiddenLine xmlns="" xmlns:a14="http://schemas.microsoft.com/office/drawing/2010/main" w="9525">
+                  <a14:hiddenLine xmlns:a14="http://schemas.microsoft.com/office/drawing/2010/main" xmlns="" w="9525">
                     <a:solidFill>
                       <a:srgbClr val="000000"/>
                     </a:solidFill>
@@ -10001,7 +10005,7 @@
               </a:ln>
               <a:extLst>
                 <a:ext uri="{91240B29-F687-4f45-9708-019B960494DF}">
-                  <a14:hiddenLine xmlns="" xmlns:a14="http://schemas.microsoft.com/office/drawing/2010/main" w="9525">
+                  <a14:hiddenLine xmlns:a14="http://schemas.microsoft.com/office/drawing/2010/main" xmlns="" w="9525">
                     <a:solidFill>
                       <a:srgbClr val="000000"/>
                     </a:solidFill>
@@ -10063,7 +10067,7 @@
               </a:ln>
               <a:extLst>
                 <a:ext uri="{91240B29-F687-4f45-9708-019B960494DF}">
-                  <a14:hiddenLine xmlns="" xmlns:a14="http://schemas.microsoft.com/office/drawing/2010/main" w="9525">
+                  <a14:hiddenLine xmlns:a14="http://schemas.microsoft.com/office/drawing/2010/main" xmlns="" w="9525">
                     <a:solidFill>
                       <a:srgbClr val="000000"/>
                     </a:solidFill>
@@ -10153,7 +10157,7 @@
               </a:ln>
               <a:extLst>
                 <a:ext uri="{91240B29-F687-4f45-9708-019B960494DF}">
-                  <a14:hiddenLine xmlns="" xmlns:a14="http://schemas.microsoft.com/office/drawing/2010/main" w="9525">
+                  <a14:hiddenLine xmlns:a14="http://schemas.microsoft.com/office/drawing/2010/main" xmlns="" w="9525">
                     <a:solidFill>
                       <a:srgbClr val="000000"/>
                     </a:solidFill>
@@ -10187,7 +10191,7 @@
               </a:ln>
               <a:extLst>
                 <a:ext uri="{91240B29-F687-4f45-9708-019B960494DF}">
-                  <a14:hiddenLine xmlns="" xmlns:a14="http://schemas.microsoft.com/office/drawing/2010/main" w="9525">
+                  <a14:hiddenLine xmlns:a14="http://schemas.microsoft.com/office/drawing/2010/main" xmlns="" w="9525">
                     <a:solidFill>
                       <a:srgbClr val="000000"/>
                     </a:solidFill>
@@ -10252,7 +10256,7 @@
               </a:ln>
               <a:extLst>
                 <a:ext uri="{91240B29-F687-4f45-9708-019B960494DF}">
-                  <a14:hiddenLine xmlns="" xmlns:a14="http://schemas.microsoft.com/office/drawing/2010/main" w="9525">
+                  <a14:hiddenLine xmlns:a14="http://schemas.microsoft.com/office/drawing/2010/main" xmlns="" w="9525">
                     <a:solidFill>
                       <a:srgbClr val="000000"/>
                     </a:solidFill>
@@ -10342,7 +10346,7 @@
               </a:ln>
               <a:extLst>
                 <a:ext uri="{91240B29-F687-4f45-9708-019B960494DF}">
-                  <a14:hiddenLine xmlns="" xmlns:a14="http://schemas.microsoft.com/office/drawing/2010/main" w="9525">
+                  <a14:hiddenLine xmlns:a14="http://schemas.microsoft.com/office/drawing/2010/main" xmlns="" w="9525">
                     <a:solidFill>
                       <a:srgbClr val="000000"/>
                     </a:solidFill>
@@ -10404,7 +10408,7 @@
               </a:ln>
               <a:extLst>
                 <a:ext uri="{91240B29-F687-4f45-9708-019B960494DF}">
-                  <a14:hiddenLine xmlns="" xmlns:a14="http://schemas.microsoft.com/office/drawing/2010/main" w="9525">
+                  <a14:hiddenLine xmlns:a14="http://schemas.microsoft.com/office/drawing/2010/main" xmlns="" w="9525">
                     <a:solidFill>
                       <a:srgbClr val="000000"/>
                     </a:solidFill>
@@ -10494,7 +10498,7 @@
               </a:ln>
               <a:extLst>
                 <a:ext uri="{91240B29-F687-4f45-9708-019B960494DF}">
-                  <a14:hiddenLine xmlns="" xmlns:a14="http://schemas.microsoft.com/office/drawing/2010/main" w="9525">
+                  <a14:hiddenLine xmlns:a14="http://schemas.microsoft.com/office/drawing/2010/main" xmlns="" w="9525">
                     <a:solidFill>
                       <a:srgbClr val="000000"/>
                     </a:solidFill>
@@ -10559,7 +10563,7 @@
               </a:ln>
               <a:extLst>
                 <a:ext uri="{91240B29-F687-4f45-9708-019B960494DF}">
-                  <a14:hiddenLine xmlns="" xmlns:a14="http://schemas.microsoft.com/office/drawing/2010/main" w="9525">
+                  <a14:hiddenLine xmlns:a14="http://schemas.microsoft.com/office/drawing/2010/main" xmlns="" w="9525">
                     <a:solidFill>
                       <a:srgbClr val="000000"/>
                     </a:solidFill>
@@ -10621,7 +10625,7 @@
               </a:ln>
               <a:extLst>
                 <a:ext uri="{91240B29-F687-4f45-9708-019B960494DF}">
-                  <a14:hiddenLine xmlns="" xmlns:a14="http://schemas.microsoft.com/office/drawing/2010/main" w="9525">
+                  <a14:hiddenLine xmlns:a14="http://schemas.microsoft.com/office/drawing/2010/main" xmlns="" w="9525">
                     <a:solidFill>
                       <a:srgbClr val="000000"/>
                     </a:solidFill>
@@ -10711,7 +10715,7 @@
               </a:ln>
               <a:extLst>
                 <a:ext uri="{91240B29-F687-4f45-9708-019B960494DF}">
-                  <a14:hiddenLine xmlns="" xmlns:a14="http://schemas.microsoft.com/office/drawing/2010/main" w="9525">
+                  <a14:hiddenLine xmlns:a14="http://schemas.microsoft.com/office/drawing/2010/main" xmlns="" w="9525">
                     <a:solidFill>
                       <a:srgbClr val="000000"/>
                     </a:solidFill>
@@ -10801,7 +10805,7 @@
               </a:ln>
               <a:extLst>
                 <a:ext uri="{91240B29-F687-4f45-9708-019B960494DF}">
-                  <a14:hiddenLine xmlns="" xmlns:a14="http://schemas.microsoft.com/office/drawing/2010/main" w="9525">
+                  <a14:hiddenLine xmlns:a14="http://schemas.microsoft.com/office/drawing/2010/main" xmlns="" w="9525">
                     <a:solidFill>
                       <a:srgbClr val="000000"/>
                     </a:solidFill>
@@ -10866,7 +10870,7 @@
               </a:ln>
               <a:extLst>
                 <a:ext uri="{91240B29-F687-4f45-9708-019B960494DF}">
-                  <a14:hiddenLine xmlns="" xmlns:a14="http://schemas.microsoft.com/office/drawing/2010/main" w="9525">
+                  <a14:hiddenLine xmlns:a14="http://schemas.microsoft.com/office/drawing/2010/main" xmlns="" w="9525">
                     <a:solidFill>
                       <a:srgbClr val="000000"/>
                     </a:solidFill>
@@ -10986,7 +10990,7 @@
               </a:ln>
               <a:extLst>
                 <a:ext uri="{91240B29-F687-4f45-9708-019B960494DF}">
-                  <a14:hiddenLine xmlns="" xmlns:a14="http://schemas.microsoft.com/office/drawing/2010/main" w="9525">
+                  <a14:hiddenLine xmlns:a14="http://schemas.microsoft.com/office/drawing/2010/main" xmlns="" w="9525">
                     <a:solidFill>
                       <a:srgbClr val="000000"/>
                     </a:solidFill>
@@ -11084,7 +11088,7 @@
               </a:ln>
               <a:extLst>
                 <a:ext uri="{91240B29-F687-4f45-9708-019B960494DF}">
-                  <a14:hiddenLine xmlns="" xmlns:a14="http://schemas.microsoft.com/office/drawing/2010/main" w="9525">
+                  <a14:hiddenLine xmlns:a14="http://schemas.microsoft.com/office/drawing/2010/main" xmlns="" w="9525">
                     <a:solidFill>
                       <a:srgbClr val="000000"/>
                     </a:solidFill>
@@ -11199,7 +11203,7 @@
               </a:ln>
               <a:extLst>
                 <a:ext uri="{91240B29-F687-4f45-9708-019B960494DF}">
-                  <a14:hiddenLine xmlns="" xmlns:a14="http://schemas.microsoft.com/office/drawing/2010/main" w="9525">
+                  <a14:hiddenLine xmlns:a14="http://schemas.microsoft.com/office/drawing/2010/main" xmlns="" w="9525">
                     <a:solidFill>
                       <a:srgbClr val="000000"/>
                     </a:solidFill>
@@ -11289,7 +11293,7 @@
               </a:ln>
               <a:extLst>
                 <a:ext uri="{91240B29-F687-4f45-9708-019B960494DF}">
-                  <a14:hiddenLine xmlns="" xmlns:a14="http://schemas.microsoft.com/office/drawing/2010/main" w="9525">
+                  <a14:hiddenLine xmlns:a14="http://schemas.microsoft.com/office/drawing/2010/main" xmlns="" w="9525">
                     <a:solidFill>
                       <a:srgbClr val="000000"/>
                     </a:solidFill>
@@ -11354,7 +11358,7 @@
               </a:ln>
               <a:extLst>
                 <a:ext uri="{91240B29-F687-4f45-9708-019B960494DF}">
-                  <a14:hiddenLine xmlns="" xmlns:a14="http://schemas.microsoft.com/office/drawing/2010/main" w="9525">
+                  <a14:hiddenLine xmlns:a14="http://schemas.microsoft.com/office/drawing/2010/main" xmlns="" w="9525">
                     <a:solidFill>
                       <a:srgbClr val="000000"/>
                     </a:solidFill>
@@ -11444,7 +11448,7 @@
               </a:ln>
               <a:extLst>
                 <a:ext uri="{91240B29-F687-4f45-9708-019B960494DF}">
-                  <a14:hiddenLine xmlns="" xmlns:a14="http://schemas.microsoft.com/office/drawing/2010/main" w="9525">
+                  <a14:hiddenLine xmlns:a14="http://schemas.microsoft.com/office/drawing/2010/main" xmlns="" w="9525">
                     <a:solidFill>
                       <a:srgbClr val="000000"/>
                     </a:solidFill>
@@ -11512,7 +11516,7 @@
               </a:ln>
               <a:extLst>
                 <a:ext uri="{91240B29-F687-4f45-9708-019B960494DF}">
-                  <a14:hiddenLine xmlns="" xmlns:a14="http://schemas.microsoft.com/office/drawing/2010/main" w="9525">
+                  <a14:hiddenLine xmlns:a14="http://schemas.microsoft.com/office/drawing/2010/main" xmlns="" w="9525">
                     <a:solidFill>
                       <a:srgbClr val="000000"/>
                     </a:solidFill>
@@ -11602,7 +11606,7 @@
               </a:ln>
               <a:extLst>
                 <a:ext uri="{91240B29-F687-4f45-9708-019B960494DF}">
-                  <a14:hiddenLine xmlns="" xmlns:a14="http://schemas.microsoft.com/office/drawing/2010/main" w="9525">
+                  <a14:hiddenLine xmlns:a14="http://schemas.microsoft.com/office/drawing/2010/main" xmlns="" w="9525">
                     <a:solidFill>
                       <a:srgbClr val="000000"/>
                     </a:solidFill>
@@ -11670,7 +11674,7 @@
               </a:ln>
               <a:extLst>
                 <a:ext uri="{91240B29-F687-4f45-9708-019B960494DF}">
-                  <a14:hiddenLine xmlns="" xmlns:a14="http://schemas.microsoft.com/office/drawing/2010/main" w="9525">
+                  <a14:hiddenLine xmlns:a14="http://schemas.microsoft.com/office/drawing/2010/main" xmlns="" w="9525">
                     <a:solidFill>
                       <a:srgbClr val="000000"/>
                     </a:solidFill>
@@ -11760,7 +11764,7 @@
               </a:ln>
               <a:extLst>
                 <a:ext uri="{91240B29-F687-4f45-9708-019B960494DF}">
-                  <a14:hiddenLine xmlns="" xmlns:a14="http://schemas.microsoft.com/office/drawing/2010/main" w="9525">
+                  <a14:hiddenLine xmlns:a14="http://schemas.microsoft.com/office/drawing/2010/main" xmlns="" w="9525">
                     <a:solidFill>
                       <a:srgbClr val="000000"/>
                     </a:solidFill>
@@ -11794,7 +11798,7 @@
               </a:ln>
               <a:extLst>
                 <a:ext uri="{91240B29-F687-4f45-9708-019B960494DF}">
-                  <a14:hiddenLine xmlns="" xmlns:a14="http://schemas.microsoft.com/office/drawing/2010/main" w="9525">
+                  <a14:hiddenLine xmlns:a14="http://schemas.microsoft.com/office/drawing/2010/main" xmlns="" w="9525">
                     <a:solidFill>
                       <a:srgbClr val="000000"/>
                     </a:solidFill>
@@ -11935,7 +11939,7 @@
             <a:fld id="{48A87A34-81AB-432B-8DAE-1953F412C126}" type="datetimeFigureOut">
               <a:rPr lang="en-US" dirty="0"/>
               <a:pPr/>
-              <a:t>11/15/2021</a:t>
+              <a:t>11/16/2021</a:t>
             </a:fld>
             <a:endParaRPr lang="en-US" dirty="0"/>
           </a:p>
@@ -13361,6 +13365,540 @@
 </p:sld>
 </file>
 
+<file path=ppt/slides/slide5.xml><?xml version="1.0" encoding="utf-8"?>
+<p:sld xmlns:a="http://schemas.openxmlformats.org/drawingml/2006/main" xmlns:r="http://schemas.openxmlformats.org/officeDocument/2006/relationships" xmlns:p="http://schemas.openxmlformats.org/presentationml/2006/main">
+  <p:cSld>
+    <p:spTree>
+      <p:nvGrpSpPr>
+        <p:cNvPr id="1" name=""/>
+        <p:cNvGrpSpPr/>
+        <p:nvPr/>
+      </p:nvGrpSpPr>
+      <p:grpSpPr>
+        <a:xfrm>
+          <a:off x="0" y="0"/>
+          <a:ext cx="0" cy="0"/>
+          <a:chOff x="0" y="0"/>
+          <a:chExt cx="0" cy="0"/>
+        </a:xfrm>
+      </p:grpSpPr>
+      <p:sp>
+        <p:nvSpPr>
+          <p:cNvPr id="2" name="Título 1">
+            <a:extLst>
+              <a:ext uri="{FF2B5EF4-FFF2-40B4-BE49-F238E27FC236}">
+                <a16:creationId xmlns:a16="http://schemas.microsoft.com/office/drawing/2014/main" id="{3BF2B1F4-874C-420E-8D46-49A4C9CC08B3}"/>
+              </a:ext>
+            </a:extLst>
+          </p:cNvPr>
+          <p:cNvSpPr>
+            <a:spLocks noGrp="1"/>
+          </p:cNvSpPr>
+          <p:nvPr>
+            <p:ph type="title"/>
+          </p:nvPr>
+        </p:nvSpPr>
+        <p:spPr>
+          <a:xfrm>
+            <a:off x="3180521" y="618518"/>
+            <a:ext cx="7866889" cy="1478570"/>
+          </a:xfrm>
+        </p:spPr>
+        <p:txBody>
+          <a:bodyPr/>
+          <a:lstStyle/>
+          <a:p>
+            <a:r>
+              <a:rPr lang="es-ES" dirty="0"/>
+              <a:t>Pantalla Agregar escuela</a:t>
+            </a:r>
+            <a:endParaRPr lang="es-AR" u="sng" dirty="0"/>
+          </a:p>
+        </p:txBody>
+      </p:sp>
+      <p:pic>
+        <p:nvPicPr>
+          <p:cNvPr id="8" name="Imagen 7">
+            <a:extLst>
+              <a:ext uri="{FF2B5EF4-FFF2-40B4-BE49-F238E27FC236}">
+                <a16:creationId xmlns:a16="http://schemas.microsoft.com/office/drawing/2014/main" id="{119FEABC-8E11-436C-A854-64D3F808E7B0}"/>
+              </a:ext>
+            </a:extLst>
+          </p:cNvPr>
+          <p:cNvPicPr>
+            <a:picLocks noChangeAspect="1"/>
+          </p:cNvPicPr>
+          <p:nvPr/>
+        </p:nvPicPr>
+        <p:blipFill>
+          <a:blip r:embed="rId2"/>
+          <a:stretch>
+            <a:fillRect/>
+          </a:stretch>
+        </p:blipFill>
+        <p:spPr>
+          <a:xfrm>
+            <a:off x="8768174" y="1803317"/>
+            <a:ext cx="2530751" cy="4499113"/>
+          </a:xfrm>
+          <a:prstGeom prst="rect">
+            <a:avLst/>
+          </a:prstGeom>
+        </p:spPr>
+      </p:pic>
+      <p:pic>
+        <p:nvPicPr>
+          <p:cNvPr id="13" name="Imagen 12">
+            <a:extLst>
+              <a:ext uri="{FF2B5EF4-FFF2-40B4-BE49-F238E27FC236}">
+                <a16:creationId xmlns:a16="http://schemas.microsoft.com/office/drawing/2014/main" id="{1B0AE6FE-4987-4ED1-A269-BA96359B4D2C}"/>
+              </a:ext>
+            </a:extLst>
+          </p:cNvPr>
+          <p:cNvPicPr>
+            <a:picLocks noChangeAspect="1"/>
+          </p:cNvPicPr>
+          <p:nvPr/>
+        </p:nvPicPr>
+        <p:blipFill>
+          <a:blip r:embed="rId3"/>
+          <a:stretch>
+            <a:fillRect/>
+          </a:stretch>
+        </p:blipFill>
+        <p:spPr>
+          <a:xfrm>
+            <a:off x="198229" y="1828577"/>
+            <a:ext cx="7925906" cy="1600423"/>
+          </a:xfrm>
+          <a:prstGeom prst="rect">
+            <a:avLst/>
+          </a:prstGeom>
+        </p:spPr>
+      </p:pic>
+      <p:pic>
+        <p:nvPicPr>
+          <p:cNvPr id="15" name="Imagen 14">
+            <a:extLst>
+              <a:ext uri="{FF2B5EF4-FFF2-40B4-BE49-F238E27FC236}">
+                <a16:creationId xmlns:a16="http://schemas.microsoft.com/office/drawing/2014/main" id="{EA1FD184-CEF1-4C95-9E1F-F09DE942DC7C}"/>
+              </a:ext>
+            </a:extLst>
+          </p:cNvPr>
+          <p:cNvPicPr>
+            <a:picLocks noChangeAspect="1"/>
+          </p:cNvPicPr>
+          <p:nvPr/>
+        </p:nvPicPr>
+        <p:blipFill>
+          <a:blip r:embed="rId4"/>
+          <a:stretch>
+            <a:fillRect/>
+          </a:stretch>
+        </p:blipFill>
+        <p:spPr>
+          <a:xfrm>
+            <a:off x="558303" y="3594422"/>
+            <a:ext cx="6836410" cy="2875952"/>
+          </a:xfrm>
+          <a:prstGeom prst="rect">
+            <a:avLst/>
+          </a:prstGeom>
+        </p:spPr>
+      </p:pic>
+    </p:spTree>
+    <p:extLst>
+      <p:ext uri="{BB962C8B-B14F-4D97-AF65-F5344CB8AC3E}">
+        <p14:creationId xmlns:p14="http://schemas.microsoft.com/office/powerpoint/2010/main" val="2611172462"/>
+      </p:ext>
+    </p:extLst>
+  </p:cSld>
+  <p:clrMapOvr>
+    <a:masterClrMapping/>
+  </p:clrMapOvr>
+</p:sld>
+</file>
+
+<file path=ppt/slides/slide6.xml><?xml version="1.0" encoding="utf-8"?>
+<p:sld xmlns:a="http://schemas.openxmlformats.org/drawingml/2006/main" xmlns:r="http://schemas.openxmlformats.org/officeDocument/2006/relationships" xmlns:p="http://schemas.openxmlformats.org/presentationml/2006/main">
+  <p:cSld>
+    <p:spTree>
+      <p:nvGrpSpPr>
+        <p:cNvPr id="1" name=""/>
+        <p:cNvGrpSpPr/>
+        <p:nvPr/>
+      </p:nvGrpSpPr>
+      <p:grpSpPr>
+        <a:xfrm>
+          <a:off x="0" y="0"/>
+          <a:ext cx="0" cy="0"/>
+          <a:chOff x="0" y="0"/>
+          <a:chExt cx="0" cy="0"/>
+        </a:xfrm>
+      </p:grpSpPr>
+      <p:sp>
+        <p:nvSpPr>
+          <p:cNvPr id="2" name="Título 1">
+            <a:extLst>
+              <a:ext uri="{FF2B5EF4-FFF2-40B4-BE49-F238E27FC236}">
+                <a16:creationId xmlns:a16="http://schemas.microsoft.com/office/drawing/2014/main" id="{3BF2B1F4-874C-420E-8D46-49A4C9CC08B3}"/>
+              </a:ext>
+            </a:extLst>
+          </p:cNvPr>
+          <p:cNvSpPr>
+            <a:spLocks noGrp="1"/>
+          </p:cNvSpPr>
+          <p:nvPr>
+            <p:ph type="title"/>
+          </p:nvPr>
+        </p:nvSpPr>
+        <p:spPr/>
+        <p:txBody>
+          <a:bodyPr/>
+          <a:lstStyle/>
+          <a:p>
+            <a:r>
+              <a:rPr lang="es-ES" u="sng" dirty="0"/>
+              <a:t>Campos de texto</a:t>
+            </a:r>
+            <a:endParaRPr lang="es-AR" u="sng" dirty="0"/>
+          </a:p>
+        </p:txBody>
+      </p:sp>
+      <p:pic>
+        <p:nvPicPr>
+          <p:cNvPr id="4" name="Imagen 3">
+            <a:extLst>
+              <a:ext uri="{FF2B5EF4-FFF2-40B4-BE49-F238E27FC236}">
+                <a16:creationId xmlns:a16="http://schemas.microsoft.com/office/drawing/2014/main" id="{D9359638-ED93-418E-833B-D951FAAF0261}"/>
+              </a:ext>
+            </a:extLst>
+          </p:cNvPr>
+          <p:cNvPicPr>
+            <a:picLocks noChangeAspect="1"/>
+          </p:cNvPicPr>
+          <p:nvPr/>
+        </p:nvPicPr>
+        <p:blipFill>
+          <a:blip r:embed="rId2"/>
+          <a:stretch>
+            <a:fillRect/>
+          </a:stretch>
+        </p:blipFill>
+        <p:spPr>
+          <a:xfrm>
+            <a:off x="7628087" y="1798197"/>
+            <a:ext cx="4037510" cy="4463691"/>
+          </a:xfrm>
+          <a:prstGeom prst="rect">
+            <a:avLst/>
+          </a:prstGeom>
+        </p:spPr>
+      </p:pic>
+      <p:sp>
+        <p:nvSpPr>
+          <p:cNvPr id="13" name="Marcador de contenido 12">
+            <a:extLst>
+              <a:ext uri="{FF2B5EF4-FFF2-40B4-BE49-F238E27FC236}">
+                <a16:creationId xmlns:a16="http://schemas.microsoft.com/office/drawing/2014/main" id="{85C93D8E-C9B3-404F-8984-6E01D020794B}"/>
+              </a:ext>
+            </a:extLst>
+          </p:cNvPr>
+          <p:cNvSpPr>
+            <a:spLocks noGrp="1"/>
+          </p:cNvSpPr>
+          <p:nvPr>
+            <p:ph idx="1"/>
+          </p:nvPr>
+        </p:nvSpPr>
+        <p:spPr/>
+        <p:txBody>
+          <a:bodyPr/>
+          <a:lstStyle/>
+          <a:p>
+            <a:endParaRPr lang="es-AR" dirty="0"/>
+          </a:p>
+        </p:txBody>
+      </p:sp>
+      <p:pic>
+        <p:nvPicPr>
+          <p:cNvPr id="15" name="Imagen 14">
+            <a:extLst>
+              <a:ext uri="{FF2B5EF4-FFF2-40B4-BE49-F238E27FC236}">
+                <a16:creationId xmlns:a16="http://schemas.microsoft.com/office/drawing/2014/main" id="{83C806F7-E475-4B54-B5BE-D439EE870F7A}"/>
+              </a:ext>
+            </a:extLst>
+          </p:cNvPr>
+          <p:cNvPicPr>
+            <a:picLocks noChangeAspect="1"/>
+          </p:cNvPicPr>
+          <p:nvPr/>
+        </p:nvPicPr>
+        <p:blipFill>
+          <a:blip r:embed="rId3"/>
+          <a:stretch>
+            <a:fillRect/>
+          </a:stretch>
+        </p:blipFill>
+        <p:spPr>
+          <a:xfrm>
+            <a:off x="523226" y="1678478"/>
+            <a:ext cx="6729603" cy="4561004"/>
+          </a:xfrm>
+          <a:prstGeom prst="rect">
+            <a:avLst/>
+          </a:prstGeom>
+        </p:spPr>
+      </p:pic>
+    </p:spTree>
+    <p:extLst>
+      <p:ext uri="{BB962C8B-B14F-4D97-AF65-F5344CB8AC3E}">
+        <p14:creationId xmlns:p14="http://schemas.microsoft.com/office/powerpoint/2010/main" val="2694633782"/>
+      </p:ext>
+    </p:extLst>
+  </p:cSld>
+  <p:clrMapOvr>
+    <a:masterClrMapping/>
+  </p:clrMapOvr>
+</p:sld>
+</file>
+
+<file path=ppt/slides/slide7.xml><?xml version="1.0" encoding="utf-8"?>
+<p:sld xmlns:a="http://schemas.openxmlformats.org/drawingml/2006/main" xmlns:r="http://schemas.openxmlformats.org/officeDocument/2006/relationships" xmlns:p="http://schemas.openxmlformats.org/presentationml/2006/main">
+  <p:cSld>
+    <p:spTree>
+      <p:nvGrpSpPr>
+        <p:cNvPr id="1" name=""/>
+        <p:cNvGrpSpPr/>
+        <p:nvPr/>
+      </p:nvGrpSpPr>
+      <p:grpSpPr>
+        <a:xfrm>
+          <a:off x="0" y="0"/>
+          <a:ext cx="0" cy="0"/>
+          <a:chOff x="0" y="0"/>
+          <a:chExt cx="0" cy="0"/>
+        </a:xfrm>
+      </p:grpSpPr>
+      <p:sp>
+        <p:nvSpPr>
+          <p:cNvPr id="2" name="Título 1">
+            <a:extLst>
+              <a:ext uri="{FF2B5EF4-FFF2-40B4-BE49-F238E27FC236}">
+                <a16:creationId xmlns:a16="http://schemas.microsoft.com/office/drawing/2014/main" id="{3BF2B1F4-874C-420E-8D46-49A4C9CC08B3}"/>
+              </a:ext>
+            </a:extLst>
+          </p:cNvPr>
+          <p:cNvSpPr>
+            <a:spLocks noGrp="1"/>
+          </p:cNvSpPr>
+          <p:nvPr>
+            <p:ph type="title"/>
+          </p:nvPr>
+        </p:nvSpPr>
+        <p:spPr/>
+        <p:txBody>
+          <a:bodyPr/>
+          <a:lstStyle/>
+          <a:p>
+            <a:r>
+              <a:rPr lang="es-ES" u="sng" dirty="0"/>
+              <a:t>Botones</a:t>
+            </a:r>
+            <a:endParaRPr lang="es-AR" u="sng" dirty="0"/>
+          </a:p>
+        </p:txBody>
+      </p:sp>
+      <p:pic>
+        <p:nvPicPr>
+          <p:cNvPr id="7" name="Marcador de contenido 6">
+            <a:extLst>
+              <a:ext uri="{FF2B5EF4-FFF2-40B4-BE49-F238E27FC236}">
+                <a16:creationId xmlns:a16="http://schemas.microsoft.com/office/drawing/2014/main" id="{85696153-B0C4-4342-94B6-76D0441AE5B6}"/>
+              </a:ext>
+            </a:extLst>
+          </p:cNvPr>
+          <p:cNvPicPr>
+            <a:picLocks noGrp="1" noChangeAspect="1"/>
+          </p:cNvPicPr>
+          <p:nvPr>
+            <p:ph idx="1"/>
+          </p:nvPr>
+        </p:nvPicPr>
+        <p:blipFill>
+          <a:blip r:embed="rId2"/>
+          <a:stretch>
+            <a:fillRect/>
+          </a:stretch>
+        </p:blipFill>
+        <p:spPr>
+          <a:xfrm>
+            <a:off x="7934766" y="2828374"/>
+            <a:ext cx="4257234" cy="997296"/>
+          </a:xfrm>
+        </p:spPr>
+      </p:pic>
+      <p:pic>
+        <p:nvPicPr>
+          <p:cNvPr id="5" name="Imagen 4">
+            <a:extLst>
+              <a:ext uri="{FF2B5EF4-FFF2-40B4-BE49-F238E27FC236}">
+                <a16:creationId xmlns:a16="http://schemas.microsoft.com/office/drawing/2014/main" id="{AF58F01F-2C91-4A4F-84D2-113BA2CFD866}"/>
+              </a:ext>
+            </a:extLst>
+          </p:cNvPr>
+          <p:cNvPicPr>
+            <a:picLocks noChangeAspect="1"/>
+          </p:cNvPicPr>
+          <p:nvPr/>
+        </p:nvPicPr>
+        <p:blipFill>
+          <a:blip r:embed="rId3"/>
+          <a:stretch>
+            <a:fillRect/>
+          </a:stretch>
+        </p:blipFill>
+        <p:spPr>
+          <a:xfrm>
+            <a:off x="251791" y="1597858"/>
+            <a:ext cx="7487695" cy="4953691"/>
+          </a:xfrm>
+          <a:prstGeom prst="rect">
+            <a:avLst/>
+          </a:prstGeom>
+        </p:spPr>
+      </p:pic>
+    </p:spTree>
+    <p:extLst>
+      <p:ext uri="{BB962C8B-B14F-4D97-AF65-F5344CB8AC3E}">
+        <p14:creationId xmlns:p14="http://schemas.microsoft.com/office/powerpoint/2010/main" val="2988589370"/>
+      </p:ext>
+    </p:extLst>
+  </p:cSld>
+  <p:clrMapOvr>
+    <a:masterClrMapping/>
+  </p:clrMapOvr>
+</p:sld>
+</file>
+
+<file path=ppt/slides/slide8.xml><?xml version="1.0" encoding="utf-8"?>
+<p:sld xmlns:a="http://schemas.openxmlformats.org/drawingml/2006/main" xmlns:r="http://schemas.openxmlformats.org/officeDocument/2006/relationships" xmlns:p="http://schemas.openxmlformats.org/presentationml/2006/main">
+  <p:cSld>
+    <p:spTree>
+      <p:nvGrpSpPr>
+        <p:cNvPr id="1" name=""/>
+        <p:cNvGrpSpPr/>
+        <p:nvPr/>
+      </p:nvGrpSpPr>
+      <p:grpSpPr>
+        <a:xfrm>
+          <a:off x="0" y="0"/>
+          <a:ext cx="0" cy="0"/>
+          <a:chOff x="0" y="0"/>
+          <a:chExt cx="0" cy="0"/>
+        </a:xfrm>
+      </p:grpSpPr>
+      <p:sp>
+        <p:nvSpPr>
+          <p:cNvPr id="2" name="Título 1">
+            <a:extLst>
+              <a:ext uri="{FF2B5EF4-FFF2-40B4-BE49-F238E27FC236}">
+                <a16:creationId xmlns:a16="http://schemas.microsoft.com/office/drawing/2014/main" id="{3BF2B1F4-874C-420E-8D46-49A4C9CC08B3}"/>
+              </a:ext>
+            </a:extLst>
+          </p:cNvPr>
+          <p:cNvSpPr>
+            <a:spLocks noGrp="1"/>
+          </p:cNvSpPr>
+          <p:nvPr>
+            <p:ph type="title"/>
+          </p:nvPr>
+        </p:nvSpPr>
+        <p:spPr/>
+        <p:txBody>
+          <a:bodyPr/>
+          <a:lstStyle/>
+          <a:p>
+            <a:r>
+              <a:rPr lang="es-ES" u="sng" dirty="0"/>
+              <a:t>Botones</a:t>
+            </a:r>
+            <a:endParaRPr lang="es-AR" u="sng" dirty="0"/>
+          </a:p>
+        </p:txBody>
+      </p:sp>
+      <p:pic>
+        <p:nvPicPr>
+          <p:cNvPr id="8" name="Marcador de contenido 7">
+            <a:extLst>
+              <a:ext uri="{FF2B5EF4-FFF2-40B4-BE49-F238E27FC236}">
+                <a16:creationId xmlns:a16="http://schemas.microsoft.com/office/drawing/2014/main" id="{CA6B6ACE-D5D9-4082-93A7-D1A205DC8C76}"/>
+              </a:ext>
+            </a:extLst>
+          </p:cNvPr>
+          <p:cNvPicPr>
+            <a:picLocks noGrp="1" noChangeAspect="1"/>
+          </p:cNvPicPr>
+          <p:nvPr>
+            <p:ph idx="1"/>
+          </p:nvPr>
+        </p:nvPicPr>
+        <p:blipFill>
+          <a:blip r:embed="rId2"/>
+          <a:stretch>
+            <a:fillRect/>
+          </a:stretch>
+        </p:blipFill>
+        <p:spPr>
+          <a:xfrm>
+            <a:off x="9055199" y="1904932"/>
+            <a:ext cx="1992212" cy="3541712"/>
+          </a:xfrm>
+        </p:spPr>
+      </p:pic>
+      <p:pic>
+        <p:nvPicPr>
+          <p:cNvPr id="10" name="Imagen 9">
+            <a:extLst>
+              <a:ext uri="{FF2B5EF4-FFF2-40B4-BE49-F238E27FC236}">
+                <a16:creationId xmlns:a16="http://schemas.microsoft.com/office/drawing/2014/main" id="{8B098A04-A98A-4198-BF3E-D9FDBE40DE19}"/>
+              </a:ext>
+            </a:extLst>
+          </p:cNvPr>
+          <p:cNvPicPr>
+            <a:picLocks noChangeAspect="1"/>
+          </p:cNvPicPr>
+          <p:nvPr/>
+        </p:nvPicPr>
+        <p:blipFill>
+          <a:blip r:embed="rId3"/>
+          <a:stretch>
+            <a:fillRect/>
+          </a:stretch>
+        </p:blipFill>
+        <p:spPr>
+          <a:xfrm>
+            <a:off x="396503" y="1904932"/>
+            <a:ext cx="7902551" cy="4324497"/>
+          </a:xfrm>
+          <a:prstGeom prst="rect">
+            <a:avLst/>
+          </a:prstGeom>
+        </p:spPr>
+      </p:pic>
+    </p:spTree>
+    <p:extLst>
+      <p:ext uri="{BB962C8B-B14F-4D97-AF65-F5344CB8AC3E}">
+        <p14:creationId xmlns:p14="http://schemas.microsoft.com/office/powerpoint/2010/main" val="3694159398"/>
+      </p:ext>
+    </p:extLst>
+  </p:cSld>
+  <p:clrMapOvr>
+    <a:masterClrMapping/>
+  </p:clrMapOvr>
+</p:sld>
+</file>
+
 <file path=ppt/theme/theme1.xml><?xml version="1.0" encoding="utf-8"?>
 <a:theme xmlns:a="http://schemas.openxmlformats.org/drawingml/2006/main" name="Circuito">
   <a:themeElements>

--- a/Presentacion School Maps/SchoolMapsPresentacion.pptx
+++ b/Presentacion School Maps/SchoolMapsPresentacion.pptx
@@ -13,6 +13,7 @@
     <p:sldId id="262" r:id="rId7"/>
     <p:sldId id="263" r:id="rId8"/>
     <p:sldId id="264" r:id="rId9"/>
+    <p:sldId id="265" r:id="rId10"/>
   </p:sldIdLst>
   <p:sldSz cx="12192000" cy="6858000"/>
   <p:notesSz cx="6858000" cy="9144000"/>
@@ -169,7 +170,7 @@
           <a:noFill/>
           <a:extLst>
             <a:ext uri="{909E8E84-426E-40dd-AFC4-6F175D3DCCD1}">
-              <a14:hiddenFill xmlns:a14="http://schemas.microsoft.com/office/drawing/2010/main" xmlns="">
+              <a14:hiddenFill xmlns="" xmlns:a14="http://schemas.microsoft.com/office/drawing/2010/main">
                 <a:solidFill>
                   <a:srgbClr val="FFFFFF"/>
                 </a:solidFill>
@@ -229,7 +230,7 @@
             </a:ln>
             <a:extLst>
               <a:ext uri="{91240B29-F687-4f45-9708-019B960494DF}">
-                <a14:hiddenLine xmlns:a14="http://schemas.microsoft.com/office/drawing/2010/main" xmlns="" w="9525">
+                <a14:hiddenLine xmlns="" xmlns:a14="http://schemas.microsoft.com/office/drawing/2010/main" w="9525">
                   <a:solidFill>
                     <a:srgbClr val="000000"/>
                   </a:solidFill>
@@ -319,7 +320,7 @@
             </a:ln>
             <a:extLst>
               <a:ext uri="{91240B29-F687-4f45-9708-019B960494DF}">
-                <a14:hiddenLine xmlns:a14="http://schemas.microsoft.com/office/drawing/2010/main" xmlns="" w="9525">
+                <a14:hiddenLine xmlns="" xmlns:a14="http://schemas.microsoft.com/office/drawing/2010/main" w="9525">
                   <a:solidFill>
                     <a:srgbClr val="000000"/>
                   </a:solidFill>
@@ -409,7 +410,7 @@
             </a:ln>
             <a:extLst>
               <a:ext uri="{91240B29-F687-4f45-9708-019B960494DF}">
-                <a14:hiddenLine xmlns:a14="http://schemas.microsoft.com/office/drawing/2010/main" xmlns="" w="9525">
+                <a14:hiddenLine xmlns="" xmlns:a14="http://schemas.microsoft.com/office/drawing/2010/main" w="9525">
                   <a:solidFill>
                     <a:srgbClr val="000000"/>
                   </a:solidFill>
@@ -443,7 +444,7 @@
             </a:ln>
             <a:extLst>
               <a:ext uri="{91240B29-F687-4f45-9708-019B960494DF}">
-                <a14:hiddenLine xmlns:a14="http://schemas.microsoft.com/office/drawing/2010/main" xmlns="" w="9525">
+                <a14:hiddenLine xmlns="" xmlns:a14="http://schemas.microsoft.com/office/drawing/2010/main" w="9525">
                   <a:solidFill>
                     <a:srgbClr val="000000"/>
                   </a:solidFill>
@@ -533,7 +534,7 @@
             </a:ln>
             <a:extLst>
               <a:ext uri="{91240B29-F687-4f45-9708-019B960494DF}">
-                <a14:hiddenLine xmlns:a14="http://schemas.microsoft.com/office/drawing/2010/main" xmlns="" w="9525">
+                <a14:hiddenLine xmlns="" xmlns:a14="http://schemas.microsoft.com/office/drawing/2010/main" w="9525">
                   <a:solidFill>
                     <a:srgbClr val="000000"/>
                   </a:solidFill>
@@ -595,7 +596,7 @@
             </a:ln>
             <a:extLst>
               <a:ext uri="{91240B29-F687-4f45-9708-019B960494DF}">
-                <a14:hiddenLine xmlns:a14="http://schemas.microsoft.com/office/drawing/2010/main" xmlns="" w="9525">
+                <a14:hiddenLine xmlns="" xmlns:a14="http://schemas.microsoft.com/office/drawing/2010/main" w="9525">
                   <a:solidFill>
                     <a:srgbClr val="000000"/>
                   </a:solidFill>
@@ -657,7 +658,7 @@
             </a:ln>
             <a:extLst>
               <a:ext uri="{91240B29-F687-4f45-9708-019B960494DF}">
-                <a14:hiddenLine xmlns:a14="http://schemas.microsoft.com/office/drawing/2010/main" xmlns="" w="9525">
+                <a14:hiddenLine xmlns="" xmlns:a14="http://schemas.microsoft.com/office/drawing/2010/main" w="9525">
                   <a:solidFill>
                     <a:srgbClr val="000000"/>
                   </a:solidFill>
@@ -747,7 +748,7 @@
             </a:ln>
             <a:extLst>
               <a:ext uri="{91240B29-F687-4f45-9708-019B960494DF}">
-                <a14:hiddenLine xmlns:a14="http://schemas.microsoft.com/office/drawing/2010/main" xmlns="" w="9525">
+                <a14:hiddenLine xmlns="" xmlns:a14="http://schemas.microsoft.com/office/drawing/2010/main" w="9525">
                   <a:solidFill>
                     <a:srgbClr val="000000"/>
                   </a:solidFill>
@@ -809,7 +810,7 @@
             </a:ln>
             <a:extLst>
               <a:ext uri="{91240B29-F687-4f45-9708-019B960494DF}">
-                <a14:hiddenLine xmlns:a14="http://schemas.microsoft.com/office/drawing/2010/main" xmlns="" w="9525">
+                <a14:hiddenLine xmlns="" xmlns:a14="http://schemas.microsoft.com/office/drawing/2010/main" w="9525">
                   <a:solidFill>
                     <a:srgbClr val="000000"/>
                   </a:solidFill>
@@ -871,7 +872,7 @@
             </a:ln>
             <a:extLst>
               <a:ext uri="{91240B29-F687-4f45-9708-019B960494DF}">
-                <a14:hiddenLine xmlns:a14="http://schemas.microsoft.com/office/drawing/2010/main" xmlns="" w="9525">
+                <a14:hiddenLine xmlns="" xmlns:a14="http://schemas.microsoft.com/office/drawing/2010/main" w="9525">
                   <a:solidFill>
                     <a:srgbClr val="000000"/>
                   </a:solidFill>
@@ -961,7 +962,7 @@
             </a:ln>
             <a:extLst>
               <a:ext uri="{91240B29-F687-4f45-9708-019B960494DF}">
-                <a14:hiddenLine xmlns:a14="http://schemas.microsoft.com/office/drawing/2010/main" xmlns="" w="9525">
+                <a14:hiddenLine xmlns="" xmlns:a14="http://schemas.microsoft.com/office/drawing/2010/main" w="9525">
                   <a:solidFill>
                     <a:srgbClr val="000000"/>
                   </a:solidFill>
@@ -1051,7 +1052,7 @@
             </a:ln>
             <a:extLst>
               <a:ext uri="{91240B29-F687-4f45-9708-019B960494DF}">
-                <a14:hiddenLine xmlns:a14="http://schemas.microsoft.com/office/drawing/2010/main" xmlns="" w="9525">
+                <a14:hiddenLine xmlns="" xmlns:a14="http://schemas.microsoft.com/office/drawing/2010/main" w="9525">
                   <a:solidFill>
                     <a:srgbClr val="000000"/>
                   </a:solidFill>
@@ -1113,7 +1114,7 @@
             </a:ln>
             <a:extLst>
               <a:ext uri="{91240B29-F687-4f45-9708-019B960494DF}">
-                <a14:hiddenLine xmlns:a14="http://schemas.microsoft.com/office/drawing/2010/main" xmlns="" w="9525">
+                <a14:hiddenLine xmlns="" xmlns:a14="http://schemas.microsoft.com/office/drawing/2010/main" w="9525">
                   <a:solidFill>
                     <a:srgbClr val="000000"/>
                   </a:solidFill>
@@ -1223,7 +1224,7 @@
             </a:ln>
             <a:extLst>
               <a:ext uri="{91240B29-F687-4f45-9708-019B960494DF}">
-                <a14:hiddenLine xmlns:a14="http://schemas.microsoft.com/office/drawing/2010/main" xmlns="" w="9525">
+                <a14:hiddenLine xmlns="" xmlns:a14="http://schemas.microsoft.com/office/drawing/2010/main" w="9525">
                   <a:solidFill>
                     <a:srgbClr val="000000"/>
                   </a:solidFill>
@@ -1285,7 +1286,7 @@
             </a:ln>
             <a:extLst>
               <a:ext uri="{91240B29-F687-4f45-9708-019B960494DF}">
-                <a14:hiddenLine xmlns:a14="http://schemas.microsoft.com/office/drawing/2010/main" xmlns="" w="9525">
+                <a14:hiddenLine xmlns="" xmlns:a14="http://schemas.microsoft.com/office/drawing/2010/main" w="9525">
                   <a:solidFill>
                     <a:srgbClr val="000000"/>
                   </a:solidFill>
@@ -1375,7 +1376,7 @@
             </a:ln>
             <a:extLst>
               <a:ext uri="{91240B29-F687-4f45-9708-019B960494DF}">
-                <a14:hiddenLine xmlns:a14="http://schemas.microsoft.com/office/drawing/2010/main" xmlns="" w="9525">
+                <a14:hiddenLine xmlns="" xmlns:a14="http://schemas.microsoft.com/office/drawing/2010/main" w="9525">
                   <a:solidFill>
                     <a:srgbClr val="000000"/>
                   </a:solidFill>
@@ -1465,7 +1466,7 @@
             </a:ln>
             <a:extLst>
               <a:ext uri="{91240B29-F687-4f45-9708-019B960494DF}">
-                <a14:hiddenLine xmlns:a14="http://schemas.microsoft.com/office/drawing/2010/main" xmlns="" w="9525">
+                <a14:hiddenLine xmlns="" xmlns:a14="http://schemas.microsoft.com/office/drawing/2010/main" w="9525">
                   <a:solidFill>
                     <a:srgbClr val="000000"/>
                   </a:solidFill>
@@ -1527,7 +1528,7 @@
             </a:ln>
             <a:extLst>
               <a:ext uri="{91240B29-F687-4f45-9708-019B960494DF}">
-                <a14:hiddenLine xmlns:a14="http://schemas.microsoft.com/office/drawing/2010/main" xmlns="" w="9525">
+                <a14:hiddenLine xmlns="" xmlns:a14="http://schemas.microsoft.com/office/drawing/2010/main" w="9525">
                   <a:solidFill>
                     <a:srgbClr val="000000"/>
                   </a:solidFill>
@@ -1617,7 +1618,7 @@
             </a:ln>
             <a:extLst>
               <a:ext uri="{91240B29-F687-4f45-9708-019B960494DF}">
-                <a14:hiddenLine xmlns:a14="http://schemas.microsoft.com/office/drawing/2010/main" xmlns="" w="9525">
+                <a14:hiddenLine xmlns="" xmlns:a14="http://schemas.microsoft.com/office/drawing/2010/main" w="9525">
                   <a:solidFill>
                     <a:srgbClr val="000000"/>
                   </a:solidFill>
@@ -1707,7 +1708,7 @@
             </a:ln>
             <a:extLst>
               <a:ext uri="{91240B29-F687-4f45-9708-019B960494DF}">
-                <a14:hiddenLine xmlns:a14="http://schemas.microsoft.com/office/drawing/2010/main" xmlns="" w="9525">
+                <a14:hiddenLine xmlns="" xmlns:a14="http://schemas.microsoft.com/office/drawing/2010/main" w="9525">
                   <a:solidFill>
                     <a:srgbClr val="000000"/>
                   </a:solidFill>
@@ -1763,7 +1764,7 @@
             </a:ln>
             <a:extLst>
               <a:ext uri="{91240B29-F687-4f45-9708-019B960494DF}">
-                <a14:hiddenLine xmlns:a14="http://schemas.microsoft.com/office/drawing/2010/main" xmlns="" w="9525">
+                <a14:hiddenLine xmlns="" xmlns:a14="http://schemas.microsoft.com/office/drawing/2010/main" w="9525">
                   <a:solidFill>
                     <a:srgbClr val="000000"/>
                   </a:solidFill>
@@ -1853,7 +1854,7 @@
             </a:ln>
             <a:extLst>
               <a:ext uri="{91240B29-F687-4f45-9708-019B960494DF}">
-                <a14:hiddenLine xmlns:a14="http://schemas.microsoft.com/office/drawing/2010/main" xmlns="" w="9525">
+                <a14:hiddenLine xmlns="" xmlns:a14="http://schemas.microsoft.com/office/drawing/2010/main" w="9525">
                   <a:solidFill>
                     <a:srgbClr val="000000"/>
                   </a:solidFill>
@@ -1909,7 +1910,7 @@
             </a:ln>
             <a:extLst>
               <a:ext uri="{91240B29-F687-4f45-9708-019B960494DF}">
-                <a14:hiddenLine xmlns:a14="http://schemas.microsoft.com/office/drawing/2010/main" xmlns="" w="9525">
+                <a14:hiddenLine xmlns="" xmlns:a14="http://schemas.microsoft.com/office/drawing/2010/main" w="9525">
                   <a:solidFill>
                     <a:srgbClr val="000000"/>
                   </a:solidFill>
@@ -1999,7 +2000,7 @@
             </a:ln>
             <a:extLst>
               <a:ext uri="{91240B29-F687-4f45-9708-019B960494DF}">
-                <a14:hiddenLine xmlns:a14="http://schemas.microsoft.com/office/drawing/2010/main" xmlns="" w="9525">
+                <a14:hiddenLine xmlns="" xmlns:a14="http://schemas.microsoft.com/office/drawing/2010/main" w="9525">
                   <a:solidFill>
                     <a:srgbClr val="000000"/>
                   </a:solidFill>
@@ -2067,7 +2068,7 @@
             </a:ln>
             <a:extLst>
               <a:ext uri="{91240B29-F687-4f45-9708-019B960494DF}">
-                <a14:hiddenLine xmlns:a14="http://schemas.microsoft.com/office/drawing/2010/main" xmlns="" w="9525">
+                <a14:hiddenLine xmlns="" xmlns:a14="http://schemas.microsoft.com/office/drawing/2010/main" w="9525">
                   <a:solidFill>
                     <a:srgbClr val="000000"/>
                   </a:solidFill>
@@ -2157,7 +2158,7 @@
             </a:ln>
             <a:extLst>
               <a:ext uri="{91240B29-F687-4f45-9708-019B960494DF}">
-                <a14:hiddenLine xmlns:a14="http://schemas.microsoft.com/office/drawing/2010/main" xmlns="" w="9525">
+                <a14:hiddenLine xmlns="" xmlns:a14="http://schemas.microsoft.com/office/drawing/2010/main" w="9525">
                   <a:solidFill>
                     <a:srgbClr val="000000"/>
                   </a:solidFill>
@@ -2225,7 +2226,7 @@
             </a:ln>
             <a:extLst>
               <a:ext uri="{91240B29-F687-4f45-9708-019B960494DF}">
-                <a14:hiddenLine xmlns:a14="http://schemas.microsoft.com/office/drawing/2010/main" xmlns="" w="9525">
+                <a14:hiddenLine xmlns="" xmlns:a14="http://schemas.microsoft.com/office/drawing/2010/main" w="9525">
                   <a:solidFill>
                     <a:srgbClr val="000000"/>
                   </a:solidFill>
@@ -2315,7 +2316,7 @@
             </a:ln>
             <a:extLst>
               <a:ext uri="{91240B29-F687-4f45-9708-019B960494DF}">
-                <a14:hiddenLine xmlns:a14="http://schemas.microsoft.com/office/drawing/2010/main" xmlns="" w="9525">
+                <a14:hiddenLine xmlns="" xmlns:a14="http://schemas.microsoft.com/office/drawing/2010/main" w="9525">
                   <a:solidFill>
                     <a:srgbClr val="000000"/>
                   </a:solidFill>
@@ -2349,7 +2350,7 @@
             </a:ln>
             <a:extLst>
               <a:ext uri="{91240B29-F687-4f45-9708-019B960494DF}">
-                <a14:hiddenLine xmlns:a14="http://schemas.microsoft.com/office/drawing/2010/main" xmlns="" w="9525">
+                <a14:hiddenLine xmlns="" xmlns:a14="http://schemas.microsoft.com/office/drawing/2010/main" w="9525">
                   <a:solidFill>
                     <a:srgbClr val="000000"/>
                   </a:solidFill>
@@ -2439,7 +2440,7 @@
             </a:ln>
             <a:extLst>
               <a:ext uri="{91240B29-F687-4f45-9708-019B960494DF}">
-                <a14:hiddenLine xmlns:a14="http://schemas.microsoft.com/office/drawing/2010/main" xmlns="" w="9525">
+                <a14:hiddenLine xmlns="" xmlns:a14="http://schemas.microsoft.com/office/drawing/2010/main" w="9525">
                   <a:solidFill>
                     <a:srgbClr val="000000"/>
                   </a:solidFill>
@@ -2501,7 +2502,7 @@
             </a:ln>
             <a:extLst>
               <a:ext uri="{91240B29-F687-4f45-9708-019B960494DF}">
-                <a14:hiddenLine xmlns:a14="http://schemas.microsoft.com/office/drawing/2010/main" xmlns="" w="9525">
+                <a14:hiddenLine xmlns="" xmlns:a14="http://schemas.microsoft.com/office/drawing/2010/main" w="9525">
                   <a:solidFill>
                     <a:srgbClr val="000000"/>
                   </a:solidFill>
@@ -2563,7 +2564,7 @@
             </a:ln>
             <a:extLst>
               <a:ext uri="{91240B29-F687-4f45-9708-019B960494DF}">
-                <a14:hiddenLine xmlns:a14="http://schemas.microsoft.com/office/drawing/2010/main" xmlns="" w="9525">
+                <a14:hiddenLine xmlns="" xmlns:a14="http://schemas.microsoft.com/office/drawing/2010/main" w="9525">
                   <a:solidFill>
                     <a:srgbClr val="000000"/>
                   </a:solidFill>
@@ -2653,7 +2654,7 @@
             </a:ln>
             <a:extLst>
               <a:ext uri="{91240B29-F687-4f45-9708-019B960494DF}">
-                <a14:hiddenLine xmlns:a14="http://schemas.microsoft.com/office/drawing/2010/main" xmlns="" w="9525">
+                <a14:hiddenLine xmlns="" xmlns:a14="http://schemas.microsoft.com/office/drawing/2010/main" w="9525">
                   <a:solidFill>
                     <a:srgbClr val="000000"/>
                   </a:solidFill>
@@ -2721,7 +2722,7 @@
             </a:ln>
             <a:extLst>
               <a:ext uri="{91240B29-F687-4f45-9708-019B960494DF}">
-                <a14:hiddenLine xmlns:a14="http://schemas.microsoft.com/office/drawing/2010/main" xmlns="" w="9525">
+                <a14:hiddenLine xmlns="" xmlns:a14="http://schemas.microsoft.com/office/drawing/2010/main" w="9525">
                   <a:solidFill>
                     <a:srgbClr val="000000"/>
                   </a:solidFill>
@@ -2783,7 +2784,7 @@
             </a:ln>
             <a:extLst>
               <a:ext uri="{91240B29-F687-4f45-9708-019B960494DF}">
-                <a14:hiddenLine xmlns:a14="http://schemas.microsoft.com/office/drawing/2010/main" xmlns="" w="9525">
+                <a14:hiddenLine xmlns="" xmlns:a14="http://schemas.microsoft.com/office/drawing/2010/main" w="9525">
                   <a:solidFill>
                     <a:srgbClr val="000000"/>
                   </a:solidFill>
@@ -2873,7 +2874,7 @@
             </a:ln>
             <a:extLst>
               <a:ext uri="{91240B29-F687-4f45-9708-019B960494DF}">
-                <a14:hiddenLine xmlns:a14="http://schemas.microsoft.com/office/drawing/2010/main" xmlns="" w="9525">
+                <a14:hiddenLine xmlns="" xmlns:a14="http://schemas.microsoft.com/office/drawing/2010/main" w="9525">
                   <a:solidFill>
                     <a:srgbClr val="000000"/>
                   </a:solidFill>
@@ -2935,7 +2936,7 @@
             </a:ln>
             <a:extLst>
               <a:ext uri="{91240B29-F687-4f45-9708-019B960494DF}">
-                <a14:hiddenLine xmlns:a14="http://schemas.microsoft.com/office/drawing/2010/main" xmlns="" w="9525">
+                <a14:hiddenLine xmlns="" xmlns:a14="http://schemas.microsoft.com/office/drawing/2010/main" w="9525">
                   <a:solidFill>
                     <a:srgbClr val="000000"/>
                   </a:solidFill>
@@ -3025,7 +3026,7 @@
             </a:ln>
             <a:extLst>
               <a:ext uri="{91240B29-F687-4f45-9708-019B960494DF}">
-                <a14:hiddenLine xmlns:a14="http://schemas.microsoft.com/office/drawing/2010/main" xmlns="" w="9525">
+                <a14:hiddenLine xmlns="" xmlns:a14="http://schemas.microsoft.com/office/drawing/2010/main" w="9525">
                   <a:solidFill>
                     <a:srgbClr val="000000"/>
                   </a:solidFill>
@@ -3087,7 +3088,7 @@
             </a:ln>
             <a:extLst>
               <a:ext uri="{91240B29-F687-4f45-9708-019B960494DF}">
-                <a14:hiddenLine xmlns:a14="http://schemas.microsoft.com/office/drawing/2010/main" xmlns="" w="9525">
+                <a14:hiddenLine xmlns="" xmlns:a14="http://schemas.microsoft.com/office/drawing/2010/main" w="9525">
                   <a:solidFill>
                     <a:srgbClr val="000000"/>
                   </a:solidFill>
@@ -3177,7 +3178,7 @@
             </a:ln>
             <a:extLst>
               <a:ext uri="{91240B29-F687-4f45-9708-019B960494DF}">
-                <a14:hiddenLine xmlns:a14="http://schemas.microsoft.com/office/drawing/2010/main" xmlns="" w="9525">
+                <a14:hiddenLine xmlns="" xmlns:a14="http://schemas.microsoft.com/office/drawing/2010/main" w="9525">
                   <a:solidFill>
                     <a:srgbClr val="000000"/>
                   </a:solidFill>
@@ -3211,7 +3212,7 @@
             </a:ln>
             <a:extLst>
               <a:ext uri="{91240B29-F687-4f45-9708-019B960494DF}">
-                <a14:hiddenLine xmlns:a14="http://schemas.microsoft.com/office/drawing/2010/main" xmlns="" w="9525">
+                <a14:hiddenLine xmlns="" xmlns:a14="http://schemas.microsoft.com/office/drawing/2010/main" w="9525">
                   <a:solidFill>
                     <a:srgbClr val="000000"/>
                   </a:solidFill>
@@ -3276,7 +3277,7 @@
             </a:ln>
             <a:extLst>
               <a:ext uri="{91240B29-F687-4f45-9708-019B960494DF}">
-                <a14:hiddenLine xmlns:a14="http://schemas.microsoft.com/office/drawing/2010/main" xmlns="" w="9525">
+                <a14:hiddenLine xmlns="" xmlns:a14="http://schemas.microsoft.com/office/drawing/2010/main" w="9525">
                   <a:solidFill>
                     <a:srgbClr val="000000"/>
                   </a:solidFill>
@@ -3366,7 +3367,7 @@
             </a:ln>
             <a:extLst>
               <a:ext uri="{91240B29-F687-4f45-9708-019B960494DF}">
-                <a14:hiddenLine xmlns:a14="http://schemas.microsoft.com/office/drawing/2010/main" xmlns="" w="9525">
+                <a14:hiddenLine xmlns="" xmlns:a14="http://schemas.microsoft.com/office/drawing/2010/main" w="9525">
                   <a:solidFill>
                     <a:srgbClr val="000000"/>
                   </a:solidFill>
@@ -3428,7 +3429,7 @@
             </a:ln>
             <a:extLst>
               <a:ext uri="{91240B29-F687-4f45-9708-019B960494DF}">
-                <a14:hiddenLine xmlns:a14="http://schemas.microsoft.com/office/drawing/2010/main" xmlns="" w="9525">
+                <a14:hiddenLine xmlns="" xmlns:a14="http://schemas.microsoft.com/office/drawing/2010/main" w="9525">
                   <a:solidFill>
                     <a:srgbClr val="000000"/>
                   </a:solidFill>
@@ -3518,7 +3519,7 @@
             </a:ln>
             <a:extLst>
               <a:ext uri="{91240B29-F687-4f45-9708-019B960494DF}">
-                <a14:hiddenLine xmlns:a14="http://schemas.microsoft.com/office/drawing/2010/main" xmlns="" w="9525">
+                <a14:hiddenLine xmlns="" xmlns:a14="http://schemas.microsoft.com/office/drawing/2010/main" w="9525">
                   <a:solidFill>
                     <a:srgbClr val="000000"/>
                   </a:solidFill>
@@ -3608,7 +3609,7 @@
             </a:ln>
             <a:extLst>
               <a:ext uri="{91240B29-F687-4f45-9708-019B960494DF}">
-                <a14:hiddenLine xmlns:a14="http://schemas.microsoft.com/office/drawing/2010/main" xmlns="" w="9525">
+                <a14:hiddenLine xmlns="" xmlns:a14="http://schemas.microsoft.com/office/drawing/2010/main" w="9525">
                   <a:solidFill>
                     <a:srgbClr val="000000"/>
                   </a:solidFill>
@@ -3673,7 +3674,7 @@
             </a:ln>
             <a:extLst>
               <a:ext uri="{91240B29-F687-4f45-9708-019B960494DF}">
-                <a14:hiddenLine xmlns:a14="http://schemas.microsoft.com/office/drawing/2010/main" xmlns="" w="9525">
+                <a14:hiddenLine xmlns="" xmlns:a14="http://schemas.microsoft.com/office/drawing/2010/main" w="9525">
                   <a:solidFill>
                     <a:srgbClr val="000000"/>
                   </a:solidFill>
@@ -3735,7 +3736,7 @@
             </a:ln>
             <a:extLst>
               <a:ext uri="{91240B29-F687-4f45-9708-019B960494DF}">
-                <a14:hiddenLine xmlns:a14="http://schemas.microsoft.com/office/drawing/2010/main" xmlns="" w="9525">
+                <a14:hiddenLine xmlns="" xmlns:a14="http://schemas.microsoft.com/office/drawing/2010/main" w="9525">
                   <a:solidFill>
                     <a:srgbClr val="000000"/>
                   </a:solidFill>
@@ -3825,7 +3826,7 @@
             </a:ln>
             <a:extLst>
               <a:ext uri="{91240B29-F687-4f45-9708-019B960494DF}">
-                <a14:hiddenLine xmlns:a14="http://schemas.microsoft.com/office/drawing/2010/main" xmlns="" w="9525">
+                <a14:hiddenLine xmlns="" xmlns:a14="http://schemas.microsoft.com/office/drawing/2010/main" w="9525">
                   <a:solidFill>
                     <a:srgbClr val="000000"/>
                   </a:solidFill>
@@ -3915,7 +3916,7 @@
             </a:ln>
             <a:extLst>
               <a:ext uri="{91240B29-F687-4f45-9708-019B960494DF}">
-                <a14:hiddenLine xmlns:a14="http://schemas.microsoft.com/office/drawing/2010/main" xmlns="" w="9525">
+                <a14:hiddenLine xmlns="" xmlns:a14="http://schemas.microsoft.com/office/drawing/2010/main" w="9525">
                   <a:solidFill>
                     <a:srgbClr val="000000"/>
                   </a:solidFill>
@@ -3977,7 +3978,7 @@
             </a:ln>
             <a:extLst>
               <a:ext uri="{91240B29-F687-4f45-9708-019B960494DF}">
-                <a14:hiddenLine xmlns:a14="http://schemas.microsoft.com/office/drawing/2010/main" xmlns="" w="9525">
+                <a14:hiddenLine xmlns="" xmlns:a14="http://schemas.microsoft.com/office/drawing/2010/main" w="9525">
                   <a:solidFill>
                     <a:srgbClr val="000000"/>
                   </a:solidFill>
@@ -4097,7 +4098,7 @@
             </a:ln>
             <a:extLst>
               <a:ext uri="{91240B29-F687-4f45-9708-019B960494DF}">
-                <a14:hiddenLine xmlns:a14="http://schemas.microsoft.com/office/drawing/2010/main" xmlns="" w="9525">
+                <a14:hiddenLine xmlns="" xmlns:a14="http://schemas.microsoft.com/office/drawing/2010/main" w="9525">
                   <a:solidFill>
                     <a:srgbClr val="000000"/>
                   </a:solidFill>
@@ -4165,7 +4166,7 @@
             </a:ln>
             <a:extLst>
               <a:ext uri="{91240B29-F687-4f45-9708-019B960494DF}">
-                <a14:hiddenLine xmlns:a14="http://schemas.microsoft.com/office/drawing/2010/main" xmlns="" w="9525">
+                <a14:hiddenLine xmlns="" xmlns:a14="http://schemas.microsoft.com/office/drawing/2010/main" w="9525">
                   <a:solidFill>
                     <a:srgbClr val="000000"/>
                   </a:solidFill>
@@ -4255,7 +4256,7 @@
             </a:ln>
             <a:extLst>
               <a:ext uri="{91240B29-F687-4f45-9708-019B960494DF}">
-                <a14:hiddenLine xmlns:a14="http://schemas.microsoft.com/office/drawing/2010/main" xmlns="" w="9525">
+                <a14:hiddenLine xmlns="" xmlns:a14="http://schemas.microsoft.com/office/drawing/2010/main" w="9525">
                   <a:solidFill>
                     <a:srgbClr val="000000"/>
                   </a:solidFill>
@@ -8977,7 +8978,7 @@
           <a:noFill/>
           <a:extLst>
             <a:ext uri="{909E8E84-426E-40dd-AFC4-6F175D3DCCD1}">
-              <a14:hiddenFill xmlns:a14="http://schemas.microsoft.com/office/drawing/2010/main" xmlns="">
+              <a14:hiddenFill xmlns="" xmlns:a14="http://schemas.microsoft.com/office/drawing/2010/main">
                 <a:solidFill>
                   <a:srgbClr val="FFFFFF"/>
                 </a:solidFill>
@@ -9051,7 +9052,7 @@
               </a:ln>
               <a:extLst>
                 <a:ext uri="{91240B29-F687-4f45-9708-019B960494DF}">
-                  <a14:hiddenLine xmlns:a14="http://schemas.microsoft.com/office/drawing/2010/main" xmlns="" w="9525">
+                  <a14:hiddenLine xmlns="" xmlns:a14="http://schemas.microsoft.com/office/drawing/2010/main" w="9525">
                     <a:solidFill>
                       <a:srgbClr val="000000"/>
                     </a:solidFill>
@@ -9141,7 +9142,7 @@
               </a:ln>
               <a:extLst>
                 <a:ext uri="{91240B29-F687-4f45-9708-019B960494DF}">
-                  <a14:hiddenLine xmlns:a14="http://schemas.microsoft.com/office/drawing/2010/main" xmlns="" w="9525">
+                  <a14:hiddenLine xmlns="" xmlns:a14="http://schemas.microsoft.com/office/drawing/2010/main" w="9525">
                     <a:solidFill>
                       <a:srgbClr val="000000"/>
                     </a:solidFill>
@@ -9231,7 +9232,7 @@
               </a:ln>
               <a:extLst>
                 <a:ext uri="{91240B29-F687-4f45-9708-019B960494DF}">
-                  <a14:hiddenLine xmlns:a14="http://schemas.microsoft.com/office/drawing/2010/main" xmlns="" w="9525">
+                  <a14:hiddenLine xmlns="" xmlns:a14="http://schemas.microsoft.com/office/drawing/2010/main" w="9525">
                     <a:solidFill>
                       <a:srgbClr val="000000"/>
                     </a:solidFill>
@@ -9293,7 +9294,7 @@
               </a:ln>
               <a:extLst>
                 <a:ext uri="{91240B29-F687-4f45-9708-019B960494DF}">
-                  <a14:hiddenLine xmlns:a14="http://schemas.microsoft.com/office/drawing/2010/main" xmlns="" w="9525">
+                  <a14:hiddenLine xmlns="" xmlns:a14="http://schemas.microsoft.com/office/drawing/2010/main" w="9525">
                     <a:solidFill>
                       <a:srgbClr val="000000"/>
                     </a:solidFill>
@@ -9383,7 +9384,7 @@
               </a:ln>
               <a:extLst>
                 <a:ext uri="{91240B29-F687-4f45-9708-019B960494DF}">
-                  <a14:hiddenLine xmlns:a14="http://schemas.microsoft.com/office/drawing/2010/main" xmlns="" w="9525">
+                  <a14:hiddenLine xmlns="" xmlns:a14="http://schemas.microsoft.com/office/drawing/2010/main" w="9525">
                     <a:solidFill>
                       <a:srgbClr val="000000"/>
                     </a:solidFill>
@@ -9445,7 +9446,7 @@
               </a:ln>
               <a:extLst>
                 <a:ext uri="{91240B29-F687-4f45-9708-019B960494DF}">
-                  <a14:hiddenLine xmlns:a14="http://schemas.microsoft.com/office/drawing/2010/main" xmlns="" w="9525">
+                  <a14:hiddenLine xmlns="" xmlns:a14="http://schemas.microsoft.com/office/drawing/2010/main" w="9525">
                     <a:solidFill>
                       <a:srgbClr val="000000"/>
                     </a:solidFill>
@@ -9507,7 +9508,7 @@
               </a:ln>
               <a:extLst>
                 <a:ext uri="{91240B29-F687-4f45-9708-019B960494DF}">
-                  <a14:hiddenLine xmlns:a14="http://schemas.microsoft.com/office/drawing/2010/main" xmlns="" w="9525">
+                  <a14:hiddenLine xmlns="" xmlns:a14="http://schemas.microsoft.com/office/drawing/2010/main" w="9525">
                     <a:solidFill>
                       <a:srgbClr val="000000"/>
                     </a:solidFill>
@@ -9597,7 +9598,7 @@
               </a:ln>
               <a:extLst>
                 <a:ext uri="{91240B29-F687-4f45-9708-019B960494DF}">
-                  <a14:hiddenLine xmlns:a14="http://schemas.microsoft.com/office/drawing/2010/main" xmlns="" w="9525">
+                  <a14:hiddenLine xmlns="" xmlns:a14="http://schemas.microsoft.com/office/drawing/2010/main" w="9525">
                     <a:solidFill>
                       <a:srgbClr val="000000"/>
                     </a:solidFill>
@@ -9687,7 +9688,7 @@
               </a:ln>
               <a:extLst>
                 <a:ext uri="{91240B29-F687-4f45-9708-019B960494DF}">
-                  <a14:hiddenLine xmlns:a14="http://schemas.microsoft.com/office/drawing/2010/main" xmlns="" w="9525">
+                  <a14:hiddenLine xmlns="" xmlns:a14="http://schemas.microsoft.com/office/drawing/2010/main" w="9525">
                     <a:solidFill>
                       <a:srgbClr val="000000"/>
                     </a:solidFill>
@@ -9749,7 +9750,7 @@
               </a:ln>
               <a:extLst>
                 <a:ext uri="{91240B29-F687-4f45-9708-019B960494DF}">
-                  <a14:hiddenLine xmlns:a14="http://schemas.microsoft.com/office/drawing/2010/main" xmlns="" w="9525">
+                  <a14:hiddenLine xmlns="" xmlns:a14="http://schemas.microsoft.com/office/drawing/2010/main" w="9525">
                     <a:solidFill>
                       <a:srgbClr val="000000"/>
                     </a:solidFill>
@@ -9859,7 +9860,7 @@
               </a:ln>
               <a:extLst>
                 <a:ext uri="{91240B29-F687-4f45-9708-019B960494DF}">
-                  <a14:hiddenLine xmlns:a14="http://schemas.microsoft.com/office/drawing/2010/main" xmlns="" w="9525">
+                  <a14:hiddenLine xmlns="" xmlns:a14="http://schemas.microsoft.com/office/drawing/2010/main" w="9525">
                     <a:solidFill>
                       <a:srgbClr val="000000"/>
                     </a:solidFill>
@@ -9943,7 +9944,7 @@
               </a:ln>
               <a:extLst>
                 <a:ext uri="{91240B29-F687-4f45-9708-019B960494DF}">
-                  <a14:hiddenLine xmlns:a14="http://schemas.microsoft.com/office/drawing/2010/main" xmlns="" w="9525">
+                  <a14:hiddenLine xmlns="" xmlns:a14="http://schemas.microsoft.com/office/drawing/2010/main" w="9525">
                     <a:solidFill>
                       <a:srgbClr val="000000"/>
                     </a:solidFill>
@@ -10005,7 +10006,7 @@
               </a:ln>
               <a:extLst>
                 <a:ext uri="{91240B29-F687-4f45-9708-019B960494DF}">
-                  <a14:hiddenLine xmlns:a14="http://schemas.microsoft.com/office/drawing/2010/main" xmlns="" w="9525">
+                  <a14:hiddenLine xmlns="" xmlns:a14="http://schemas.microsoft.com/office/drawing/2010/main" w="9525">
                     <a:solidFill>
                       <a:srgbClr val="000000"/>
                     </a:solidFill>
@@ -10067,7 +10068,7 @@
               </a:ln>
               <a:extLst>
                 <a:ext uri="{91240B29-F687-4f45-9708-019B960494DF}">
-                  <a14:hiddenLine xmlns:a14="http://schemas.microsoft.com/office/drawing/2010/main" xmlns="" w="9525">
+                  <a14:hiddenLine xmlns="" xmlns:a14="http://schemas.microsoft.com/office/drawing/2010/main" w="9525">
                     <a:solidFill>
                       <a:srgbClr val="000000"/>
                     </a:solidFill>
@@ -10157,7 +10158,7 @@
               </a:ln>
               <a:extLst>
                 <a:ext uri="{91240B29-F687-4f45-9708-019B960494DF}">
-                  <a14:hiddenLine xmlns:a14="http://schemas.microsoft.com/office/drawing/2010/main" xmlns="" w="9525">
+                  <a14:hiddenLine xmlns="" xmlns:a14="http://schemas.microsoft.com/office/drawing/2010/main" w="9525">
                     <a:solidFill>
                       <a:srgbClr val="000000"/>
                     </a:solidFill>
@@ -10191,7 +10192,7 @@
               </a:ln>
               <a:extLst>
                 <a:ext uri="{91240B29-F687-4f45-9708-019B960494DF}">
-                  <a14:hiddenLine xmlns:a14="http://schemas.microsoft.com/office/drawing/2010/main" xmlns="" w="9525">
+                  <a14:hiddenLine xmlns="" xmlns:a14="http://schemas.microsoft.com/office/drawing/2010/main" w="9525">
                     <a:solidFill>
                       <a:srgbClr val="000000"/>
                     </a:solidFill>
@@ -10256,7 +10257,7 @@
               </a:ln>
               <a:extLst>
                 <a:ext uri="{91240B29-F687-4f45-9708-019B960494DF}">
-                  <a14:hiddenLine xmlns:a14="http://schemas.microsoft.com/office/drawing/2010/main" xmlns="" w="9525">
+                  <a14:hiddenLine xmlns="" xmlns:a14="http://schemas.microsoft.com/office/drawing/2010/main" w="9525">
                     <a:solidFill>
                       <a:srgbClr val="000000"/>
                     </a:solidFill>
@@ -10346,7 +10347,7 @@
               </a:ln>
               <a:extLst>
                 <a:ext uri="{91240B29-F687-4f45-9708-019B960494DF}">
-                  <a14:hiddenLine xmlns:a14="http://schemas.microsoft.com/office/drawing/2010/main" xmlns="" w="9525">
+                  <a14:hiddenLine xmlns="" xmlns:a14="http://schemas.microsoft.com/office/drawing/2010/main" w="9525">
                     <a:solidFill>
                       <a:srgbClr val="000000"/>
                     </a:solidFill>
@@ -10408,7 +10409,7 @@
               </a:ln>
               <a:extLst>
                 <a:ext uri="{91240B29-F687-4f45-9708-019B960494DF}">
-                  <a14:hiddenLine xmlns:a14="http://schemas.microsoft.com/office/drawing/2010/main" xmlns="" w="9525">
+                  <a14:hiddenLine xmlns="" xmlns:a14="http://schemas.microsoft.com/office/drawing/2010/main" w="9525">
                     <a:solidFill>
                       <a:srgbClr val="000000"/>
                     </a:solidFill>
@@ -10498,7 +10499,7 @@
               </a:ln>
               <a:extLst>
                 <a:ext uri="{91240B29-F687-4f45-9708-019B960494DF}">
-                  <a14:hiddenLine xmlns:a14="http://schemas.microsoft.com/office/drawing/2010/main" xmlns="" w="9525">
+                  <a14:hiddenLine xmlns="" xmlns:a14="http://schemas.microsoft.com/office/drawing/2010/main" w="9525">
                     <a:solidFill>
                       <a:srgbClr val="000000"/>
                     </a:solidFill>
@@ -10563,7 +10564,7 @@
               </a:ln>
               <a:extLst>
                 <a:ext uri="{91240B29-F687-4f45-9708-019B960494DF}">
-                  <a14:hiddenLine xmlns:a14="http://schemas.microsoft.com/office/drawing/2010/main" xmlns="" w="9525">
+                  <a14:hiddenLine xmlns="" xmlns:a14="http://schemas.microsoft.com/office/drawing/2010/main" w="9525">
                     <a:solidFill>
                       <a:srgbClr val="000000"/>
                     </a:solidFill>
@@ -10625,7 +10626,7 @@
               </a:ln>
               <a:extLst>
                 <a:ext uri="{91240B29-F687-4f45-9708-019B960494DF}">
-                  <a14:hiddenLine xmlns:a14="http://schemas.microsoft.com/office/drawing/2010/main" xmlns="" w="9525">
+                  <a14:hiddenLine xmlns="" xmlns:a14="http://schemas.microsoft.com/office/drawing/2010/main" w="9525">
                     <a:solidFill>
                       <a:srgbClr val="000000"/>
                     </a:solidFill>
@@ -10715,7 +10716,7 @@
               </a:ln>
               <a:extLst>
                 <a:ext uri="{91240B29-F687-4f45-9708-019B960494DF}">
-                  <a14:hiddenLine xmlns:a14="http://schemas.microsoft.com/office/drawing/2010/main" xmlns="" w="9525">
+                  <a14:hiddenLine xmlns="" xmlns:a14="http://schemas.microsoft.com/office/drawing/2010/main" w="9525">
                     <a:solidFill>
                       <a:srgbClr val="000000"/>
                     </a:solidFill>
@@ -10805,7 +10806,7 @@
               </a:ln>
               <a:extLst>
                 <a:ext uri="{91240B29-F687-4f45-9708-019B960494DF}">
-                  <a14:hiddenLine xmlns:a14="http://schemas.microsoft.com/office/drawing/2010/main" xmlns="" w="9525">
+                  <a14:hiddenLine xmlns="" xmlns:a14="http://schemas.microsoft.com/office/drawing/2010/main" w="9525">
                     <a:solidFill>
                       <a:srgbClr val="000000"/>
                     </a:solidFill>
@@ -10870,7 +10871,7 @@
               </a:ln>
               <a:extLst>
                 <a:ext uri="{91240B29-F687-4f45-9708-019B960494DF}">
-                  <a14:hiddenLine xmlns:a14="http://schemas.microsoft.com/office/drawing/2010/main" xmlns="" w="9525">
+                  <a14:hiddenLine xmlns="" xmlns:a14="http://schemas.microsoft.com/office/drawing/2010/main" w="9525">
                     <a:solidFill>
                       <a:srgbClr val="000000"/>
                     </a:solidFill>
@@ -10990,7 +10991,7 @@
               </a:ln>
               <a:extLst>
                 <a:ext uri="{91240B29-F687-4f45-9708-019B960494DF}">
-                  <a14:hiddenLine xmlns:a14="http://schemas.microsoft.com/office/drawing/2010/main" xmlns="" w="9525">
+                  <a14:hiddenLine xmlns="" xmlns:a14="http://schemas.microsoft.com/office/drawing/2010/main" w="9525">
                     <a:solidFill>
                       <a:srgbClr val="000000"/>
                     </a:solidFill>
@@ -11088,7 +11089,7 @@
               </a:ln>
               <a:extLst>
                 <a:ext uri="{91240B29-F687-4f45-9708-019B960494DF}">
-                  <a14:hiddenLine xmlns:a14="http://schemas.microsoft.com/office/drawing/2010/main" xmlns="" w="9525">
+                  <a14:hiddenLine xmlns="" xmlns:a14="http://schemas.microsoft.com/office/drawing/2010/main" w="9525">
                     <a:solidFill>
                       <a:srgbClr val="000000"/>
                     </a:solidFill>
@@ -11203,7 +11204,7 @@
               </a:ln>
               <a:extLst>
                 <a:ext uri="{91240B29-F687-4f45-9708-019B960494DF}">
-                  <a14:hiddenLine xmlns:a14="http://schemas.microsoft.com/office/drawing/2010/main" xmlns="" w="9525">
+                  <a14:hiddenLine xmlns="" xmlns:a14="http://schemas.microsoft.com/office/drawing/2010/main" w="9525">
                     <a:solidFill>
                       <a:srgbClr val="000000"/>
                     </a:solidFill>
@@ -11293,7 +11294,7 @@
               </a:ln>
               <a:extLst>
                 <a:ext uri="{91240B29-F687-4f45-9708-019B960494DF}">
-                  <a14:hiddenLine xmlns:a14="http://schemas.microsoft.com/office/drawing/2010/main" xmlns="" w="9525">
+                  <a14:hiddenLine xmlns="" xmlns:a14="http://schemas.microsoft.com/office/drawing/2010/main" w="9525">
                     <a:solidFill>
                       <a:srgbClr val="000000"/>
                     </a:solidFill>
@@ -11358,7 +11359,7 @@
               </a:ln>
               <a:extLst>
                 <a:ext uri="{91240B29-F687-4f45-9708-019B960494DF}">
-                  <a14:hiddenLine xmlns:a14="http://schemas.microsoft.com/office/drawing/2010/main" xmlns="" w="9525">
+                  <a14:hiddenLine xmlns="" xmlns:a14="http://schemas.microsoft.com/office/drawing/2010/main" w="9525">
                     <a:solidFill>
                       <a:srgbClr val="000000"/>
                     </a:solidFill>
@@ -11448,7 +11449,7 @@
               </a:ln>
               <a:extLst>
                 <a:ext uri="{91240B29-F687-4f45-9708-019B960494DF}">
-                  <a14:hiddenLine xmlns:a14="http://schemas.microsoft.com/office/drawing/2010/main" xmlns="" w="9525">
+                  <a14:hiddenLine xmlns="" xmlns:a14="http://schemas.microsoft.com/office/drawing/2010/main" w="9525">
                     <a:solidFill>
                       <a:srgbClr val="000000"/>
                     </a:solidFill>
@@ -11516,7 +11517,7 @@
               </a:ln>
               <a:extLst>
                 <a:ext uri="{91240B29-F687-4f45-9708-019B960494DF}">
-                  <a14:hiddenLine xmlns:a14="http://schemas.microsoft.com/office/drawing/2010/main" xmlns="" w="9525">
+                  <a14:hiddenLine xmlns="" xmlns:a14="http://schemas.microsoft.com/office/drawing/2010/main" w="9525">
                     <a:solidFill>
                       <a:srgbClr val="000000"/>
                     </a:solidFill>
@@ -11606,7 +11607,7 @@
               </a:ln>
               <a:extLst>
                 <a:ext uri="{91240B29-F687-4f45-9708-019B960494DF}">
-                  <a14:hiddenLine xmlns:a14="http://schemas.microsoft.com/office/drawing/2010/main" xmlns="" w="9525">
+                  <a14:hiddenLine xmlns="" xmlns:a14="http://schemas.microsoft.com/office/drawing/2010/main" w="9525">
                     <a:solidFill>
                       <a:srgbClr val="000000"/>
                     </a:solidFill>
@@ -11674,7 +11675,7 @@
               </a:ln>
               <a:extLst>
                 <a:ext uri="{91240B29-F687-4f45-9708-019B960494DF}">
-                  <a14:hiddenLine xmlns:a14="http://schemas.microsoft.com/office/drawing/2010/main" xmlns="" w="9525">
+                  <a14:hiddenLine xmlns="" xmlns:a14="http://schemas.microsoft.com/office/drawing/2010/main" w="9525">
                     <a:solidFill>
                       <a:srgbClr val="000000"/>
                     </a:solidFill>
@@ -11764,7 +11765,7 @@
               </a:ln>
               <a:extLst>
                 <a:ext uri="{91240B29-F687-4f45-9708-019B960494DF}">
-                  <a14:hiddenLine xmlns:a14="http://schemas.microsoft.com/office/drawing/2010/main" xmlns="" w="9525">
+                  <a14:hiddenLine xmlns="" xmlns:a14="http://schemas.microsoft.com/office/drawing/2010/main" w="9525">
                     <a:solidFill>
                       <a:srgbClr val="000000"/>
                     </a:solidFill>
@@ -11798,7 +11799,7 @@
               </a:ln>
               <a:extLst>
                 <a:ext uri="{91240B29-F687-4f45-9708-019B960494DF}">
-                  <a14:hiddenLine xmlns:a14="http://schemas.microsoft.com/office/drawing/2010/main" xmlns="" w="9525">
+                  <a14:hiddenLine xmlns="" xmlns:a14="http://schemas.microsoft.com/office/drawing/2010/main" w="9525">
                     <a:solidFill>
                       <a:srgbClr val="000000"/>
                     </a:solidFill>
@@ -13899,6 +13900,649 @@
 </p:sld>
 </file>
 
+<file path=ppt/slides/slide9.xml><?xml version="1.0" encoding="utf-8"?>
+<p:sld xmlns:a="http://schemas.openxmlformats.org/drawingml/2006/main" xmlns:r="http://schemas.openxmlformats.org/officeDocument/2006/relationships" xmlns:p="http://schemas.openxmlformats.org/presentationml/2006/main">
+  <p:cSld>
+    <p:spTree>
+      <p:nvGrpSpPr>
+        <p:cNvPr id="1" name=""/>
+        <p:cNvGrpSpPr/>
+        <p:nvPr/>
+      </p:nvGrpSpPr>
+      <p:grpSpPr>
+        <a:xfrm>
+          <a:off x="0" y="0"/>
+          <a:ext cx="0" cy="0"/>
+          <a:chOff x="0" y="0"/>
+          <a:chExt cx="0" cy="0"/>
+        </a:xfrm>
+      </p:grpSpPr>
+      <p:pic>
+        <p:nvPicPr>
+          <p:cNvPr id="21" name="Imagen 20">
+            <a:extLst>
+              <a:ext uri="{FF2B5EF4-FFF2-40B4-BE49-F238E27FC236}">
+                <a16:creationId xmlns:a16="http://schemas.microsoft.com/office/drawing/2014/main" id="{095F33CF-BCD8-45B8-AA7D-91AE8E714901}"/>
+              </a:ext>
+            </a:extLst>
+          </p:cNvPr>
+          <p:cNvPicPr>
+            <a:picLocks noChangeAspect="1"/>
+          </p:cNvPicPr>
+          <p:nvPr/>
+        </p:nvPicPr>
+        <p:blipFill>
+          <a:blip r:embed="rId2"/>
+          <a:stretch>
+            <a:fillRect/>
+          </a:stretch>
+        </p:blipFill>
+        <p:spPr>
+          <a:xfrm>
+            <a:off x="0" y="0"/>
+            <a:ext cx="12192000" cy="905001"/>
+          </a:xfrm>
+          <a:prstGeom prst="rect">
+            <a:avLst/>
+          </a:prstGeom>
+        </p:spPr>
+      </p:pic>
+      <p:pic>
+        <p:nvPicPr>
+          <p:cNvPr id="17" name="Imagen 16">
+            <a:extLst>
+              <a:ext uri="{FF2B5EF4-FFF2-40B4-BE49-F238E27FC236}">
+                <a16:creationId xmlns:a16="http://schemas.microsoft.com/office/drawing/2014/main" id="{1A051A38-4BC4-40F5-9386-D16637C5BCB7}"/>
+              </a:ext>
+            </a:extLst>
+          </p:cNvPr>
+          <p:cNvPicPr>
+            <a:picLocks noChangeAspect="1"/>
+          </p:cNvPicPr>
+          <p:nvPr/>
+        </p:nvPicPr>
+        <p:blipFill>
+          <a:blip r:embed="rId3"/>
+          <a:stretch>
+            <a:fillRect/>
+          </a:stretch>
+        </p:blipFill>
+        <p:spPr>
+          <a:xfrm>
+            <a:off x="-1588" y="783772"/>
+            <a:ext cx="12192000" cy="6074228"/>
+          </a:xfrm>
+          <a:prstGeom prst="rect">
+            <a:avLst/>
+          </a:prstGeom>
+        </p:spPr>
+      </p:pic>
+      <p:sp>
+        <p:nvSpPr>
+          <p:cNvPr id="2" name="Título 1">
+            <a:extLst>
+              <a:ext uri="{FF2B5EF4-FFF2-40B4-BE49-F238E27FC236}">
+                <a16:creationId xmlns:a16="http://schemas.microsoft.com/office/drawing/2014/main" id="{51A83C2C-7062-4572-AF64-D063FF951C21}"/>
+              </a:ext>
+            </a:extLst>
+          </p:cNvPr>
+          <p:cNvSpPr>
+            <a:spLocks noGrp="1"/>
+          </p:cNvSpPr>
+          <p:nvPr>
+            <p:ph type="title"/>
+          </p:nvPr>
+        </p:nvSpPr>
+        <p:spPr>
+          <a:xfrm>
+            <a:off x="1141413" y="1"/>
+            <a:ext cx="9905998" cy="979713"/>
+          </a:xfrm>
+        </p:spPr>
+        <p:txBody>
+          <a:bodyPr>
+            <a:normAutofit fontScale="90000"/>
+          </a:bodyPr>
+          <a:lstStyle/>
+          <a:p>
+            <a:pPr algn="ctr"/>
+            <a:r>
+              <a:rPr lang="es-ES" sz="6600" b="1" dirty="0">
+                <a:latin typeface="Bahnschrift Condensed" panose="020B0502040204020203" pitchFamily="34" charset="0"/>
+              </a:rPr>
+              <a:t>School Maps</a:t>
+            </a:r>
+            <a:endParaRPr lang="es-AR" sz="6600" b="1" dirty="0">
+              <a:latin typeface="Bahnschrift Condensed" panose="020B0502040204020203" pitchFamily="34" charset="0"/>
+            </a:endParaRPr>
+          </a:p>
+        </p:txBody>
+      </p:sp>
+      <p:sp>
+        <p:nvSpPr>
+          <p:cNvPr id="19" name="Marcador de contenido 18">
+            <a:extLst>
+              <a:ext uri="{FF2B5EF4-FFF2-40B4-BE49-F238E27FC236}">
+                <a16:creationId xmlns:a16="http://schemas.microsoft.com/office/drawing/2014/main" id="{2351E72A-69D7-4CA8-AF99-36D3DA992F43}"/>
+              </a:ext>
+            </a:extLst>
+          </p:cNvPr>
+          <p:cNvSpPr>
+            <a:spLocks noGrp="1"/>
+          </p:cNvSpPr>
+          <p:nvPr>
+            <p:ph idx="1"/>
+          </p:nvPr>
+        </p:nvSpPr>
+        <p:spPr>
+          <a:xfrm>
+            <a:off x="282994" y="1307583"/>
+            <a:ext cx="6416386" cy="979713"/>
+          </a:xfrm>
+        </p:spPr>
+        <p:txBody>
+          <a:bodyPr>
+            <a:normAutofit/>
+          </a:bodyPr>
+          <a:lstStyle/>
+          <a:p>
+            <a:pPr marL="0" indent="0">
+              <a:buNone/>
+            </a:pPr>
+            <a:r>
+              <a:rPr lang="es-ES" sz="2600" b="1" u="sng" cap="all" dirty="0">
+                <a:solidFill>
+                  <a:schemeClr val="bg1"/>
+                </a:solidFill>
+                <a:latin typeface="Bahnschrift Condensed" panose="020B0502040204020203" pitchFamily="34" charset="0"/>
+                <a:ea typeface="+mj-ea"/>
+                <a:cs typeface="+mj-cs"/>
+              </a:rPr>
+              <a:t>Integrantes: </a:t>
+            </a:r>
+            <a:r>
+              <a:rPr lang="es-ES" sz="2600" b="1" cap="all" dirty="0">
+                <a:solidFill>
+                  <a:schemeClr val="bg1"/>
+                </a:solidFill>
+                <a:latin typeface="Bahnschrift Condensed" panose="020B0502040204020203" pitchFamily="34" charset="0"/>
+                <a:ea typeface="+mj-ea"/>
+                <a:cs typeface="+mj-cs"/>
+              </a:rPr>
+              <a:t>Leonardo Galindez, Mauricio Benavidez</a:t>
+            </a:r>
+          </a:p>
+          <a:p>
+            <a:pPr marL="0" indent="0">
+              <a:buNone/>
+            </a:pPr>
+            <a:endParaRPr lang="es-AR" dirty="0">
+              <a:solidFill>
+                <a:schemeClr val="bg1"/>
+              </a:solidFill>
+            </a:endParaRPr>
+          </a:p>
+        </p:txBody>
+      </p:sp>
+      <p:sp>
+        <p:nvSpPr>
+          <p:cNvPr id="24" name="Flecha: hacia la izquierda 23">
+            <a:extLst>
+              <a:ext uri="{FF2B5EF4-FFF2-40B4-BE49-F238E27FC236}">
+                <a16:creationId xmlns:a16="http://schemas.microsoft.com/office/drawing/2014/main" id="{FA32F456-4DE4-41E6-9E7F-708676530025}"/>
+              </a:ext>
+            </a:extLst>
+          </p:cNvPr>
+          <p:cNvSpPr/>
+          <p:nvPr/>
+        </p:nvSpPr>
+        <p:spPr>
+          <a:xfrm>
+            <a:off x="108047" y="200573"/>
+            <a:ext cx="806353" cy="503853"/>
+          </a:xfrm>
+          <a:prstGeom prst="leftArrow">
+            <a:avLst/>
+          </a:prstGeom>
+          <a:solidFill>
+            <a:schemeClr val="tx1"/>
+          </a:solidFill>
+          <a:ln>
+            <a:solidFill>
+              <a:schemeClr val="tx1"/>
+            </a:solidFill>
+          </a:ln>
+        </p:spPr>
+        <p:style>
+          <a:lnRef idx="2">
+            <a:schemeClr val="accent1">
+              <a:shade val="50000"/>
+            </a:schemeClr>
+          </a:lnRef>
+          <a:fillRef idx="1">
+            <a:schemeClr val="accent1"/>
+          </a:fillRef>
+          <a:effectRef idx="0">
+            <a:schemeClr val="accent1"/>
+          </a:effectRef>
+          <a:fontRef idx="minor">
+            <a:schemeClr val="lt1"/>
+          </a:fontRef>
+        </p:style>
+        <p:txBody>
+          <a:bodyPr rtlCol="0" anchor="ctr"/>
+          <a:lstStyle/>
+          <a:p>
+            <a:pPr algn="ctr"/>
+            <a:endParaRPr lang="es-AR"/>
+          </a:p>
+        </p:txBody>
+      </p:sp>
+      <p:sp>
+        <p:nvSpPr>
+          <p:cNvPr id="7" name="Título 1">
+            <a:extLst>
+              <a:ext uri="{FF2B5EF4-FFF2-40B4-BE49-F238E27FC236}">
+                <a16:creationId xmlns:a16="http://schemas.microsoft.com/office/drawing/2014/main" id="{B1D604FD-891D-4B62-804D-5B6D8A28C3FF}"/>
+              </a:ext>
+            </a:extLst>
+          </p:cNvPr>
+          <p:cNvSpPr txBox="1">
+            <a:spLocks/>
+          </p:cNvSpPr>
+          <p:nvPr/>
+        </p:nvSpPr>
+        <p:spPr>
+          <a:xfrm>
+            <a:off x="1298713" y="2950900"/>
+            <a:ext cx="10349948" cy="1478570"/>
+          </a:xfrm>
+          <a:prstGeom prst="rect">
+            <a:avLst/>
+          </a:prstGeom>
+        </p:spPr>
+        <p:txBody>
+          <a:bodyPr vert="horz" lIns="91440" tIns="45720" rIns="91440" bIns="45720" rtlCol="0" anchor="ctr">
+            <a:normAutofit/>
+          </a:bodyPr>
+          <a:lstStyle>
+            <a:lvl1pPr algn="l" defTabSz="914400" rtl="0" eaLnBrk="1" latinLnBrk="0" hangingPunct="1">
+              <a:lnSpc>
+                <a:spcPct val="90000"/>
+              </a:lnSpc>
+              <a:spcBef>
+                <a:spcPct val="0"/>
+              </a:spcBef>
+              <a:buNone/>
+              <a:defRPr sz="3600" kern="1200" cap="all" baseline="0">
+                <a:solidFill>
+                  <a:schemeClr val="tx1"/>
+                </a:solidFill>
+                <a:latin typeface="+mj-lt"/>
+                <a:ea typeface="+mj-ea"/>
+                <a:cs typeface="+mj-cs"/>
+              </a:defRPr>
+            </a:lvl1pPr>
+          </a:lstStyle>
+          <a:p>
+            <a:r>
+              <a:rPr lang="es-ES" sz="6600" b="1" dirty="0">
+                <a:solidFill>
+                  <a:schemeClr val="bg1"/>
+                </a:solidFill>
+              </a:rPr>
+              <a:t>FIN DE LA PRESENTACIÓN </a:t>
+            </a:r>
+            <a:endParaRPr lang="es-AR" sz="6600" b="1" dirty="0">
+              <a:solidFill>
+                <a:schemeClr val="bg1"/>
+              </a:solidFill>
+            </a:endParaRPr>
+          </a:p>
+        </p:txBody>
+      </p:sp>
+    </p:spTree>
+    <p:extLst>
+      <p:ext uri="{BB962C8B-B14F-4D97-AF65-F5344CB8AC3E}">
+        <p14:creationId xmlns:p14="http://schemas.microsoft.com/office/powerpoint/2010/main" val="3686702138"/>
+      </p:ext>
+    </p:extLst>
+  </p:cSld>
+  <p:clrMapOvr>
+    <a:masterClrMapping/>
+  </p:clrMapOvr>
+  <p:timing>
+    <p:tnLst>
+      <p:par>
+        <p:cTn id="1" dur="indefinite" restart="never" nodeType="tmRoot">
+          <p:childTnLst>
+            <p:seq concurrent="1" nextAc="seek">
+              <p:cTn id="2" dur="indefinite" nodeType="mainSeq">
+                <p:childTnLst>
+                  <p:par>
+                    <p:cTn id="3" fill="hold">
+                      <p:stCondLst>
+                        <p:cond delay="indefinite"/>
+                      </p:stCondLst>
+                      <p:childTnLst>
+                        <p:par>
+                          <p:cTn id="4" fill="hold">
+                            <p:stCondLst>
+                              <p:cond delay="0"/>
+                            </p:stCondLst>
+                            <p:childTnLst>
+                              <p:par>
+                                <p:cTn id="5" presetID="26" presetClass="entr" presetSubtype="0" fill="hold" grpId="0" nodeType="clickEffect">
+                                  <p:stCondLst>
+                                    <p:cond delay="0"/>
+                                  </p:stCondLst>
+                                  <p:childTnLst>
+                                    <p:set>
+                                      <p:cBhvr>
+                                        <p:cTn id="6" dur="1" fill="hold">
+                                          <p:stCondLst>
+                                            <p:cond delay="0"/>
+                                          </p:stCondLst>
+                                        </p:cTn>
+                                        <p:tgtEl>
+                                          <p:spTgt spid="2"/>
+                                        </p:tgtEl>
+                                        <p:attrNameLst>
+                                          <p:attrName>style.visibility</p:attrName>
+                                        </p:attrNameLst>
+                                      </p:cBhvr>
+                                      <p:to>
+                                        <p:strVal val="visible"/>
+                                      </p:to>
+                                    </p:set>
+                                    <p:animEffect transition="in" filter="wipe(down)">
+                                      <p:cBhvr>
+                                        <p:cTn id="7" dur="580">
+                                          <p:stCondLst>
+                                            <p:cond delay="0"/>
+                                          </p:stCondLst>
+                                        </p:cTn>
+                                        <p:tgtEl>
+                                          <p:spTgt spid="2"/>
+                                        </p:tgtEl>
+                                      </p:cBhvr>
+                                    </p:animEffect>
+                                    <p:anim calcmode="lin" valueType="num">
+                                      <p:cBhvr>
+                                        <p:cTn id="8" dur="1822" tmFilter="0,0; 0.14,0.36; 0.43,0.73; 0.71,0.91; 1.0,1.0">
+                                          <p:stCondLst>
+                                            <p:cond delay="0"/>
+                                          </p:stCondLst>
+                                        </p:cTn>
+                                        <p:tgtEl>
+                                          <p:spTgt spid="2"/>
+                                        </p:tgtEl>
+                                        <p:attrNameLst>
+                                          <p:attrName>ppt_x</p:attrName>
+                                        </p:attrNameLst>
+                                      </p:cBhvr>
+                                      <p:tavLst>
+                                        <p:tav tm="0">
+                                          <p:val>
+                                            <p:strVal val="#ppt_x-0.25"/>
+                                          </p:val>
+                                        </p:tav>
+                                        <p:tav tm="100000">
+                                          <p:val>
+                                            <p:strVal val="#ppt_x"/>
+                                          </p:val>
+                                        </p:tav>
+                                      </p:tavLst>
+                                    </p:anim>
+                                    <p:anim calcmode="lin" valueType="num">
+                                      <p:cBhvr>
+                                        <p:cTn id="9" dur="664" tmFilter="0.0,0.0; 0.25,0.07; 0.50,0.2; 0.75,0.467; 1.0,1.0">
+                                          <p:stCondLst>
+                                            <p:cond delay="0"/>
+                                          </p:stCondLst>
+                                        </p:cTn>
+                                        <p:tgtEl>
+                                          <p:spTgt spid="2"/>
+                                        </p:tgtEl>
+                                        <p:attrNameLst>
+                                          <p:attrName>ppt_y</p:attrName>
+                                        </p:attrNameLst>
+                                      </p:cBhvr>
+                                      <p:tavLst>
+                                        <p:tav tm="0" fmla="#ppt_y-sin(pi*$)/3">
+                                          <p:val>
+                                            <p:fltVal val="0.5"/>
+                                          </p:val>
+                                        </p:tav>
+                                        <p:tav tm="100000">
+                                          <p:val>
+                                            <p:fltVal val="1"/>
+                                          </p:val>
+                                        </p:tav>
+                                      </p:tavLst>
+                                    </p:anim>
+                                    <p:anim calcmode="lin" valueType="num">
+                                      <p:cBhvr>
+                                        <p:cTn id="10" dur="664" tmFilter="0, 0; 0.125,0.2665; 0.25,0.4; 0.375,0.465; 0.5,0.5;  0.625,0.535; 0.75,0.6; 0.875,0.7335; 1,1">
+                                          <p:stCondLst>
+                                            <p:cond delay="664"/>
+                                          </p:stCondLst>
+                                        </p:cTn>
+                                        <p:tgtEl>
+                                          <p:spTgt spid="2"/>
+                                        </p:tgtEl>
+                                        <p:attrNameLst>
+                                          <p:attrName>ppt_y</p:attrName>
+                                        </p:attrNameLst>
+                                      </p:cBhvr>
+                                      <p:tavLst>
+                                        <p:tav tm="0" fmla="#ppt_y-sin(pi*$)/9">
+                                          <p:val>
+                                            <p:fltVal val="0"/>
+                                          </p:val>
+                                        </p:tav>
+                                        <p:tav tm="100000">
+                                          <p:val>
+                                            <p:fltVal val="1"/>
+                                          </p:val>
+                                        </p:tav>
+                                      </p:tavLst>
+                                    </p:anim>
+                                    <p:anim calcmode="lin" valueType="num">
+                                      <p:cBhvr>
+                                        <p:cTn id="11" dur="332" tmFilter="0, 0; 0.125,0.2665; 0.25,0.4; 0.375,0.465; 0.5,0.5;  0.625,0.535; 0.75,0.6; 0.875,0.7335; 1,1">
+                                          <p:stCondLst>
+                                            <p:cond delay="1324"/>
+                                          </p:stCondLst>
+                                        </p:cTn>
+                                        <p:tgtEl>
+                                          <p:spTgt spid="2"/>
+                                        </p:tgtEl>
+                                        <p:attrNameLst>
+                                          <p:attrName>ppt_y</p:attrName>
+                                        </p:attrNameLst>
+                                      </p:cBhvr>
+                                      <p:tavLst>
+                                        <p:tav tm="0" fmla="#ppt_y-sin(pi*$)/27">
+                                          <p:val>
+                                            <p:fltVal val="0"/>
+                                          </p:val>
+                                        </p:tav>
+                                        <p:tav tm="100000">
+                                          <p:val>
+                                            <p:fltVal val="1"/>
+                                          </p:val>
+                                        </p:tav>
+                                      </p:tavLst>
+                                    </p:anim>
+                                    <p:anim calcmode="lin" valueType="num">
+                                      <p:cBhvr>
+                                        <p:cTn id="12" dur="164" tmFilter="0, 0; 0.125,0.2665; 0.25,0.4; 0.375,0.465; 0.5,0.5;  0.625,0.535; 0.75,0.6; 0.875,0.7335; 1,1">
+                                          <p:stCondLst>
+                                            <p:cond delay="1656"/>
+                                          </p:stCondLst>
+                                        </p:cTn>
+                                        <p:tgtEl>
+                                          <p:spTgt spid="2"/>
+                                        </p:tgtEl>
+                                        <p:attrNameLst>
+                                          <p:attrName>ppt_y</p:attrName>
+                                        </p:attrNameLst>
+                                      </p:cBhvr>
+                                      <p:tavLst>
+                                        <p:tav tm="0" fmla="#ppt_y-sin(pi*$)/81">
+                                          <p:val>
+                                            <p:fltVal val="0"/>
+                                          </p:val>
+                                        </p:tav>
+                                        <p:tav tm="100000">
+                                          <p:val>
+                                            <p:fltVal val="1"/>
+                                          </p:val>
+                                        </p:tav>
+                                      </p:tavLst>
+                                    </p:anim>
+                                    <p:animScale>
+                                      <p:cBhvr>
+                                        <p:cTn id="13" dur="26">
+                                          <p:stCondLst>
+                                            <p:cond delay="650"/>
+                                          </p:stCondLst>
+                                        </p:cTn>
+                                        <p:tgtEl>
+                                          <p:spTgt spid="2"/>
+                                        </p:tgtEl>
+                                      </p:cBhvr>
+                                      <p:to x="100000" y="60000"/>
+                                    </p:animScale>
+                                    <p:animScale>
+                                      <p:cBhvr>
+                                        <p:cTn id="14" dur="166" decel="50000">
+                                          <p:stCondLst>
+                                            <p:cond delay="676"/>
+                                          </p:stCondLst>
+                                        </p:cTn>
+                                        <p:tgtEl>
+                                          <p:spTgt spid="2"/>
+                                        </p:tgtEl>
+                                      </p:cBhvr>
+                                      <p:to x="100000" y="100000"/>
+                                    </p:animScale>
+                                    <p:animScale>
+                                      <p:cBhvr>
+                                        <p:cTn id="15" dur="26">
+                                          <p:stCondLst>
+                                            <p:cond delay="1312"/>
+                                          </p:stCondLst>
+                                        </p:cTn>
+                                        <p:tgtEl>
+                                          <p:spTgt spid="2"/>
+                                        </p:tgtEl>
+                                      </p:cBhvr>
+                                      <p:to x="100000" y="80000"/>
+                                    </p:animScale>
+                                    <p:animScale>
+                                      <p:cBhvr>
+                                        <p:cTn id="16" dur="166" decel="50000">
+                                          <p:stCondLst>
+                                            <p:cond delay="1338"/>
+                                          </p:stCondLst>
+                                        </p:cTn>
+                                        <p:tgtEl>
+                                          <p:spTgt spid="2"/>
+                                        </p:tgtEl>
+                                      </p:cBhvr>
+                                      <p:to x="100000" y="100000"/>
+                                    </p:animScale>
+                                    <p:animScale>
+                                      <p:cBhvr>
+                                        <p:cTn id="17" dur="26">
+                                          <p:stCondLst>
+                                            <p:cond delay="1642"/>
+                                          </p:stCondLst>
+                                        </p:cTn>
+                                        <p:tgtEl>
+                                          <p:spTgt spid="2"/>
+                                        </p:tgtEl>
+                                      </p:cBhvr>
+                                      <p:to x="100000" y="90000"/>
+                                    </p:animScale>
+                                    <p:animScale>
+                                      <p:cBhvr>
+                                        <p:cTn id="18" dur="166" decel="50000">
+                                          <p:stCondLst>
+                                            <p:cond delay="1668"/>
+                                          </p:stCondLst>
+                                        </p:cTn>
+                                        <p:tgtEl>
+                                          <p:spTgt spid="2"/>
+                                        </p:tgtEl>
+                                      </p:cBhvr>
+                                      <p:to x="100000" y="100000"/>
+                                    </p:animScale>
+                                    <p:animScale>
+                                      <p:cBhvr>
+                                        <p:cTn id="19" dur="26">
+                                          <p:stCondLst>
+                                            <p:cond delay="1808"/>
+                                          </p:stCondLst>
+                                        </p:cTn>
+                                        <p:tgtEl>
+                                          <p:spTgt spid="2"/>
+                                        </p:tgtEl>
+                                      </p:cBhvr>
+                                      <p:to x="100000" y="95000"/>
+                                    </p:animScale>
+                                    <p:animScale>
+                                      <p:cBhvr>
+                                        <p:cTn id="20" dur="166" decel="50000">
+                                          <p:stCondLst>
+                                            <p:cond delay="1834"/>
+                                          </p:stCondLst>
+                                        </p:cTn>
+                                        <p:tgtEl>
+                                          <p:spTgt spid="2"/>
+                                        </p:tgtEl>
+                                      </p:cBhvr>
+                                      <p:to x="100000" y="100000"/>
+                                    </p:animScale>
+                                  </p:childTnLst>
+                                </p:cTn>
+                              </p:par>
+                            </p:childTnLst>
+                          </p:cTn>
+                        </p:par>
+                      </p:childTnLst>
+                    </p:cTn>
+                  </p:par>
+                </p:childTnLst>
+              </p:cTn>
+              <p:prevCondLst>
+                <p:cond evt="onPrev" delay="0">
+                  <p:tgtEl>
+                    <p:sldTgt/>
+                  </p:tgtEl>
+                </p:cond>
+              </p:prevCondLst>
+              <p:nextCondLst>
+                <p:cond evt="onNext" delay="0">
+                  <p:tgtEl>
+                    <p:sldTgt/>
+                  </p:tgtEl>
+                </p:cond>
+              </p:nextCondLst>
+            </p:seq>
+          </p:childTnLst>
+        </p:cTn>
+      </p:par>
+    </p:tnLst>
+    <p:bldLst>
+      <p:bldP spid="2" grpId="0"/>
+    </p:bldLst>
+  </p:timing>
+</p:sld>
+</file>
+
 <file path=ppt/theme/theme1.xml><?xml version="1.0" encoding="utf-8"?>
 <a:theme xmlns:a="http://schemas.openxmlformats.org/drawingml/2006/main" name="Circuito">
   <a:themeElements>

--- a/Presentacion School Maps/SchoolMapsPresentacion.pptx
+++ b/Presentacion School Maps/SchoolMapsPresentacion.pptx
@@ -8,12 +8,13 @@
     <p:sldId id="259" r:id="rId2"/>
     <p:sldId id="257" r:id="rId3"/>
     <p:sldId id="258" r:id="rId4"/>
-    <p:sldId id="260" r:id="rId5"/>
-    <p:sldId id="261" r:id="rId6"/>
-    <p:sldId id="262" r:id="rId7"/>
-    <p:sldId id="263" r:id="rId8"/>
-    <p:sldId id="264" r:id="rId9"/>
-    <p:sldId id="265" r:id="rId10"/>
+    <p:sldId id="266" r:id="rId5"/>
+    <p:sldId id="260" r:id="rId6"/>
+    <p:sldId id="261" r:id="rId7"/>
+    <p:sldId id="262" r:id="rId8"/>
+    <p:sldId id="263" r:id="rId9"/>
+    <p:sldId id="264" r:id="rId10"/>
+    <p:sldId id="265" r:id="rId11"/>
   </p:sldIdLst>
   <p:sldSz cx="12192000" cy="6858000"/>
   <p:notesSz cx="6858000" cy="9144000"/>
@@ -170,7 +171,7 @@
           <a:noFill/>
           <a:extLst>
             <a:ext uri="{909E8E84-426E-40dd-AFC4-6F175D3DCCD1}">
-              <a14:hiddenFill xmlns="" xmlns:a14="http://schemas.microsoft.com/office/drawing/2010/main">
+              <a14:hiddenFill xmlns:a14="http://schemas.microsoft.com/office/drawing/2010/main" xmlns="">
                 <a:solidFill>
                   <a:srgbClr val="FFFFFF"/>
                 </a:solidFill>
@@ -230,7 +231,7 @@
             </a:ln>
             <a:extLst>
               <a:ext uri="{91240B29-F687-4f45-9708-019B960494DF}">
-                <a14:hiddenLine xmlns="" xmlns:a14="http://schemas.microsoft.com/office/drawing/2010/main" w="9525">
+                <a14:hiddenLine xmlns:a14="http://schemas.microsoft.com/office/drawing/2010/main" xmlns="" w="9525">
                   <a:solidFill>
                     <a:srgbClr val="000000"/>
                   </a:solidFill>
@@ -320,7 +321,7 @@
             </a:ln>
             <a:extLst>
               <a:ext uri="{91240B29-F687-4f45-9708-019B960494DF}">
-                <a14:hiddenLine xmlns="" xmlns:a14="http://schemas.microsoft.com/office/drawing/2010/main" w="9525">
+                <a14:hiddenLine xmlns:a14="http://schemas.microsoft.com/office/drawing/2010/main" xmlns="" w="9525">
                   <a:solidFill>
                     <a:srgbClr val="000000"/>
                   </a:solidFill>
@@ -410,7 +411,7 @@
             </a:ln>
             <a:extLst>
               <a:ext uri="{91240B29-F687-4f45-9708-019B960494DF}">
-                <a14:hiddenLine xmlns="" xmlns:a14="http://schemas.microsoft.com/office/drawing/2010/main" w="9525">
+                <a14:hiddenLine xmlns:a14="http://schemas.microsoft.com/office/drawing/2010/main" xmlns="" w="9525">
                   <a:solidFill>
                     <a:srgbClr val="000000"/>
                   </a:solidFill>
@@ -444,7 +445,7 @@
             </a:ln>
             <a:extLst>
               <a:ext uri="{91240B29-F687-4f45-9708-019B960494DF}">
-                <a14:hiddenLine xmlns="" xmlns:a14="http://schemas.microsoft.com/office/drawing/2010/main" w="9525">
+                <a14:hiddenLine xmlns:a14="http://schemas.microsoft.com/office/drawing/2010/main" xmlns="" w="9525">
                   <a:solidFill>
                     <a:srgbClr val="000000"/>
                   </a:solidFill>
@@ -534,7 +535,7 @@
             </a:ln>
             <a:extLst>
               <a:ext uri="{91240B29-F687-4f45-9708-019B960494DF}">
-                <a14:hiddenLine xmlns="" xmlns:a14="http://schemas.microsoft.com/office/drawing/2010/main" w="9525">
+                <a14:hiddenLine xmlns:a14="http://schemas.microsoft.com/office/drawing/2010/main" xmlns="" w="9525">
                   <a:solidFill>
                     <a:srgbClr val="000000"/>
                   </a:solidFill>
@@ -596,7 +597,7 @@
             </a:ln>
             <a:extLst>
               <a:ext uri="{91240B29-F687-4f45-9708-019B960494DF}">
-                <a14:hiddenLine xmlns="" xmlns:a14="http://schemas.microsoft.com/office/drawing/2010/main" w="9525">
+                <a14:hiddenLine xmlns:a14="http://schemas.microsoft.com/office/drawing/2010/main" xmlns="" w="9525">
                   <a:solidFill>
                     <a:srgbClr val="000000"/>
                   </a:solidFill>
@@ -658,7 +659,7 @@
             </a:ln>
             <a:extLst>
               <a:ext uri="{91240B29-F687-4f45-9708-019B960494DF}">
-                <a14:hiddenLine xmlns="" xmlns:a14="http://schemas.microsoft.com/office/drawing/2010/main" w="9525">
+                <a14:hiddenLine xmlns:a14="http://schemas.microsoft.com/office/drawing/2010/main" xmlns="" w="9525">
                   <a:solidFill>
                     <a:srgbClr val="000000"/>
                   </a:solidFill>
@@ -748,7 +749,7 @@
             </a:ln>
             <a:extLst>
               <a:ext uri="{91240B29-F687-4f45-9708-019B960494DF}">
-                <a14:hiddenLine xmlns="" xmlns:a14="http://schemas.microsoft.com/office/drawing/2010/main" w="9525">
+                <a14:hiddenLine xmlns:a14="http://schemas.microsoft.com/office/drawing/2010/main" xmlns="" w="9525">
                   <a:solidFill>
                     <a:srgbClr val="000000"/>
                   </a:solidFill>
@@ -810,7 +811,7 @@
             </a:ln>
             <a:extLst>
               <a:ext uri="{91240B29-F687-4f45-9708-019B960494DF}">
-                <a14:hiddenLine xmlns="" xmlns:a14="http://schemas.microsoft.com/office/drawing/2010/main" w="9525">
+                <a14:hiddenLine xmlns:a14="http://schemas.microsoft.com/office/drawing/2010/main" xmlns="" w="9525">
                   <a:solidFill>
                     <a:srgbClr val="000000"/>
                   </a:solidFill>
@@ -872,7 +873,7 @@
             </a:ln>
             <a:extLst>
               <a:ext uri="{91240B29-F687-4f45-9708-019B960494DF}">
-                <a14:hiddenLine xmlns="" xmlns:a14="http://schemas.microsoft.com/office/drawing/2010/main" w="9525">
+                <a14:hiddenLine xmlns:a14="http://schemas.microsoft.com/office/drawing/2010/main" xmlns="" w="9525">
                   <a:solidFill>
                     <a:srgbClr val="000000"/>
                   </a:solidFill>
@@ -962,7 +963,7 @@
             </a:ln>
             <a:extLst>
               <a:ext uri="{91240B29-F687-4f45-9708-019B960494DF}">
-                <a14:hiddenLine xmlns="" xmlns:a14="http://schemas.microsoft.com/office/drawing/2010/main" w="9525">
+                <a14:hiddenLine xmlns:a14="http://schemas.microsoft.com/office/drawing/2010/main" xmlns="" w="9525">
                   <a:solidFill>
                     <a:srgbClr val="000000"/>
                   </a:solidFill>
@@ -1052,7 +1053,7 @@
             </a:ln>
             <a:extLst>
               <a:ext uri="{91240B29-F687-4f45-9708-019B960494DF}">
-                <a14:hiddenLine xmlns="" xmlns:a14="http://schemas.microsoft.com/office/drawing/2010/main" w="9525">
+                <a14:hiddenLine xmlns:a14="http://schemas.microsoft.com/office/drawing/2010/main" xmlns="" w="9525">
                   <a:solidFill>
                     <a:srgbClr val="000000"/>
                   </a:solidFill>
@@ -1114,7 +1115,7 @@
             </a:ln>
             <a:extLst>
               <a:ext uri="{91240B29-F687-4f45-9708-019B960494DF}">
-                <a14:hiddenLine xmlns="" xmlns:a14="http://schemas.microsoft.com/office/drawing/2010/main" w="9525">
+                <a14:hiddenLine xmlns:a14="http://schemas.microsoft.com/office/drawing/2010/main" xmlns="" w="9525">
                   <a:solidFill>
                     <a:srgbClr val="000000"/>
                   </a:solidFill>
@@ -1224,7 +1225,7 @@
             </a:ln>
             <a:extLst>
               <a:ext uri="{91240B29-F687-4f45-9708-019B960494DF}">
-                <a14:hiddenLine xmlns="" xmlns:a14="http://schemas.microsoft.com/office/drawing/2010/main" w="9525">
+                <a14:hiddenLine xmlns:a14="http://schemas.microsoft.com/office/drawing/2010/main" xmlns="" w="9525">
                   <a:solidFill>
                     <a:srgbClr val="000000"/>
                   </a:solidFill>
@@ -1286,7 +1287,7 @@
             </a:ln>
             <a:extLst>
               <a:ext uri="{91240B29-F687-4f45-9708-019B960494DF}">
-                <a14:hiddenLine xmlns="" xmlns:a14="http://schemas.microsoft.com/office/drawing/2010/main" w="9525">
+                <a14:hiddenLine xmlns:a14="http://schemas.microsoft.com/office/drawing/2010/main" xmlns="" w="9525">
                   <a:solidFill>
                     <a:srgbClr val="000000"/>
                   </a:solidFill>
@@ -1376,7 +1377,7 @@
             </a:ln>
             <a:extLst>
               <a:ext uri="{91240B29-F687-4f45-9708-019B960494DF}">
-                <a14:hiddenLine xmlns="" xmlns:a14="http://schemas.microsoft.com/office/drawing/2010/main" w="9525">
+                <a14:hiddenLine xmlns:a14="http://schemas.microsoft.com/office/drawing/2010/main" xmlns="" w="9525">
                   <a:solidFill>
                     <a:srgbClr val="000000"/>
                   </a:solidFill>
@@ -1466,7 +1467,7 @@
             </a:ln>
             <a:extLst>
               <a:ext uri="{91240B29-F687-4f45-9708-019B960494DF}">
-                <a14:hiddenLine xmlns="" xmlns:a14="http://schemas.microsoft.com/office/drawing/2010/main" w="9525">
+                <a14:hiddenLine xmlns:a14="http://schemas.microsoft.com/office/drawing/2010/main" xmlns="" w="9525">
                   <a:solidFill>
                     <a:srgbClr val="000000"/>
                   </a:solidFill>
@@ -1528,7 +1529,7 @@
             </a:ln>
             <a:extLst>
               <a:ext uri="{91240B29-F687-4f45-9708-019B960494DF}">
-                <a14:hiddenLine xmlns="" xmlns:a14="http://schemas.microsoft.com/office/drawing/2010/main" w="9525">
+                <a14:hiddenLine xmlns:a14="http://schemas.microsoft.com/office/drawing/2010/main" xmlns="" w="9525">
                   <a:solidFill>
                     <a:srgbClr val="000000"/>
                   </a:solidFill>
@@ -1618,7 +1619,7 @@
             </a:ln>
             <a:extLst>
               <a:ext uri="{91240B29-F687-4f45-9708-019B960494DF}">
-                <a14:hiddenLine xmlns="" xmlns:a14="http://schemas.microsoft.com/office/drawing/2010/main" w="9525">
+                <a14:hiddenLine xmlns:a14="http://schemas.microsoft.com/office/drawing/2010/main" xmlns="" w="9525">
                   <a:solidFill>
                     <a:srgbClr val="000000"/>
                   </a:solidFill>
@@ -1708,7 +1709,7 @@
             </a:ln>
             <a:extLst>
               <a:ext uri="{91240B29-F687-4f45-9708-019B960494DF}">
-                <a14:hiddenLine xmlns="" xmlns:a14="http://schemas.microsoft.com/office/drawing/2010/main" w="9525">
+                <a14:hiddenLine xmlns:a14="http://schemas.microsoft.com/office/drawing/2010/main" xmlns="" w="9525">
                   <a:solidFill>
                     <a:srgbClr val="000000"/>
                   </a:solidFill>
@@ -1764,7 +1765,7 @@
             </a:ln>
             <a:extLst>
               <a:ext uri="{91240B29-F687-4f45-9708-019B960494DF}">
-                <a14:hiddenLine xmlns="" xmlns:a14="http://schemas.microsoft.com/office/drawing/2010/main" w="9525">
+                <a14:hiddenLine xmlns:a14="http://schemas.microsoft.com/office/drawing/2010/main" xmlns="" w="9525">
                   <a:solidFill>
                     <a:srgbClr val="000000"/>
                   </a:solidFill>
@@ -1854,7 +1855,7 @@
             </a:ln>
             <a:extLst>
               <a:ext uri="{91240B29-F687-4f45-9708-019B960494DF}">
-                <a14:hiddenLine xmlns="" xmlns:a14="http://schemas.microsoft.com/office/drawing/2010/main" w="9525">
+                <a14:hiddenLine xmlns:a14="http://schemas.microsoft.com/office/drawing/2010/main" xmlns="" w="9525">
                   <a:solidFill>
                     <a:srgbClr val="000000"/>
                   </a:solidFill>
@@ -1910,7 +1911,7 @@
             </a:ln>
             <a:extLst>
               <a:ext uri="{91240B29-F687-4f45-9708-019B960494DF}">
-                <a14:hiddenLine xmlns="" xmlns:a14="http://schemas.microsoft.com/office/drawing/2010/main" w="9525">
+                <a14:hiddenLine xmlns:a14="http://schemas.microsoft.com/office/drawing/2010/main" xmlns="" w="9525">
                   <a:solidFill>
                     <a:srgbClr val="000000"/>
                   </a:solidFill>
@@ -2000,7 +2001,7 @@
             </a:ln>
             <a:extLst>
               <a:ext uri="{91240B29-F687-4f45-9708-019B960494DF}">
-                <a14:hiddenLine xmlns="" xmlns:a14="http://schemas.microsoft.com/office/drawing/2010/main" w="9525">
+                <a14:hiddenLine xmlns:a14="http://schemas.microsoft.com/office/drawing/2010/main" xmlns="" w="9525">
                   <a:solidFill>
                     <a:srgbClr val="000000"/>
                   </a:solidFill>
@@ -2068,7 +2069,7 @@
             </a:ln>
             <a:extLst>
               <a:ext uri="{91240B29-F687-4f45-9708-019B960494DF}">
-                <a14:hiddenLine xmlns="" xmlns:a14="http://schemas.microsoft.com/office/drawing/2010/main" w="9525">
+                <a14:hiddenLine xmlns:a14="http://schemas.microsoft.com/office/drawing/2010/main" xmlns="" w="9525">
                   <a:solidFill>
                     <a:srgbClr val="000000"/>
                   </a:solidFill>
@@ -2158,7 +2159,7 @@
             </a:ln>
             <a:extLst>
               <a:ext uri="{91240B29-F687-4f45-9708-019B960494DF}">
-                <a14:hiddenLine xmlns="" xmlns:a14="http://schemas.microsoft.com/office/drawing/2010/main" w="9525">
+                <a14:hiddenLine xmlns:a14="http://schemas.microsoft.com/office/drawing/2010/main" xmlns="" w="9525">
                   <a:solidFill>
                     <a:srgbClr val="000000"/>
                   </a:solidFill>
@@ -2226,7 +2227,7 @@
             </a:ln>
             <a:extLst>
               <a:ext uri="{91240B29-F687-4f45-9708-019B960494DF}">
-                <a14:hiddenLine xmlns="" xmlns:a14="http://schemas.microsoft.com/office/drawing/2010/main" w="9525">
+                <a14:hiddenLine xmlns:a14="http://schemas.microsoft.com/office/drawing/2010/main" xmlns="" w="9525">
                   <a:solidFill>
                     <a:srgbClr val="000000"/>
                   </a:solidFill>
@@ -2316,7 +2317,7 @@
             </a:ln>
             <a:extLst>
               <a:ext uri="{91240B29-F687-4f45-9708-019B960494DF}">
-                <a14:hiddenLine xmlns="" xmlns:a14="http://schemas.microsoft.com/office/drawing/2010/main" w="9525">
+                <a14:hiddenLine xmlns:a14="http://schemas.microsoft.com/office/drawing/2010/main" xmlns="" w="9525">
                   <a:solidFill>
                     <a:srgbClr val="000000"/>
                   </a:solidFill>
@@ -2350,7 +2351,7 @@
             </a:ln>
             <a:extLst>
               <a:ext uri="{91240B29-F687-4f45-9708-019B960494DF}">
-                <a14:hiddenLine xmlns="" xmlns:a14="http://schemas.microsoft.com/office/drawing/2010/main" w="9525">
+                <a14:hiddenLine xmlns:a14="http://schemas.microsoft.com/office/drawing/2010/main" xmlns="" w="9525">
                   <a:solidFill>
                     <a:srgbClr val="000000"/>
                   </a:solidFill>
@@ -2440,7 +2441,7 @@
             </a:ln>
             <a:extLst>
               <a:ext uri="{91240B29-F687-4f45-9708-019B960494DF}">
-                <a14:hiddenLine xmlns="" xmlns:a14="http://schemas.microsoft.com/office/drawing/2010/main" w="9525">
+                <a14:hiddenLine xmlns:a14="http://schemas.microsoft.com/office/drawing/2010/main" xmlns="" w="9525">
                   <a:solidFill>
                     <a:srgbClr val="000000"/>
                   </a:solidFill>
@@ -2502,7 +2503,7 @@
             </a:ln>
             <a:extLst>
               <a:ext uri="{91240B29-F687-4f45-9708-019B960494DF}">
-                <a14:hiddenLine xmlns="" xmlns:a14="http://schemas.microsoft.com/office/drawing/2010/main" w="9525">
+                <a14:hiddenLine xmlns:a14="http://schemas.microsoft.com/office/drawing/2010/main" xmlns="" w="9525">
                   <a:solidFill>
                     <a:srgbClr val="000000"/>
                   </a:solidFill>
@@ -2564,7 +2565,7 @@
             </a:ln>
             <a:extLst>
               <a:ext uri="{91240B29-F687-4f45-9708-019B960494DF}">
-                <a14:hiddenLine xmlns="" xmlns:a14="http://schemas.microsoft.com/office/drawing/2010/main" w="9525">
+                <a14:hiddenLine xmlns:a14="http://schemas.microsoft.com/office/drawing/2010/main" xmlns="" w="9525">
                   <a:solidFill>
                     <a:srgbClr val="000000"/>
                   </a:solidFill>
@@ -2654,7 +2655,7 @@
             </a:ln>
             <a:extLst>
               <a:ext uri="{91240B29-F687-4f45-9708-019B960494DF}">
-                <a14:hiddenLine xmlns="" xmlns:a14="http://schemas.microsoft.com/office/drawing/2010/main" w="9525">
+                <a14:hiddenLine xmlns:a14="http://schemas.microsoft.com/office/drawing/2010/main" xmlns="" w="9525">
                   <a:solidFill>
                     <a:srgbClr val="000000"/>
                   </a:solidFill>
@@ -2722,7 +2723,7 @@
             </a:ln>
             <a:extLst>
               <a:ext uri="{91240B29-F687-4f45-9708-019B960494DF}">
-                <a14:hiddenLine xmlns="" xmlns:a14="http://schemas.microsoft.com/office/drawing/2010/main" w="9525">
+                <a14:hiddenLine xmlns:a14="http://schemas.microsoft.com/office/drawing/2010/main" xmlns="" w="9525">
                   <a:solidFill>
                     <a:srgbClr val="000000"/>
                   </a:solidFill>
@@ -2784,7 +2785,7 @@
             </a:ln>
             <a:extLst>
               <a:ext uri="{91240B29-F687-4f45-9708-019B960494DF}">
-                <a14:hiddenLine xmlns="" xmlns:a14="http://schemas.microsoft.com/office/drawing/2010/main" w="9525">
+                <a14:hiddenLine xmlns:a14="http://schemas.microsoft.com/office/drawing/2010/main" xmlns="" w="9525">
                   <a:solidFill>
                     <a:srgbClr val="000000"/>
                   </a:solidFill>
@@ -2874,7 +2875,7 @@
             </a:ln>
             <a:extLst>
               <a:ext uri="{91240B29-F687-4f45-9708-019B960494DF}">
-                <a14:hiddenLine xmlns="" xmlns:a14="http://schemas.microsoft.com/office/drawing/2010/main" w="9525">
+                <a14:hiddenLine xmlns:a14="http://schemas.microsoft.com/office/drawing/2010/main" xmlns="" w="9525">
                   <a:solidFill>
                     <a:srgbClr val="000000"/>
                   </a:solidFill>
@@ -2936,7 +2937,7 @@
             </a:ln>
             <a:extLst>
               <a:ext uri="{91240B29-F687-4f45-9708-019B960494DF}">
-                <a14:hiddenLine xmlns="" xmlns:a14="http://schemas.microsoft.com/office/drawing/2010/main" w="9525">
+                <a14:hiddenLine xmlns:a14="http://schemas.microsoft.com/office/drawing/2010/main" xmlns="" w="9525">
                   <a:solidFill>
                     <a:srgbClr val="000000"/>
                   </a:solidFill>
@@ -3026,7 +3027,7 @@
             </a:ln>
             <a:extLst>
               <a:ext uri="{91240B29-F687-4f45-9708-019B960494DF}">
-                <a14:hiddenLine xmlns="" xmlns:a14="http://schemas.microsoft.com/office/drawing/2010/main" w="9525">
+                <a14:hiddenLine xmlns:a14="http://schemas.microsoft.com/office/drawing/2010/main" xmlns="" w="9525">
                   <a:solidFill>
                     <a:srgbClr val="000000"/>
                   </a:solidFill>
@@ -3088,7 +3089,7 @@
             </a:ln>
             <a:extLst>
               <a:ext uri="{91240B29-F687-4f45-9708-019B960494DF}">
-                <a14:hiddenLine xmlns="" xmlns:a14="http://schemas.microsoft.com/office/drawing/2010/main" w="9525">
+                <a14:hiddenLine xmlns:a14="http://schemas.microsoft.com/office/drawing/2010/main" xmlns="" w="9525">
                   <a:solidFill>
                     <a:srgbClr val="000000"/>
                   </a:solidFill>
@@ -3178,7 +3179,7 @@
             </a:ln>
             <a:extLst>
               <a:ext uri="{91240B29-F687-4f45-9708-019B960494DF}">
-                <a14:hiddenLine xmlns="" xmlns:a14="http://schemas.microsoft.com/office/drawing/2010/main" w="9525">
+                <a14:hiddenLine xmlns:a14="http://schemas.microsoft.com/office/drawing/2010/main" xmlns="" w="9525">
                   <a:solidFill>
                     <a:srgbClr val="000000"/>
                   </a:solidFill>
@@ -3212,7 +3213,7 @@
             </a:ln>
             <a:extLst>
               <a:ext uri="{91240B29-F687-4f45-9708-019B960494DF}">
-                <a14:hiddenLine xmlns="" xmlns:a14="http://schemas.microsoft.com/office/drawing/2010/main" w="9525">
+                <a14:hiddenLine xmlns:a14="http://schemas.microsoft.com/office/drawing/2010/main" xmlns="" w="9525">
                   <a:solidFill>
                     <a:srgbClr val="000000"/>
                   </a:solidFill>
@@ -3277,7 +3278,7 @@
             </a:ln>
             <a:extLst>
               <a:ext uri="{91240B29-F687-4f45-9708-019B960494DF}">
-                <a14:hiddenLine xmlns="" xmlns:a14="http://schemas.microsoft.com/office/drawing/2010/main" w="9525">
+                <a14:hiddenLine xmlns:a14="http://schemas.microsoft.com/office/drawing/2010/main" xmlns="" w="9525">
                   <a:solidFill>
                     <a:srgbClr val="000000"/>
                   </a:solidFill>
@@ -3367,7 +3368,7 @@
             </a:ln>
             <a:extLst>
               <a:ext uri="{91240B29-F687-4f45-9708-019B960494DF}">
-                <a14:hiddenLine xmlns="" xmlns:a14="http://schemas.microsoft.com/office/drawing/2010/main" w="9525">
+                <a14:hiddenLine xmlns:a14="http://schemas.microsoft.com/office/drawing/2010/main" xmlns="" w="9525">
                   <a:solidFill>
                     <a:srgbClr val="000000"/>
                   </a:solidFill>
@@ -3429,7 +3430,7 @@
             </a:ln>
             <a:extLst>
               <a:ext uri="{91240B29-F687-4f45-9708-019B960494DF}">
-                <a14:hiddenLine xmlns="" xmlns:a14="http://schemas.microsoft.com/office/drawing/2010/main" w="9525">
+                <a14:hiddenLine xmlns:a14="http://schemas.microsoft.com/office/drawing/2010/main" xmlns="" w="9525">
                   <a:solidFill>
                     <a:srgbClr val="000000"/>
                   </a:solidFill>
@@ -3519,7 +3520,7 @@
             </a:ln>
             <a:extLst>
               <a:ext uri="{91240B29-F687-4f45-9708-019B960494DF}">
-                <a14:hiddenLine xmlns="" xmlns:a14="http://schemas.microsoft.com/office/drawing/2010/main" w="9525">
+                <a14:hiddenLine xmlns:a14="http://schemas.microsoft.com/office/drawing/2010/main" xmlns="" w="9525">
                   <a:solidFill>
                     <a:srgbClr val="000000"/>
                   </a:solidFill>
@@ -3609,7 +3610,7 @@
             </a:ln>
             <a:extLst>
               <a:ext uri="{91240B29-F687-4f45-9708-019B960494DF}">
-                <a14:hiddenLine xmlns="" xmlns:a14="http://schemas.microsoft.com/office/drawing/2010/main" w="9525">
+                <a14:hiddenLine xmlns:a14="http://schemas.microsoft.com/office/drawing/2010/main" xmlns="" w="9525">
                   <a:solidFill>
                     <a:srgbClr val="000000"/>
                   </a:solidFill>
@@ -3674,7 +3675,7 @@
             </a:ln>
             <a:extLst>
               <a:ext uri="{91240B29-F687-4f45-9708-019B960494DF}">
-                <a14:hiddenLine xmlns="" xmlns:a14="http://schemas.microsoft.com/office/drawing/2010/main" w="9525">
+                <a14:hiddenLine xmlns:a14="http://schemas.microsoft.com/office/drawing/2010/main" xmlns="" w="9525">
                   <a:solidFill>
                     <a:srgbClr val="000000"/>
                   </a:solidFill>
@@ -3736,7 +3737,7 @@
             </a:ln>
             <a:extLst>
               <a:ext uri="{91240B29-F687-4f45-9708-019B960494DF}">
-                <a14:hiddenLine xmlns="" xmlns:a14="http://schemas.microsoft.com/office/drawing/2010/main" w="9525">
+                <a14:hiddenLine xmlns:a14="http://schemas.microsoft.com/office/drawing/2010/main" xmlns="" w="9525">
                   <a:solidFill>
                     <a:srgbClr val="000000"/>
                   </a:solidFill>
@@ -3826,7 +3827,7 @@
             </a:ln>
             <a:extLst>
               <a:ext uri="{91240B29-F687-4f45-9708-019B960494DF}">
-                <a14:hiddenLine xmlns="" xmlns:a14="http://schemas.microsoft.com/office/drawing/2010/main" w="9525">
+                <a14:hiddenLine xmlns:a14="http://schemas.microsoft.com/office/drawing/2010/main" xmlns="" w="9525">
                   <a:solidFill>
                     <a:srgbClr val="000000"/>
                   </a:solidFill>
@@ -3916,7 +3917,7 @@
             </a:ln>
             <a:extLst>
               <a:ext uri="{91240B29-F687-4f45-9708-019B960494DF}">
-                <a14:hiddenLine xmlns="" xmlns:a14="http://schemas.microsoft.com/office/drawing/2010/main" w="9525">
+                <a14:hiddenLine xmlns:a14="http://schemas.microsoft.com/office/drawing/2010/main" xmlns="" w="9525">
                   <a:solidFill>
                     <a:srgbClr val="000000"/>
                   </a:solidFill>
@@ -3978,7 +3979,7 @@
             </a:ln>
             <a:extLst>
               <a:ext uri="{91240B29-F687-4f45-9708-019B960494DF}">
-                <a14:hiddenLine xmlns="" xmlns:a14="http://schemas.microsoft.com/office/drawing/2010/main" w="9525">
+                <a14:hiddenLine xmlns:a14="http://schemas.microsoft.com/office/drawing/2010/main" xmlns="" w="9525">
                   <a:solidFill>
                     <a:srgbClr val="000000"/>
                   </a:solidFill>
@@ -4098,7 +4099,7 @@
             </a:ln>
             <a:extLst>
               <a:ext uri="{91240B29-F687-4f45-9708-019B960494DF}">
-                <a14:hiddenLine xmlns="" xmlns:a14="http://schemas.microsoft.com/office/drawing/2010/main" w="9525">
+                <a14:hiddenLine xmlns:a14="http://schemas.microsoft.com/office/drawing/2010/main" xmlns="" w="9525">
                   <a:solidFill>
                     <a:srgbClr val="000000"/>
                   </a:solidFill>
@@ -4166,7 +4167,7 @@
             </a:ln>
             <a:extLst>
               <a:ext uri="{91240B29-F687-4f45-9708-019B960494DF}">
-                <a14:hiddenLine xmlns="" xmlns:a14="http://schemas.microsoft.com/office/drawing/2010/main" w="9525">
+                <a14:hiddenLine xmlns:a14="http://schemas.microsoft.com/office/drawing/2010/main" xmlns="" w="9525">
                   <a:solidFill>
                     <a:srgbClr val="000000"/>
                   </a:solidFill>
@@ -4256,7 +4257,7 @@
             </a:ln>
             <a:extLst>
               <a:ext uri="{91240B29-F687-4f45-9708-019B960494DF}">
-                <a14:hiddenLine xmlns="" xmlns:a14="http://schemas.microsoft.com/office/drawing/2010/main" w="9525">
+                <a14:hiddenLine xmlns:a14="http://schemas.microsoft.com/office/drawing/2010/main" xmlns="" w="9525">
                   <a:solidFill>
                     <a:srgbClr val="000000"/>
                   </a:solidFill>
@@ -8978,7 +8979,7 @@
           <a:noFill/>
           <a:extLst>
             <a:ext uri="{909E8E84-426E-40dd-AFC4-6F175D3DCCD1}">
-              <a14:hiddenFill xmlns="" xmlns:a14="http://schemas.microsoft.com/office/drawing/2010/main">
+              <a14:hiddenFill xmlns:a14="http://schemas.microsoft.com/office/drawing/2010/main" xmlns="">
                 <a:solidFill>
                   <a:srgbClr val="FFFFFF"/>
                 </a:solidFill>
@@ -9052,7 +9053,7 @@
               </a:ln>
               <a:extLst>
                 <a:ext uri="{91240B29-F687-4f45-9708-019B960494DF}">
-                  <a14:hiddenLine xmlns="" xmlns:a14="http://schemas.microsoft.com/office/drawing/2010/main" w="9525">
+                  <a14:hiddenLine xmlns:a14="http://schemas.microsoft.com/office/drawing/2010/main" xmlns="" w="9525">
                     <a:solidFill>
                       <a:srgbClr val="000000"/>
                     </a:solidFill>
@@ -9142,7 +9143,7 @@
               </a:ln>
               <a:extLst>
                 <a:ext uri="{91240B29-F687-4f45-9708-019B960494DF}">
-                  <a14:hiddenLine xmlns="" xmlns:a14="http://schemas.microsoft.com/office/drawing/2010/main" w="9525">
+                  <a14:hiddenLine xmlns:a14="http://schemas.microsoft.com/office/drawing/2010/main" xmlns="" w="9525">
                     <a:solidFill>
                       <a:srgbClr val="000000"/>
                     </a:solidFill>
@@ -9232,7 +9233,7 @@
               </a:ln>
               <a:extLst>
                 <a:ext uri="{91240B29-F687-4f45-9708-019B960494DF}">
-                  <a14:hiddenLine xmlns="" xmlns:a14="http://schemas.microsoft.com/office/drawing/2010/main" w="9525">
+                  <a14:hiddenLine xmlns:a14="http://schemas.microsoft.com/office/drawing/2010/main" xmlns="" w="9525">
                     <a:solidFill>
                       <a:srgbClr val="000000"/>
                     </a:solidFill>
@@ -9294,7 +9295,7 @@
               </a:ln>
               <a:extLst>
                 <a:ext uri="{91240B29-F687-4f45-9708-019B960494DF}">
-                  <a14:hiddenLine xmlns="" xmlns:a14="http://schemas.microsoft.com/office/drawing/2010/main" w="9525">
+                  <a14:hiddenLine xmlns:a14="http://schemas.microsoft.com/office/drawing/2010/main" xmlns="" w="9525">
                     <a:solidFill>
                       <a:srgbClr val="000000"/>
                     </a:solidFill>
@@ -9384,7 +9385,7 @@
               </a:ln>
               <a:extLst>
                 <a:ext uri="{91240B29-F687-4f45-9708-019B960494DF}">
-                  <a14:hiddenLine xmlns="" xmlns:a14="http://schemas.microsoft.com/office/drawing/2010/main" w="9525">
+                  <a14:hiddenLine xmlns:a14="http://schemas.microsoft.com/office/drawing/2010/main" xmlns="" w="9525">
                     <a:solidFill>
                       <a:srgbClr val="000000"/>
                     </a:solidFill>
@@ -9446,7 +9447,7 @@
               </a:ln>
               <a:extLst>
                 <a:ext uri="{91240B29-F687-4f45-9708-019B960494DF}">
-                  <a14:hiddenLine xmlns="" xmlns:a14="http://schemas.microsoft.com/office/drawing/2010/main" w="9525">
+                  <a14:hiddenLine xmlns:a14="http://schemas.microsoft.com/office/drawing/2010/main" xmlns="" w="9525">
                     <a:solidFill>
                       <a:srgbClr val="000000"/>
                     </a:solidFill>
@@ -9508,7 +9509,7 @@
               </a:ln>
               <a:extLst>
                 <a:ext uri="{91240B29-F687-4f45-9708-019B960494DF}">
-                  <a14:hiddenLine xmlns="" xmlns:a14="http://schemas.microsoft.com/office/drawing/2010/main" w="9525">
+                  <a14:hiddenLine xmlns:a14="http://schemas.microsoft.com/office/drawing/2010/main" xmlns="" w="9525">
                     <a:solidFill>
                       <a:srgbClr val="000000"/>
                     </a:solidFill>
@@ -9598,7 +9599,7 @@
               </a:ln>
               <a:extLst>
                 <a:ext uri="{91240B29-F687-4f45-9708-019B960494DF}">
-                  <a14:hiddenLine xmlns="" xmlns:a14="http://schemas.microsoft.com/office/drawing/2010/main" w="9525">
+                  <a14:hiddenLine xmlns:a14="http://schemas.microsoft.com/office/drawing/2010/main" xmlns="" w="9525">
                     <a:solidFill>
                       <a:srgbClr val="000000"/>
                     </a:solidFill>
@@ -9688,7 +9689,7 @@
               </a:ln>
               <a:extLst>
                 <a:ext uri="{91240B29-F687-4f45-9708-019B960494DF}">
-                  <a14:hiddenLine xmlns="" xmlns:a14="http://schemas.microsoft.com/office/drawing/2010/main" w="9525">
+                  <a14:hiddenLine xmlns:a14="http://schemas.microsoft.com/office/drawing/2010/main" xmlns="" w="9525">
                     <a:solidFill>
                       <a:srgbClr val="000000"/>
                     </a:solidFill>
@@ -9750,7 +9751,7 @@
               </a:ln>
               <a:extLst>
                 <a:ext uri="{91240B29-F687-4f45-9708-019B960494DF}">
-                  <a14:hiddenLine xmlns="" xmlns:a14="http://schemas.microsoft.com/office/drawing/2010/main" w="9525">
+                  <a14:hiddenLine xmlns:a14="http://schemas.microsoft.com/office/drawing/2010/main" xmlns="" w="9525">
                     <a:solidFill>
                       <a:srgbClr val="000000"/>
                     </a:solidFill>
@@ -9860,7 +9861,7 @@
               </a:ln>
               <a:extLst>
                 <a:ext uri="{91240B29-F687-4f45-9708-019B960494DF}">
-                  <a14:hiddenLine xmlns="" xmlns:a14="http://schemas.microsoft.com/office/drawing/2010/main" w="9525">
+                  <a14:hiddenLine xmlns:a14="http://schemas.microsoft.com/office/drawing/2010/main" xmlns="" w="9525">
                     <a:solidFill>
                       <a:srgbClr val="000000"/>
                     </a:solidFill>
@@ -9944,7 +9945,7 @@
               </a:ln>
               <a:extLst>
                 <a:ext uri="{91240B29-F687-4f45-9708-019B960494DF}">
-                  <a14:hiddenLine xmlns="" xmlns:a14="http://schemas.microsoft.com/office/drawing/2010/main" w="9525">
+                  <a14:hiddenLine xmlns:a14="http://schemas.microsoft.com/office/drawing/2010/main" xmlns="" w="9525">
                     <a:solidFill>
                       <a:srgbClr val="000000"/>
                     </a:solidFill>
@@ -10006,7 +10007,7 @@
               </a:ln>
               <a:extLst>
                 <a:ext uri="{91240B29-F687-4f45-9708-019B960494DF}">
-                  <a14:hiddenLine xmlns="" xmlns:a14="http://schemas.microsoft.com/office/drawing/2010/main" w="9525">
+                  <a14:hiddenLine xmlns:a14="http://schemas.microsoft.com/office/drawing/2010/main" xmlns="" w="9525">
                     <a:solidFill>
                       <a:srgbClr val="000000"/>
                     </a:solidFill>
@@ -10068,7 +10069,7 @@
               </a:ln>
               <a:extLst>
                 <a:ext uri="{91240B29-F687-4f45-9708-019B960494DF}">
-                  <a14:hiddenLine xmlns="" xmlns:a14="http://schemas.microsoft.com/office/drawing/2010/main" w="9525">
+                  <a14:hiddenLine xmlns:a14="http://schemas.microsoft.com/office/drawing/2010/main" xmlns="" w="9525">
                     <a:solidFill>
                       <a:srgbClr val="000000"/>
                     </a:solidFill>
@@ -10158,7 +10159,7 @@
               </a:ln>
               <a:extLst>
                 <a:ext uri="{91240B29-F687-4f45-9708-019B960494DF}">
-                  <a14:hiddenLine xmlns="" xmlns:a14="http://schemas.microsoft.com/office/drawing/2010/main" w="9525">
+                  <a14:hiddenLine xmlns:a14="http://schemas.microsoft.com/office/drawing/2010/main" xmlns="" w="9525">
                     <a:solidFill>
                       <a:srgbClr val="000000"/>
                     </a:solidFill>
@@ -10192,7 +10193,7 @@
               </a:ln>
               <a:extLst>
                 <a:ext uri="{91240B29-F687-4f45-9708-019B960494DF}">
-                  <a14:hiddenLine xmlns="" xmlns:a14="http://schemas.microsoft.com/office/drawing/2010/main" w="9525">
+                  <a14:hiddenLine xmlns:a14="http://schemas.microsoft.com/office/drawing/2010/main" xmlns="" w="9525">
                     <a:solidFill>
                       <a:srgbClr val="000000"/>
                     </a:solidFill>
@@ -10257,7 +10258,7 @@
               </a:ln>
               <a:extLst>
                 <a:ext uri="{91240B29-F687-4f45-9708-019B960494DF}">
-                  <a14:hiddenLine xmlns="" xmlns:a14="http://schemas.microsoft.com/office/drawing/2010/main" w="9525">
+                  <a14:hiddenLine xmlns:a14="http://schemas.microsoft.com/office/drawing/2010/main" xmlns="" w="9525">
                     <a:solidFill>
                       <a:srgbClr val="000000"/>
                     </a:solidFill>
@@ -10347,7 +10348,7 @@
               </a:ln>
               <a:extLst>
                 <a:ext uri="{91240B29-F687-4f45-9708-019B960494DF}">
-                  <a14:hiddenLine xmlns="" xmlns:a14="http://schemas.microsoft.com/office/drawing/2010/main" w="9525">
+                  <a14:hiddenLine xmlns:a14="http://schemas.microsoft.com/office/drawing/2010/main" xmlns="" w="9525">
                     <a:solidFill>
                       <a:srgbClr val="000000"/>
                     </a:solidFill>
@@ -10409,7 +10410,7 @@
               </a:ln>
               <a:extLst>
                 <a:ext uri="{91240B29-F687-4f45-9708-019B960494DF}">
-                  <a14:hiddenLine xmlns="" xmlns:a14="http://schemas.microsoft.com/office/drawing/2010/main" w="9525">
+                  <a14:hiddenLine xmlns:a14="http://schemas.microsoft.com/office/drawing/2010/main" xmlns="" w="9525">
                     <a:solidFill>
                       <a:srgbClr val="000000"/>
                     </a:solidFill>
@@ -10499,7 +10500,7 @@
               </a:ln>
               <a:extLst>
                 <a:ext uri="{91240B29-F687-4f45-9708-019B960494DF}">
-                  <a14:hiddenLine xmlns="" xmlns:a14="http://schemas.microsoft.com/office/drawing/2010/main" w="9525">
+                  <a14:hiddenLine xmlns:a14="http://schemas.microsoft.com/office/drawing/2010/main" xmlns="" w="9525">
                     <a:solidFill>
                       <a:srgbClr val="000000"/>
                     </a:solidFill>
@@ -10564,7 +10565,7 @@
               </a:ln>
               <a:extLst>
                 <a:ext uri="{91240B29-F687-4f45-9708-019B960494DF}">
-                  <a14:hiddenLine xmlns="" xmlns:a14="http://schemas.microsoft.com/office/drawing/2010/main" w="9525">
+                  <a14:hiddenLine xmlns:a14="http://schemas.microsoft.com/office/drawing/2010/main" xmlns="" w="9525">
                     <a:solidFill>
                       <a:srgbClr val="000000"/>
                     </a:solidFill>
@@ -10626,7 +10627,7 @@
               </a:ln>
               <a:extLst>
                 <a:ext uri="{91240B29-F687-4f45-9708-019B960494DF}">
-                  <a14:hiddenLine xmlns="" xmlns:a14="http://schemas.microsoft.com/office/drawing/2010/main" w="9525">
+                  <a14:hiddenLine xmlns:a14="http://schemas.microsoft.com/office/drawing/2010/main" xmlns="" w="9525">
                     <a:solidFill>
                       <a:srgbClr val="000000"/>
                     </a:solidFill>
@@ -10716,7 +10717,7 @@
               </a:ln>
               <a:extLst>
                 <a:ext uri="{91240B29-F687-4f45-9708-019B960494DF}">
-                  <a14:hiddenLine xmlns="" xmlns:a14="http://schemas.microsoft.com/office/drawing/2010/main" w="9525">
+                  <a14:hiddenLine xmlns:a14="http://schemas.microsoft.com/office/drawing/2010/main" xmlns="" w="9525">
                     <a:solidFill>
                       <a:srgbClr val="000000"/>
                     </a:solidFill>
@@ -10806,7 +10807,7 @@
               </a:ln>
               <a:extLst>
                 <a:ext uri="{91240B29-F687-4f45-9708-019B960494DF}">
-                  <a14:hiddenLine xmlns="" xmlns:a14="http://schemas.microsoft.com/office/drawing/2010/main" w="9525">
+                  <a14:hiddenLine xmlns:a14="http://schemas.microsoft.com/office/drawing/2010/main" xmlns="" w="9525">
                     <a:solidFill>
                       <a:srgbClr val="000000"/>
                     </a:solidFill>
@@ -10871,7 +10872,7 @@
               </a:ln>
               <a:extLst>
                 <a:ext uri="{91240B29-F687-4f45-9708-019B960494DF}">
-                  <a14:hiddenLine xmlns="" xmlns:a14="http://schemas.microsoft.com/office/drawing/2010/main" w="9525">
+                  <a14:hiddenLine xmlns:a14="http://schemas.microsoft.com/office/drawing/2010/main" xmlns="" w="9525">
                     <a:solidFill>
                       <a:srgbClr val="000000"/>
                     </a:solidFill>
@@ -10991,7 +10992,7 @@
               </a:ln>
               <a:extLst>
                 <a:ext uri="{91240B29-F687-4f45-9708-019B960494DF}">
-                  <a14:hiddenLine xmlns="" xmlns:a14="http://schemas.microsoft.com/office/drawing/2010/main" w="9525">
+                  <a14:hiddenLine xmlns:a14="http://schemas.microsoft.com/office/drawing/2010/main" xmlns="" w="9525">
                     <a:solidFill>
                       <a:srgbClr val="000000"/>
                     </a:solidFill>
@@ -11089,7 +11090,7 @@
               </a:ln>
               <a:extLst>
                 <a:ext uri="{91240B29-F687-4f45-9708-019B960494DF}">
-                  <a14:hiddenLine xmlns="" xmlns:a14="http://schemas.microsoft.com/office/drawing/2010/main" w="9525">
+                  <a14:hiddenLine xmlns:a14="http://schemas.microsoft.com/office/drawing/2010/main" xmlns="" w="9525">
                     <a:solidFill>
                       <a:srgbClr val="000000"/>
                     </a:solidFill>
@@ -11204,7 +11205,7 @@
               </a:ln>
               <a:extLst>
                 <a:ext uri="{91240B29-F687-4f45-9708-019B960494DF}">
-                  <a14:hiddenLine xmlns="" xmlns:a14="http://schemas.microsoft.com/office/drawing/2010/main" w="9525">
+                  <a14:hiddenLine xmlns:a14="http://schemas.microsoft.com/office/drawing/2010/main" xmlns="" w="9525">
                     <a:solidFill>
                       <a:srgbClr val="000000"/>
                     </a:solidFill>
@@ -11294,7 +11295,7 @@
               </a:ln>
               <a:extLst>
                 <a:ext uri="{91240B29-F687-4f45-9708-019B960494DF}">
-                  <a14:hiddenLine xmlns="" xmlns:a14="http://schemas.microsoft.com/office/drawing/2010/main" w="9525">
+                  <a14:hiddenLine xmlns:a14="http://schemas.microsoft.com/office/drawing/2010/main" xmlns="" w="9525">
                     <a:solidFill>
                       <a:srgbClr val="000000"/>
                     </a:solidFill>
@@ -11359,7 +11360,7 @@
               </a:ln>
               <a:extLst>
                 <a:ext uri="{91240B29-F687-4f45-9708-019B960494DF}">
-                  <a14:hiddenLine xmlns="" xmlns:a14="http://schemas.microsoft.com/office/drawing/2010/main" w="9525">
+                  <a14:hiddenLine xmlns:a14="http://schemas.microsoft.com/office/drawing/2010/main" xmlns="" w="9525">
                     <a:solidFill>
                       <a:srgbClr val="000000"/>
                     </a:solidFill>
@@ -11449,7 +11450,7 @@
               </a:ln>
               <a:extLst>
                 <a:ext uri="{91240B29-F687-4f45-9708-019B960494DF}">
-                  <a14:hiddenLine xmlns="" xmlns:a14="http://schemas.microsoft.com/office/drawing/2010/main" w="9525">
+                  <a14:hiddenLine xmlns:a14="http://schemas.microsoft.com/office/drawing/2010/main" xmlns="" w="9525">
                     <a:solidFill>
                       <a:srgbClr val="000000"/>
                     </a:solidFill>
@@ -11517,7 +11518,7 @@
               </a:ln>
               <a:extLst>
                 <a:ext uri="{91240B29-F687-4f45-9708-019B960494DF}">
-                  <a14:hiddenLine xmlns="" xmlns:a14="http://schemas.microsoft.com/office/drawing/2010/main" w="9525">
+                  <a14:hiddenLine xmlns:a14="http://schemas.microsoft.com/office/drawing/2010/main" xmlns="" w="9525">
                     <a:solidFill>
                       <a:srgbClr val="000000"/>
                     </a:solidFill>
@@ -11607,7 +11608,7 @@
               </a:ln>
               <a:extLst>
                 <a:ext uri="{91240B29-F687-4f45-9708-019B960494DF}">
-                  <a14:hiddenLine xmlns="" xmlns:a14="http://schemas.microsoft.com/office/drawing/2010/main" w="9525">
+                  <a14:hiddenLine xmlns:a14="http://schemas.microsoft.com/office/drawing/2010/main" xmlns="" w="9525">
                     <a:solidFill>
                       <a:srgbClr val="000000"/>
                     </a:solidFill>
@@ -11675,7 +11676,7 @@
               </a:ln>
               <a:extLst>
                 <a:ext uri="{91240B29-F687-4f45-9708-019B960494DF}">
-                  <a14:hiddenLine xmlns="" xmlns:a14="http://schemas.microsoft.com/office/drawing/2010/main" w="9525">
+                  <a14:hiddenLine xmlns:a14="http://schemas.microsoft.com/office/drawing/2010/main" xmlns="" w="9525">
                     <a:solidFill>
                       <a:srgbClr val="000000"/>
                     </a:solidFill>
@@ -11765,7 +11766,7 @@
               </a:ln>
               <a:extLst>
                 <a:ext uri="{91240B29-F687-4f45-9708-019B960494DF}">
-                  <a14:hiddenLine xmlns="" xmlns:a14="http://schemas.microsoft.com/office/drawing/2010/main" w="9525">
+                  <a14:hiddenLine xmlns:a14="http://schemas.microsoft.com/office/drawing/2010/main" xmlns="" w="9525">
                     <a:solidFill>
                       <a:srgbClr val="000000"/>
                     </a:solidFill>
@@ -11799,7 +11800,7 @@
               </a:ln>
               <a:extLst>
                 <a:ext uri="{91240B29-F687-4f45-9708-019B960494DF}">
-                  <a14:hiddenLine xmlns="" xmlns:a14="http://schemas.microsoft.com/office/drawing/2010/main" w="9525">
+                  <a14:hiddenLine xmlns:a14="http://schemas.microsoft.com/office/drawing/2010/main" xmlns="" w="9525">
                     <a:solidFill>
                       <a:srgbClr val="000000"/>
                     </a:solidFill>
@@ -12437,7 +12438,7 @@
         </p:blipFill>
         <p:spPr>
           <a:xfrm>
-            <a:off x="0" y="904999"/>
+            <a:off x="-1588" y="904999"/>
             <a:ext cx="12192000" cy="6074228"/>
           </a:xfrm>
           <a:prstGeom prst="rect">
@@ -12610,6 +12611,649 @@
     <p:extLst>
       <p:ext uri="{BB962C8B-B14F-4D97-AF65-F5344CB8AC3E}">
         <p14:creationId xmlns:p14="http://schemas.microsoft.com/office/powerpoint/2010/main" val="2663130289"/>
+      </p:ext>
+    </p:extLst>
+  </p:cSld>
+  <p:clrMapOvr>
+    <a:masterClrMapping/>
+  </p:clrMapOvr>
+  <p:timing>
+    <p:tnLst>
+      <p:par>
+        <p:cTn id="1" dur="indefinite" restart="never" nodeType="tmRoot">
+          <p:childTnLst>
+            <p:seq concurrent="1" nextAc="seek">
+              <p:cTn id="2" dur="indefinite" nodeType="mainSeq">
+                <p:childTnLst>
+                  <p:par>
+                    <p:cTn id="3" fill="hold">
+                      <p:stCondLst>
+                        <p:cond delay="indefinite"/>
+                      </p:stCondLst>
+                      <p:childTnLst>
+                        <p:par>
+                          <p:cTn id="4" fill="hold">
+                            <p:stCondLst>
+                              <p:cond delay="0"/>
+                            </p:stCondLst>
+                            <p:childTnLst>
+                              <p:par>
+                                <p:cTn id="5" presetID="26" presetClass="entr" presetSubtype="0" fill="hold" grpId="0" nodeType="clickEffect">
+                                  <p:stCondLst>
+                                    <p:cond delay="0"/>
+                                  </p:stCondLst>
+                                  <p:childTnLst>
+                                    <p:set>
+                                      <p:cBhvr>
+                                        <p:cTn id="6" dur="1" fill="hold">
+                                          <p:stCondLst>
+                                            <p:cond delay="0"/>
+                                          </p:stCondLst>
+                                        </p:cTn>
+                                        <p:tgtEl>
+                                          <p:spTgt spid="2"/>
+                                        </p:tgtEl>
+                                        <p:attrNameLst>
+                                          <p:attrName>style.visibility</p:attrName>
+                                        </p:attrNameLst>
+                                      </p:cBhvr>
+                                      <p:to>
+                                        <p:strVal val="visible"/>
+                                      </p:to>
+                                    </p:set>
+                                    <p:animEffect transition="in" filter="wipe(down)">
+                                      <p:cBhvr>
+                                        <p:cTn id="7" dur="580">
+                                          <p:stCondLst>
+                                            <p:cond delay="0"/>
+                                          </p:stCondLst>
+                                        </p:cTn>
+                                        <p:tgtEl>
+                                          <p:spTgt spid="2"/>
+                                        </p:tgtEl>
+                                      </p:cBhvr>
+                                    </p:animEffect>
+                                    <p:anim calcmode="lin" valueType="num">
+                                      <p:cBhvr>
+                                        <p:cTn id="8" dur="1822" tmFilter="0,0; 0.14,0.36; 0.43,0.73; 0.71,0.91; 1.0,1.0">
+                                          <p:stCondLst>
+                                            <p:cond delay="0"/>
+                                          </p:stCondLst>
+                                        </p:cTn>
+                                        <p:tgtEl>
+                                          <p:spTgt spid="2"/>
+                                        </p:tgtEl>
+                                        <p:attrNameLst>
+                                          <p:attrName>ppt_x</p:attrName>
+                                        </p:attrNameLst>
+                                      </p:cBhvr>
+                                      <p:tavLst>
+                                        <p:tav tm="0">
+                                          <p:val>
+                                            <p:strVal val="#ppt_x-0.25"/>
+                                          </p:val>
+                                        </p:tav>
+                                        <p:tav tm="100000">
+                                          <p:val>
+                                            <p:strVal val="#ppt_x"/>
+                                          </p:val>
+                                        </p:tav>
+                                      </p:tavLst>
+                                    </p:anim>
+                                    <p:anim calcmode="lin" valueType="num">
+                                      <p:cBhvr>
+                                        <p:cTn id="9" dur="664" tmFilter="0.0,0.0; 0.25,0.07; 0.50,0.2; 0.75,0.467; 1.0,1.0">
+                                          <p:stCondLst>
+                                            <p:cond delay="0"/>
+                                          </p:stCondLst>
+                                        </p:cTn>
+                                        <p:tgtEl>
+                                          <p:spTgt spid="2"/>
+                                        </p:tgtEl>
+                                        <p:attrNameLst>
+                                          <p:attrName>ppt_y</p:attrName>
+                                        </p:attrNameLst>
+                                      </p:cBhvr>
+                                      <p:tavLst>
+                                        <p:tav tm="0" fmla="#ppt_y-sin(pi*$)/3">
+                                          <p:val>
+                                            <p:fltVal val="0.5"/>
+                                          </p:val>
+                                        </p:tav>
+                                        <p:tav tm="100000">
+                                          <p:val>
+                                            <p:fltVal val="1"/>
+                                          </p:val>
+                                        </p:tav>
+                                      </p:tavLst>
+                                    </p:anim>
+                                    <p:anim calcmode="lin" valueType="num">
+                                      <p:cBhvr>
+                                        <p:cTn id="10" dur="664" tmFilter="0, 0; 0.125,0.2665; 0.25,0.4; 0.375,0.465; 0.5,0.5;  0.625,0.535; 0.75,0.6; 0.875,0.7335; 1,1">
+                                          <p:stCondLst>
+                                            <p:cond delay="664"/>
+                                          </p:stCondLst>
+                                        </p:cTn>
+                                        <p:tgtEl>
+                                          <p:spTgt spid="2"/>
+                                        </p:tgtEl>
+                                        <p:attrNameLst>
+                                          <p:attrName>ppt_y</p:attrName>
+                                        </p:attrNameLst>
+                                      </p:cBhvr>
+                                      <p:tavLst>
+                                        <p:tav tm="0" fmla="#ppt_y-sin(pi*$)/9">
+                                          <p:val>
+                                            <p:fltVal val="0"/>
+                                          </p:val>
+                                        </p:tav>
+                                        <p:tav tm="100000">
+                                          <p:val>
+                                            <p:fltVal val="1"/>
+                                          </p:val>
+                                        </p:tav>
+                                      </p:tavLst>
+                                    </p:anim>
+                                    <p:anim calcmode="lin" valueType="num">
+                                      <p:cBhvr>
+                                        <p:cTn id="11" dur="332" tmFilter="0, 0; 0.125,0.2665; 0.25,0.4; 0.375,0.465; 0.5,0.5;  0.625,0.535; 0.75,0.6; 0.875,0.7335; 1,1">
+                                          <p:stCondLst>
+                                            <p:cond delay="1324"/>
+                                          </p:stCondLst>
+                                        </p:cTn>
+                                        <p:tgtEl>
+                                          <p:spTgt spid="2"/>
+                                        </p:tgtEl>
+                                        <p:attrNameLst>
+                                          <p:attrName>ppt_y</p:attrName>
+                                        </p:attrNameLst>
+                                      </p:cBhvr>
+                                      <p:tavLst>
+                                        <p:tav tm="0" fmla="#ppt_y-sin(pi*$)/27">
+                                          <p:val>
+                                            <p:fltVal val="0"/>
+                                          </p:val>
+                                        </p:tav>
+                                        <p:tav tm="100000">
+                                          <p:val>
+                                            <p:fltVal val="1"/>
+                                          </p:val>
+                                        </p:tav>
+                                      </p:tavLst>
+                                    </p:anim>
+                                    <p:anim calcmode="lin" valueType="num">
+                                      <p:cBhvr>
+                                        <p:cTn id="12" dur="164" tmFilter="0, 0; 0.125,0.2665; 0.25,0.4; 0.375,0.465; 0.5,0.5;  0.625,0.535; 0.75,0.6; 0.875,0.7335; 1,1">
+                                          <p:stCondLst>
+                                            <p:cond delay="1656"/>
+                                          </p:stCondLst>
+                                        </p:cTn>
+                                        <p:tgtEl>
+                                          <p:spTgt spid="2"/>
+                                        </p:tgtEl>
+                                        <p:attrNameLst>
+                                          <p:attrName>ppt_y</p:attrName>
+                                        </p:attrNameLst>
+                                      </p:cBhvr>
+                                      <p:tavLst>
+                                        <p:tav tm="0" fmla="#ppt_y-sin(pi*$)/81">
+                                          <p:val>
+                                            <p:fltVal val="0"/>
+                                          </p:val>
+                                        </p:tav>
+                                        <p:tav tm="100000">
+                                          <p:val>
+                                            <p:fltVal val="1"/>
+                                          </p:val>
+                                        </p:tav>
+                                      </p:tavLst>
+                                    </p:anim>
+                                    <p:animScale>
+                                      <p:cBhvr>
+                                        <p:cTn id="13" dur="26">
+                                          <p:stCondLst>
+                                            <p:cond delay="650"/>
+                                          </p:stCondLst>
+                                        </p:cTn>
+                                        <p:tgtEl>
+                                          <p:spTgt spid="2"/>
+                                        </p:tgtEl>
+                                      </p:cBhvr>
+                                      <p:to x="100000" y="60000"/>
+                                    </p:animScale>
+                                    <p:animScale>
+                                      <p:cBhvr>
+                                        <p:cTn id="14" dur="166" decel="50000">
+                                          <p:stCondLst>
+                                            <p:cond delay="676"/>
+                                          </p:stCondLst>
+                                        </p:cTn>
+                                        <p:tgtEl>
+                                          <p:spTgt spid="2"/>
+                                        </p:tgtEl>
+                                      </p:cBhvr>
+                                      <p:to x="100000" y="100000"/>
+                                    </p:animScale>
+                                    <p:animScale>
+                                      <p:cBhvr>
+                                        <p:cTn id="15" dur="26">
+                                          <p:stCondLst>
+                                            <p:cond delay="1312"/>
+                                          </p:stCondLst>
+                                        </p:cTn>
+                                        <p:tgtEl>
+                                          <p:spTgt spid="2"/>
+                                        </p:tgtEl>
+                                      </p:cBhvr>
+                                      <p:to x="100000" y="80000"/>
+                                    </p:animScale>
+                                    <p:animScale>
+                                      <p:cBhvr>
+                                        <p:cTn id="16" dur="166" decel="50000">
+                                          <p:stCondLst>
+                                            <p:cond delay="1338"/>
+                                          </p:stCondLst>
+                                        </p:cTn>
+                                        <p:tgtEl>
+                                          <p:spTgt spid="2"/>
+                                        </p:tgtEl>
+                                      </p:cBhvr>
+                                      <p:to x="100000" y="100000"/>
+                                    </p:animScale>
+                                    <p:animScale>
+                                      <p:cBhvr>
+                                        <p:cTn id="17" dur="26">
+                                          <p:stCondLst>
+                                            <p:cond delay="1642"/>
+                                          </p:stCondLst>
+                                        </p:cTn>
+                                        <p:tgtEl>
+                                          <p:spTgt spid="2"/>
+                                        </p:tgtEl>
+                                      </p:cBhvr>
+                                      <p:to x="100000" y="90000"/>
+                                    </p:animScale>
+                                    <p:animScale>
+                                      <p:cBhvr>
+                                        <p:cTn id="18" dur="166" decel="50000">
+                                          <p:stCondLst>
+                                            <p:cond delay="1668"/>
+                                          </p:stCondLst>
+                                        </p:cTn>
+                                        <p:tgtEl>
+                                          <p:spTgt spid="2"/>
+                                        </p:tgtEl>
+                                      </p:cBhvr>
+                                      <p:to x="100000" y="100000"/>
+                                    </p:animScale>
+                                    <p:animScale>
+                                      <p:cBhvr>
+                                        <p:cTn id="19" dur="26">
+                                          <p:stCondLst>
+                                            <p:cond delay="1808"/>
+                                          </p:stCondLst>
+                                        </p:cTn>
+                                        <p:tgtEl>
+                                          <p:spTgt spid="2"/>
+                                        </p:tgtEl>
+                                      </p:cBhvr>
+                                      <p:to x="100000" y="95000"/>
+                                    </p:animScale>
+                                    <p:animScale>
+                                      <p:cBhvr>
+                                        <p:cTn id="20" dur="166" decel="50000">
+                                          <p:stCondLst>
+                                            <p:cond delay="1834"/>
+                                          </p:stCondLst>
+                                        </p:cTn>
+                                        <p:tgtEl>
+                                          <p:spTgt spid="2"/>
+                                        </p:tgtEl>
+                                      </p:cBhvr>
+                                      <p:to x="100000" y="100000"/>
+                                    </p:animScale>
+                                  </p:childTnLst>
+                                </p:cTn>
+                              </p:par>
+                            </p:childTnLst>
+                          </p:cTn>
+                        </p:par>
+                      </p:childTnLst>
+                    </p:cTn>
+                  </p:par>
+                </p:childTnLst>
+              </p:cTn>
+              <p:prevCondLst>
+                <p:cond evt="onPrev" delay="0">
+                  <p:tgtEl>
+                    <p:sldTgt/>
+                  </p:tgtEl>
+                </p:cond>
+              </p:prevCondLst>
+              <p:nextCondLst>
+                <p:cond evt="onNext" delay="0">
+                  <p:tgtEl>
+                    <p:sldTgt/>
+                  </p:tgtEl>
+                </p:cond>
+              </p:nextCondLst>
+            </p:seq>
+          </p:childTnLst>
+        </p:cTn>
+      </p:par>
+    </p:tnLst>
+    <p:bldLst>
+      <p:bldP spid="2" grpId="0"/>
+    </p:bldLst>
+  </p:timing>
+</p:sld>
+</file>
+
+<file path=ppt/slides/slide10.xml><?xml version="1.0" encoding="utf-8"?>
+<p:sld xmlns:a="http://schemas.openxmlformats.org/drawingml/2006/main" xmlns:r="http://schemas.openxmlformats.org/officeDocument/2006/relationships" xmlns:p="http://schemas.openxmlformats.org/presentationml/2006/main">
+  <p:cSld>
+    <p:spTree>
+      <p:nvGrpSpPr>
+        <p:cNvPr id="1" name=""/>
+        <p:cNvGrpSpPr/>
+        <p:nvPr/>
+      </p:nvGrpSpPr>
+      <p:grpSpPr>
+        <a:xfrm>
+          <a:off x="0" y="0"/>
+          <a:ext cx="0" cy="0"/>
+          <a:chOff x="0" y="0"/>
+          <a:chExt cx="0" cy="0"/>
+        </a:xfrm>
+      </p:grpSpPr>
+      <p:pic>
+        <p:nvPicPr>
+          <p:cNvPr id="21" name="Imagen 20">
+            <a:extLst>
+              <a:ext uri="{FF2B5EF4-FFF2-40B4-BE49-F238E27FC236}">
+                <a16:creationId xmlns:a16="http://schemas.microsoft.com/office/drawing/2014/main" id="{095F33CF-BCD8-45B8-AA7D-91AE8E714901}"/>
+              </a:ext>
+            </a:extLst>
+          </p:cNvPr>
+          <p:cNvPicPr>
+            <a:picLocks noChangeAspect="1"/>
+          </p:cNvPicPr>
+          <p:nvPr/>
+        </p:nvPicPr>
+        <p:blipFill>
+          <a:blip r:embed="rId2"/>
+          <a:stretch>
+            <a:fillRect/>
+          </a:stretch>
+        </p:blipFill>
+        <p:spPr>
+          <a:xfrm>
+            <a:off x="0" y="0"/>
+            <a:ext cx="12192000" cy="905001"/>
+          </a:xfrm>
+          <a:prstGeom prst="rect">
+            <a:avLst/>
+          </a:prstGeom>
+        </p:spPr>
+      </p:pic>
+      <p:pic>
+        <p:nvPicPr>
+          <p:cNvPr id="17" name="Imagen 16">
+            <a:extLst>
+              <a:ext uri="{FF2B5EF4-FFF2-40B4-BE49-F238E27FC236}">
+                <a16:creationId xmlns:a16="http://schemas.microsoft.com/office/drawing/2014/main" id="{1A051A38-4BC4-40F5-9386-D16637C5BCB7}"/>
+              </a:ext>
+            </a:extLst>
+          </p:cNvPr>
+          <p:cNvPicPr>
+            <a:picLocks noChangeAspect="1"/>
+          </p:cNvPicPr>
+          <p:nvPr/>
+        </p:nvPicPr>
+        <p:blipFill>
+          <a:blip r:embed="rId3"/>
+          <a:stretch>
+            <a:fillRect/>
+          </a:stretch>
+        </p:blipFill>
+        <p:spPr>
+          <a:xfrm>
+            <a:off x="-1588" y="783772"/>
+            <a:ext cx="12192000" cy="6074228"/>
+          </a:xfrm>
+          <a:prstGeom prst="rect">
+            <a:avLst/>
+          </a:prstGeom>
+        </p:spPr>
+      </p:pic>
+      <p:sp>
+        <p:nvSpPr>
+          <p:cNvPr id="2" name="Título 1">
+            <a:extLst>
+              <a:ext uri="{FF2B5EF4-FFF2-40B4-BE49-F238E27FC236}">
+                <a16:creationId xmlns:a16="http://schemas.microsoft.com/office/drawing/2014/main" id="{51A83C2C-7062-4572-AF64-D063FF951C21}"/>
+              </a:ext>
+            </a:extLst>
+          </p:cNvPr>
+          <p:cNvSpPr>
+            <a:spLocks noGrp="1"/>
+          </p:cNvSpPr>
+          <p:nvPr>
+            <p:ph type="title"/>
+          </p:nvPr>
+        </p:nvSpPr>
+        <p:spPr>
+          <a:xfrm>
+            <a:off x="1141413" y="1"/>
+            <a:ext cx="9905998" cy="979713"/>
+          </a:xfrm>
+        </p:spPr>
+        <p:txBody>
+          <a:bodyPr>
+            <a:normAutofit fontScale="90000"/>
+          </a:bodyPr>
+          <a:lstStyle/>
+          <a:p>
+            <a:pPr algn="ctr"/>
+            <a:r>
+              <a:rPr lang="es-ES" sz="6600" b="1" dirty="0">
+                <a:latin typeface="Bahnschrift Condensed" panose="020B0502040204020203" pitchFamily="34" charset="0"/>
+              </a:rPr>
+              <a:t>School Maps</a:t>
+            </a:r>
+            <a:endParaRPr lang="es-AR" sz="6600" b="1" dirty="0">
+              <a:latin typeface="Bahnschrift Condensed" panose="020B0502040204020203" pitchFamily="34" charset="0"/>
+            </a:endParaRPr>
+          </a:p>
+        </p:txBody>
+      </p:sp>
+      <p:sp>
+        <p:nvSpPr>
+          <p:cNvPr id="19" name="Marcador de contenido 18">
+            <a:extLst>
+              <a:ext uri="{FF2B5EF4-FFF2-40B4-BE49-F238E27FC236}">
+                <a16:creationId xmlns:a16="http://schemas.microsoft.com/office/drawing/2014/main" id="{2351E72A-69D7-4CA8-AF99-36D3DA992F43}"/>
+              </a:ext>
+            </a:extLst>
+          </p:cNvPr>
+          <p:cNvSpPr>
+            <a:spLocks noGrp="1"/>
+          </p:cNvSpPr>
+          <p:nvPr>
+            <p:ph idx="1"/>
+          </p:nvPr>
+        </p:nvSpPr>
+        <p:spPr>
+          <a:xfrm>
+            <a:off x="282994" y="1307583"/>
+            <a:ext cx="6416386" cy="979713"/>
+          </a:xfrm>
+        </p:spPr>
+        <p:txBody>
+          <a:bodyPr>
+            <a:normAutofit/>
+          </a:bodyPr>
+          <a:lstStyle/>
+          <a:p>
+            <a:pPr marL="0" indent="0">
+              <a:buNone/>
+            </a:pPr>
+            <a:r>
+              <a:rPr lang="es-ES" sz="2600" b="1" u="sng" cap="all" dirty="0">
+                <a:solidFill>
+                  <a:schemeClr val="bg1"/>
+                </a:solidFill>
+                <a:latin typeface="Bahnschrift Condensed" panose="020B0502040204020203" pitchFamily="34" charset="0"/>
+                <a:ea typeface="+mj-ea"/>
+                <a:cs typeface="+mj-cs"/>
+              </a:rPr>
+              <a:t>Integrantes: </a:t>
+            </a:r>
+            <a:r>
+              <a:rPr lang="es-ES" sz="2600" b="1" cap="all" dirty="0">
+                <a:solidFill>
+                  <a:schemeClr val="bg1"/>
+                </a:solidFill>
+                <a:latin typeface="Bahnschrift Condensed" panose="020B0502040204020203" pitchFamily="34" charset="0"/>
+                <a:ea typeface="+mj-ea"/>
+                <a:cs typeface="+mj-cs"/>
+              </a:rPr>
+              <a:t>Leonardo Galindez, Mauricio Benavidez</a:t>
+            </a:r>
+          </a:p>
+          <a:p>
+            <a:pPr marL="0" indent="0">
+              <a:buNone/>
+            </a:pPr>
+            <a:endParaRPr lang="es-AR" dirty="0">
+              <a:solidFill>
+                <a:schemeClr val="bg1"/>
+              </a:solidFill>
+            </a:endParaRPr>
+          </a:p>
+        </p:txBody>
+      </p:sp>
+      <p:sp>
+        <p:nvSpPr>
+          <p:cNvPr id="24" name="Flecha: hacia la izquierda 23">
+            <a:extLst>
+              <a:ext uri="{FF2B5EF4-FFF2-40B4-BE49-F238E27FC236}">
+                <a16:creationId xmlns:a16="http://schemas.microsoft.com/office/drawing/2014/main" id="{FA32F456-4DE4-41E6-9E7F-708676530025}"/>
+              </a:ext>
+            </a:extLst>
+          </p:cNvPr>
+          <p:cNvSpPr/>
+          <p:nvPr/>
+        </p:nvSpPr>
+        <p:spPr>
+          <a:xfrm>
+            <a:off x="108047" y="200573"/>
+            <a:ext cx="806353" cy="503853"/>
+          </a:xfrm>
+          <a:prstGeom prst="leftArrow">
+            <a:avLst/>
+          </a:prstGeom>
+          <a:solidFill>
+            <a:schemeClr val="tx1"/>
+          </a:solidFill>
+          <a:ln>
+            <a:solidFill>
+              <a:schemeClr val="tx1"/>
+            </a:solidFill>
+          </a:ln>
+        </p:spPr>
+        <p:style>
+          <a:lnRef idx="2">
+            <a:schemeClr val="accent1">
+              <a:shade val="50000"/>
+            </a:schemeClr>
+          </a:lnRef>
+          <a:fillRef idx="1">
+            <a:schemeClr val="accent1"/>
+          </a:fillRef>
+          <a:effectRef idx="0">
+            <a:schemeClr val="accent1"/>
+          </a:effectRef>
+          <a:fontRef idx="minor">
+            <a:schemeClr val="lt1"/>
+          </a:fontRef>
+        </p:style>
+        <p:txBody>
+          <a:bodyPr rtlCol="0" anchor="ctr"/>
+          <a:lstStyle/>
+          <a:p>
+            <a:pPr algn="ctr"/>
+            <a:endParaRPr lang="es-AR"/>
+          </a:p>
+        </p:txBody>
+      </p:sp>
+      <p:sp>
+        <p:nvSpPr>
+          <p:cNvPr id="7" name="Título 1">
+            <a:extLst>
+              <a:ext uri="{FF2B5EF4-FFF2-40B4-BE49-F238E27FC236}">
+                <a16:creationId xmlns:a16="http://schemas.microsoft.com/office/drawing/2014/main" id="{B1D604FD-891D-4B62-804D-5B6D8A28C3FF}"/>
+              </a:ext>
+            </a:extLst>
+          </p:cNvPr>
+          <p:cNvSpPr txBox="1">
+            <a:spLocks/>
+          </p:cNvSpPr>
+          <p:nvPr/>
+        </p:nvSpPr>
+        <p:spPr>
+          <a:xfrm>
+            <a:off x="1298713" y="2950900"/>
+            <a:ext cx="10349948" cy="1478570"/>
+          </a:xfrm>
+          <a:prstGeom prst="rect">
+            <a:avLst/>
+          </a:prstGeom>
+        </p:spPr>
+        <p:txBody>
+          <a:bodyPr vert="horz" lIns="91440" tIns="45720" rIns="91440" bIns="45720" rtlCol="0" anchor="ctr">
+            <a:normAutofit/>
+          </a:bodyPr>
+          <a:lstStyle>
+            <a:lvl1pPr algn="l" defTabSz="914400" rtl="0" eaLnBrk="1" latinLnBrk="0" hangingPunct="1">
+              <a:lnSpc>
+                <a:spcPct val="90000"/>
+              </a:lnSpc>
+              <a:spcBef>
+                <a:spcPct val="0"/>
+              </a:spcBef>
+              <a:buNone/>
+              <a:defRPr sz="3600" kern="1200" cap="all" baseline="0">
+                <a:solidFill>
+                  <a:schemeClr val="tx1"/>
+                </a:solidFill>
+                <a:latin typeface="+mj-lt"/>
+                <a:ea typeface="+mj-ea"/>
+                <a:cs typeface="+mj-cs"/>
+              </a:defRPr>
+            </a:lvl1pPr>
+          </a:lstStyle>
+          <a:p>
+            <a:r>
+              <a:rPr lang="es-ES" sz="6600" b="1" dirty="0">
+                <a:solidFill>
+                  <a:schemeClr val="bg1"/>
+                </a:solidFill>
+              </a:rPr>
+              <a:t>FIN DE LA PRESENTACIÓN </a:t>
+            </a:r>
+            <a:endParaRPr lang="es-AR" sz="6600" b="1" dirty="0">
+              <a:solidFill>
+                <a:schemeClr val="bg1"/>
+              </a:solidFill>
+            </a:endParaRPr>
+          </a:p>
+        </p:txBody>
+      </p:sp>
+    </p:spTree>
+    <p:extLst>
+      <p:ext uri="{BB962C8B-B14F-4D97-AF65-F5344CB8AC3E}">
+        <p14:creationId xmlns:p14="http://schemas.microsoft.com/office/powerpoint/2010/main" val="3686702138"/>
       </p:ext>
     </p:extLst>
   </p:cSld>
@@ -12996,19 +13640,17 @@
       </p:sp>
       <p:pic>
         <p:nvPicPr>
-          <p:cNvPr id="5" name="Marcador de contenido 4">
+          <p:cNvPr id="6" name="Imagen 5">
             <a:extLst>
               <a:ext uri="{FF2B5EF4-FFF2-40B4-BE49-F238E27FC236}">
-                <a16:creationId xmlns:a16="http://schemas.microsoft.com/office/drawing/2014/main" id="{EA0C3C8D-4BED-4132-9DB7-F65FCFE8A934}"/>
+                <a16:creationId xmlns:a16="http://schemas.microsoft.com/office/drawing/2014/main" id="{FE8001D8-4DE3-492B-B2BB-447B990CBFBA}"/>
               </a:ext>
             </a:extLst>
           </p:cNvPr>
           <p:cNvPicPr>
-            <a:picLocks noGrp="1" noChangeAspect="1"/>
+            <a:picLocks noChangeAspect="1"/>
           </p:cNvPicPr>
-          <p:nvPr>
-            <p:ph idx="1"/>
-          </p:nvPr>
+          <p:nvPr/>
         </p:nvPicPr>
         <p:blipFill>
           <a:blip r:embed="rId2"/>
@@ -13018,17 +13660,45 @@
         </p:blipFill>
         <p:spPr>
           <a:xfrm>
-            <a:off x="517994" y="2097088"/>
-            <a:ext cx="6712461" cy="3179587"/>
+            <a:off x="8696323" y="1489923"/>
+            <a:ext cx="2863705" cy="4749559"/>
           </a:xfrm>
+          <a:prstGeom prst="rect">
+            <a:avLst/>
+          </a:prstGeom>
         </p:spPr>
       </p:pic>
+      <p:sp>
+        <p:nvSpPr>
+          <p:cNvPr id="4" name="Marcador de contenido 3">
+            <a:extLst>
+              <a:ext uri="{FF2B5EF4-FFF2-40B4-BE49-F238E27FC236}">
+                <a16:creationId xmlns:a16="http://schemas.microsoft.com/office/drawing/2014/main" id="{B32FEEFC-536D-4296-8D4A-7AE40BF70CE0}"/>
+              </a:ext>
+            </a:extLst>
+          </p:cNvPr>
+          <p:cNvSpPr>
+            <a:spLocks noGrp="1"/>
+          </p:cNvSpPr>
+          <p:nvPr>
+            <p:ph idx="1"/>
+          </p:nvPr>
+        </p:nvSpPr>
+        <p:spPr/>
+        <p:txBody>
+          <a:bodyPr/>
+          <a:lstStyle/>
+          <a:p>
+            <a:endParaRPr lang="es-AR"/>
+          </a:p>
+        </p:txBody>
+      </p:sp>
       <p:pic>
         <p:nvPicPr>
-          <p:cNvPr id="6" name="Imagen 5">
+          <p:cNvPr id="10" name="Imagen 9">
             <a:extLst>
               <a:ext uri="{FF2B5EF4-FFF2-40B4-BE49-F238E27FC236}">
-                <a16:creationId xmlns:a16="http://schemas.microsoft.com/office/drawing/2014/main" id="{FE8001D8-4DE3-492B-B2BB-447B990CBFBA}"/>
+                <a16:creationId xmlns:a16="http://schemas.microsoft.com/office/drawing/2014/main" id="{92062CA4-096E-4436-A7CA-720821BEF7F8}"/>
               </a:ext>
             </a:extLst>
           </p:cNvPr>
@@ -13045,8 +13715,8 @@
         </p:blipFill>
         <p:spPr>
           <a:xfrm>
-            <a:off x="8696323" y="1489923"/>
-            <a:ext cx="2863705" cy="4749559"/>
+            <a:off x="628795" y="2249487"/>
+            <a:ext cx="7259063" cy="3458058"/>
           </a:xfrm>
           <a:prstGeom prst="rect">
             <a:avLst/>
@@ -13114,35 +13784,6 @@
       </p:sp>
       <p:pic>
         <p:nvPicPr>
-          <p:cNvPr id="5" name="Marcador de contenido 4">
-            <a:extLst>
-              <a:ext uri="{FF2B5EF4-FFF2-40B4-BE49-F238E27FC236}">
-                <a16:creationId xmlns:a16="http://schemas.microsoft.com/office/drawing/2014/main" id="{A03B9293-5875-4C11-8607-3904308F818A}"/>
-              </a:ext>
-            </a:extLst>
-          </p:cNvPr>
-          <p:cNvPicPr>
-            <a:picLocks noGrp="1" noChangeAspect="1"/>
-          </p:cNvPicPr>
-          <p:nvPr>
-            <p:ph idx="1"/>
-          </p:nvPr>
-        </p:nvPicPr>
-        <p:blipFill>
-          <a:blip r:embed="rId2"/>
-          <a:stretch>
-            <a:fillRect/>
-          </a:stretch>
-        </p:blipFill>
-        <p:spPr>
-          <a:xfrm>
-            <a:off x="284847" y="1971797"/>
-            <a:ext cx="4256378" cy="2546352"/>
-          </a:xfrm>
-        </p:spPr>
-      </p:pic>
-      <p:pic>
-        <p:nvPicPr>
           <p:cNvPr id="7" name="Imagen 6">
             <a:extLst>
               <a:ext uri="{FF2B5EF4-FFF2-40B4-BE49-F238E27FC236}">
@@ -13156,15 +13797,15 @@
           <p:nvPr/>
         </p:nvPicPr>
         <p:blipFill>
-          <a:blip r:embed="rId3"/>
+          <a:blip r:embed="rId2"/>
           <a:stretch>
             <a:fillRect/>
           </a:stretch>
         </p:blipFill>
         <p:spPr>
           <a:xfrm>
-            <a:off x="4847172" y="1971797"/>
-            <a:ext cx="3811315" cy="4101832"/>
+            <a:off x="5936024" y="1971796"/>
+            <a:ext cx="3150745" cy="3390911"/>
           </a:xfrm>
           <a:prstGeom prst="rect">
             <a:avLst/>
@@ -13186,7 +13827,7 @@
           <p:nvPr/>
         </p:nvPicPr>
         <p:blipFill>
-          <a:blip r:embed="rId4"/>
+          <a:blip r:embed="rId3"/>
           <a:stretch>
             <a:fillRect/>
           </a:stretch>
@@ -13199,6 +13840,35 @@
           <a:prstGeom prst="rect">
             <a:avLst/>
           </a:prstGeom>
+        </p:spPr>
+      </p:pic>
+      <p:pic>
+        <p:nvPicPr>
+          <p:cNvPr id="12" name="Marcador de contenido 11">
+            <a:extLst>
+              <a:ext uri="{FF2B5EF4-FFF2-40B4-BE49-F238E27FC236}">
+                <a16:creationId xmlns:a16="http://schemas.microsoft.com/office/drawing/2014/main" id="{908854BF-E47F-4212-9331-84214628BF97}"/>
+              </a:ext>
+            </a:extLst>
+          </p:cNvPr>
+          <p:cNvPicPr>
+            <a:picLocks noGrp="1" noChangeAspect="1"/>
+          </p:cNvPicPr>
+          <p:nvPr>
+            <p:ph idx="1"/>
+          </p:nvPr>
+        </p:nvPicPr>
+        <p:blipFill>
+          <a:blip r:embed="rId4"/>
+          <a:stretch>
+            <a:fillRect/>
+          </a:stretch>
+        </p:blipFill>
+        <p:spPr>
+          <a:xfrm>
+            <a:off x="91115" y="1971795"/>
+            <a:ext cx="5937367" cy="3390911"/>
+          </a:xfrm>
         </p:spPr>
       </p:pic>
     </p:spTree>
@@ -13236,6 +13906,150 @@
           <p:cNvPr id="2" name="Título 1">
             <a:extLst>
               <a:ext uri="{FF2B5EF4-FFF2-40B4-BE49-F238E27FC236}">
+                <a16:creationId xmlns:a16="http://schemas.microsoft.com/office/drawing/2014/main" id="{2EF2C2C9-5D68-40C1-8451-478A74AD2A4C}"/>
+              </a:ext>
+            </a:extLst>
+          </p:cNvPr>
+          <p:cNvSpPr>
+            <a:spLocks noGrp="1"/>
+          </p:cNvSpPr>
+          <p:nvPr>
+            <p:ph type="title"/>
+          </p:nvPr>
+        </p:nvSpPr>
+        <p:spPr/>
+        <p:txBody>
+          <a:bodyPr/>
+          <a:lstStyle/>
+          <a:p>
+            <a:r>
+              <a:rPr lang="es-ES" dirty="0"/>
+              <a:t>Pantalla Para Registrarse</a:t>
+            </a:r>
+            <a:endParaRPr lang="es-AR" dirty="0"/>
+          </a:p>
+        </p:txBody>
+      </p:sp>
+      <p:pic>
+        <p:nvPicPr>
+          <p:cNvPr id="10" name="Imagen 9">
+            <a:extLst>
+              <a:ext uri="{FF2B5EF4-FFF2-40B4-BE49-F238E27FC236}">
+                <a16:creationId xmlns:a16="http://schemas.microsoft.com/office/drawing/2014/main" id="{53DCDE76-B581-435A-B372-24205ADDB428}"/>
+              </a:ext>
+            </a:extLst>
+          </p:cNvPr>
+          <p:cNvPicPr>
+            <a:picLocks noChangeAspect="1"/>
+          </p:cNvPicPr>
+          <p:nvPr/>
+        </p:nvPicPr>
+        <p:blipFill>
+          <a:blip r:embed="rId2"/>
+          <a:stretch>
+            <a:fillRect/>
+          </a:stretch>
+        </p:blipFill>
+        <p:spPr>
+          <a:xfrm>
+            <a:off x="8972742" y="1704042"/>
+            <a:ext cx="2981570" cy="4947794"/>
+          </a:xfrm>
+          <a:prstGeom prst="rect">
+            <a:avLst/>
+          </a:prstGeom>
+        </p:spPr>
+      </p:pic>
+      <p:sp>
+        <p:nvSpPr>
+          <p:cNvPr id="12" name="Marcador de contenido 11">
+            <a:extLst>
+              <a:ext uri="{FF2B5EF4-FFF2-40B4-BE49-F238E27FC236}">
+                <a16:creationId xmlns:a16="http://schemas.microsoft.com/office/drawing/2014/main" id="{708379C0-56B6-4AA9-BD27-60AA46468690}"/>
+              </a:ext>
+            </a:extLst>
+          </p:cNvPr>
+          <p:cNvSpPr>
+            <a:spLocks noGrp="1"/>
+          </p:cNvSpPr>
+          <p:nvPr>
+            <p:ph idx="1"/>
+          </p:nvPr>
+        </p:nvSpPr>
+        <p:spPr/>
+        <p:txBody>
+          <a:bodyPr/>
+          <a:lstStyle/>
+          <a:p>
+            <a:endParaRPr lang="es-AR"/>
+          </a:p>
+        </p:txBody>
+      </p:sp>
+      <p:pic>
+        <p:nvPicPr>
+          <p:cNvPr id="14" name="Imagen 13">
+            <a:extLst>
+              <a:ext uri="{FF2B5EF4-FFF2-40B4-BE49-F238E27FC236}">
+                <a16:creationId xmlns:a16="http://schemas.microsoft.com/office/drawing/2014/main" id="{5D4C33F2-2D24-4270-AF3E-3DC5CC08EBC7}"/>
+              </a:ext>
+            </a:extLst>
+          </p:cNvPr>
+          <p:cNvPicPr>
+            <a:picLocks noChangeAspect="1"/>
+          </p:cNvPicPr>
+          <p:nvPr/>
+        </p:nvPicPr>
+        <p:blipFill>
+          <a:blip r:embed="rId3"/>
+          <a:stretch>
+            <a:fillRect/>
+          </a:stretch>
+        </p:blipFill>
+        <p:spPr>
+          <a:xfrm>
+            <a:off x="1141412" y="2249487"/>
+            <a:ext cx="6096851" cy="3286584"/>
+          </a:xfrm>
+          <a:prstGeom prst="rect">
+            <a:avLst/>
+          </a:prstGeom>
+        </p:spPr>
+      </p:pic>
+    </p:spTree>
+    <p:extLst>
+      <p:ext uri="{BB962C8B-B14F-4D97-AF65-F5344CB8AC3E}">
+        <p14:creationId xmlns:p14="http://schemas.microsoft.com/office/powerpoint/2010/main" val="3711558036"/>
+      </p:ext>
+    </p:extLst>
+  </p:cSld>
+  <p:clrMapOvr>
+    <a:masterClrMapping/>
+  </p:clrMapOvr>
+</p:sld>
+</file>
+
+<file path=ppt/slides/slide5.xml><?xml version="1.0" encoding="utf-8"?>
+<p:sld xmlns:a="http://schemas.openxmlformats.org/drawingml/2006/main" xmlns:r="http://schemas.openxmlformats.org/officeDocument/2006/relationships" xmlns:p="http://schemas.openxmlformats.org/presentationml/2006/main">
+  <p:cSld>
+    <p:spTree>
+      <p:nvGrpSpPr>
+        <p:cNvPr id="1" name=""/>
+        <p:cNvGrpSpPr/>
+        <p:nvPr/>
+      </p:nvGrpSpPr>
+      <p:grpSpPr>
+        <a:xfrm>
+          <a:off x="0" y="0"/>
+          <a:ext cx="0" cy="0"/>
+          <a:chOff x="0" y="0"/>
+          <a:chExt cx="0" cy="0"/>
+        </a:xfrm>
+      </p:grpSpPr>
+      <p:sp>
+        <p:nvSpPr>
+          <p:cNvPr id="2" name="Título 1">
+            <a:extLst>
+              <a:ext uri="{FF2B5EF4-FFF2-40B4-BE49-F238E27FC236}">
                 <a16:creationId xmlns:a16="http://schemas.microsoft.com/office/drawing/2014/main" id="{3BF2B1F4-874C-420E-8D46-49A4C9CC08B3}"/>
               </a:ext>
             </a:extLst>
@@ -13288,7 +14102,7 @@
         </p:blipFill>
         <p:spPr>
           <a:xfrm>
-            <a:off x="371483" y="3211248"/>
+            <a:off x="274121" y="2032434"/>
             <a:ext cx="7613508" cy="1637590"/>
           </a:xfrm>
         </p:spPr>
@@ -13345,7 +14159,7 @@
         </p:blipFill>
         <p:spPr>
           <a:xfrm>
-            <a:off x="371483" y="2097088"/>
+            <a:off x="274121" y="3862773"/>
             <a:ext cx="4324954" cy="847843"/>
           </a:xfrm>
           <a:prstGeom prst="rect">
@@ -13366,7 +14180,7 @@
 </p:sld>
 </file>
 
-<file path=ppt/slides/slide5.xml><?xml version="1.0" encoding="utf-8"?>
+<file path=ppt/slides/slide6.xml><?xml version="1.0" encoding="utf-8"?>
 <p:sld xmlns:a="http://schemas.openxmlformats.org/drawingml/2006/main" xmlns:r="http://schemas.openxmlformats.org/officeDocument/2006/relationships" xmlns:p="http://schemas.openxmlformats.org/presentationml/2006/main">
   <p:cSld>
     <p:spTree>
@@ -13520,7 +14334,7 @@
 </p:sld>
 </file>
 
-<file path=ppt/slides/slide6.xml><?xml version="1.0" encoding="utf-8"?>
+<file path=ppt/slides/slide7.xml><?xml version="1.0" encoding="utf-8"?>
 <p:sld xmlns:a="http://schemas.openxmlformats.org/drawingml/2006/main" xmlns:r="http://schemas.openxmlformats.org/officeDocument/2006/relationships" xmlns:p="http://schemas.openxmlformats.org/presentationml/2006/main">
   <p:cSld>
     <p:spTree>
@@ -13664,7 +14478,7 @@
 </p:sld>
 </file>
 
-<file path=ppt/slides/slide7.xml><?xml version="1.0" encoding="utf-8"?>
+<file path=ppt/slides/slide8.xml><?xml version="1.0" encoding="utf-8"?>
 <p:sld xmlns:a="http://schemas.openxmlformats.org/drawingml/2006/main" xmlns:r="http://schemas.openxmlformats.org/officeDocument/2006/relationships" xmlns:p="http://schemas.openxmlformats.org/presentationml/2006/main">
   <p:cSld>
     <p:spTree>
@@ -13782,7 +14596,7 @@
 </p:sld>
 </file>
 
-<file path=ppt/slides/slide8.xml><?xml version="1.0" encoding="utf-8"?>
+<file path=ppt/slides/slide9.xml><?xml version="1.0" encoding="utf-8"?>
 <p:sld xmlns:a="http://schemas.openxmlformats.org/drawingml/2006/main" xmlns:r="http://schemas.openxmlformats.org/officeDocument/2006/relationships" xmlns:p="http://schemas.openxmlformats.org/presentationml/2006/main">
   <p:cSld>
     <p:spTree>
@@ -13897,649 +14711,6 @@
   <p:clrMapOvr>
     <a:masterClrMapping/>
   </p:clrMapOvr>
-</p:sld>
-</file>
-
-<file path=ppt/slides/slide9.xml><?xml version="1.0" encoding="utf-8"?>
-<p:sld xmlns:a="http://schemas.openxmlformats.org/drawingml/2006/main" xmlns:r="http://schemas.openxmlformats.org/officeDocument/2006/relationships" xmlns:p="http://schemas.openxmlformats.org/presentationml/2006/main">
-  <p:cSld>
-    <p:spTree>
-      <p:nvGrpSpPr>
-        <p:cNvPr id="1" name=""/>
-        <p:cNvGrpSpPr/>
-        <p:nvPr/>
-      </p:nvGrpSpPr>
-      <p:grpSpPr>
-        <a:xfrm>
-          <a:off x="0" y="0"/>
-          <a:ext cx="0" cy="0"/>
-          <a:chOff x="0" y="0"/>
-          <a:chExt cx="0" cy="0"/>
-        </a:xfrm>
-      </p:grpSpPr>
-      <p:pic>
-        <p:nvPicPr>
-          <p:cNvPr id="21" name="Imagen 20">
-            <a:extLst>
-              <a:ext uri="{FF2B5EF4-FFF2-40B4-BE49-F238E27FC236}">
-                <a16:creationId xmlns:a16="http://schemas.microsoft.com/office/drawing/2014/main" id="{095F33CF-BCD8-45B8-AA7D-91AE8E714901}"/>
-              </a:ext>
-            </a:extLst>
-          </p:cNvPr>
-          <p:cNvPicPr>
-            <a:picLocks noChangeAspect="1"/>
-          </p:cNvPicPr>
-          <p:nvPr/>
-        </p:nvPicPr>
-        <p:blipFill>
-          <a:blip r:embed="rId2"/>
-          <a:stretch>
-            <a:fillRect/>
-          </a:stretch>
-        </p:blipFill>
-        <p:spPr>
-          <a:xfrm>
-            <a:off x="0" y="0"/>
-            <a:ext cx="12192000" cy="905001"/>
-          </a:xfrm>
-          <a:prstGeom prst="rect">
-            <a:avLst/>
-          </a:prstGeom>
-        </p:spPr>
-      </p:pic>
-      <p:pic>
-        <p:nvPicPr>
-          <p:cNvPr id="17" name="Imagen 16">
-            <a:extLst>
-              <a:ext uri="{FF2B5EF4-FFF2-40B4-BE49-F238E27FC236}">
-                <a16:creationId xmlns:a16="http://schemas.microsoft.com/office/drawing/2014/main" id="{1A051A38-4BC4-40F5-9386-D16637C5BCB7}"/>
-              </a:ext>
-            </a:extLst>
-          </p:cNvPr>
-          <p:cNvPicPr>
-            <a:picLocks noChangeAspect="1"/>
-          </p:cNvPicPr>
-          <p:nvPr/>
-        </p:nvPicPr>
-        <p:blipFill>
-          <a:blip r:embed="rId3"/>
-          <a:stretch>
-            <a:fillRect/>
-          </a:stretch>
-        </p:blipFill>
-        <p:spPr>
-          <a:xfrm>
-            <a:off x="-1588" y="783772"/>
-            <a:ext cx="12192000" cy="6074228"/>
-          </a:xfrm>
-          <a:prstGeom prst="rect">
-            <a:avLst/>
-          </a:prstGeom>
-        </p:spPr>
-      </p:pic>
-      <p:sp>
-        <p:nvSpPr>
-          <p:cNvPr id="2" name="Título 1">
-            <a:extLst>
-              <a:ext uri="{FF2B5EF4-FFF2-40B4-BE49-F238E27FC236}">
-                <a16:creationId xmlns:a16="http://schemas.microsoft.com/office/drawing/2014/main" id="{51A83C2C-7062-4572-AF64-D063FF951C21}"/>
-              </a:ext>
-            </a:extLst>
-          </p:cNvPr>
-          <p:cNvSpPr>
-            <a:spLocks noGrp="1"/>
-          </p:cNvSpPr>
-          <p:nvPr>
-            <p:ph type="title"/>
-          </p:nvPr>
-        </p:nvSpPr>
-        <p:spPr>
-          <a:xfrm>
-            <a:off x="1141413" y="1"/>
-            <a:ext cx="9905998" cy="979713"/>
-          </a:xfrm>
-        </p:spPr>
-        <p:txBody>
-          <a:bodyPr>
-            <a:normAutofit fontScale="90000"/>
-          </a:bodyPr>
-          <a:lstStyle/>
-          <a:p>
-            <a:pPr algn="ctr"/>
-            <a:r>
-              <a:rPr lang="es-ES" sz="6600" b="1" dirty="0">
-                <a:latin typeface="Bahnschrift Condensed" panose="020B0502040204020203" pitchFamily="34" charset="0"/>
-              </a:rPr>
-              <a:t>School Maps</a:t>
-            </a:r>
-            <a:endParaRPr lang="es-AR" sz="6600" b="1" dirty="0">
-              <a:latin typeface="Bahnschrift Condensed" panose="020B0502040204020203" pitchFamily="34" charset="0"/>
-            </a:endParaRPr>
-          </a:p>
-        </p:txBody>
-      </p:sp>
-      <p:sp>
-        <p:nvSpPr>
-          <p:cNvPr id="19" name="Marcador de contenido 18">
-            <a:extLst>
-              <a:ext uri="{FF2B5EF4-FFF2-40B4-BE49-F238E27FC236}">
-                <a16:creationId xmlns:a16="http://schemas.microsoft.com/office/drawing/2014/main" id="{2351E72A-69D7-4CA8-AF99-36D3DA992F43}"/>
-              </a:ext>
-            </a:extLst>
-          </p:cNvPr>
-          <p:cNvSpPr>
-            <a:spLocks noGrp="1"/>
-          </p:cNvSpPr>
-          <p:nvPr>
-            <p:ph idx="1"/>
-          </p:nvPr>
-        </p:nvSpPr>
-        <p:spPr>
-          <a:xfrm>
-            <a:off x="282994" y="1307583"/>
-            <a:ext cx="6416386" cy="979713"/>
-          </a:xfrm>
-        </p:spPr>
-        <p:txBody>
-          <a:bodyPr>
-            <a:normAutofit/>
-          </a:bodyPr>
-          <a:lstStyle/>
-          <a:p>
-            <a:pPr marL="0" indent="0">
-              <a:buNone/>
-            </a:pPr>
-            <a:r>
-              <a:rPr lang="es-ES" sz="2600" b="1" u="sng" cap="all" dirty="0">
-                <a:solidFill>
-                  <a:schemeClr val="bg1"/>
-                </a:solidFill>
-                <a:latin typeface="Bahnschrift Condensed" panose="020B0502040204020203" pitchFamily="34" charset="0"/>
-                <a:ea typeface="+mj-ea"/>
-                <a:cs typeface="+mj-cs"/>
-              </a:rPr>
-              <a:t>Integrantes: </a:t>
-            </a:r>
-            <a:r>
-              <a:rPr lang="es-ES" sz="2600" b="1" cap="all" dirty="0">
-                <a:solidFill>
-                  <a:schemeClr val="bg1"/>
-                </a:solidFill>
-                <a:latin typeface="Bahnschrift Condensed" panose="020B0502040204020203" pitchFamily="34" charset="0"/>
-                <a:ea typeface="+mj-ea"/>
-                <a:cs typeface="+mj-cs"/>
-              </a:rPr>
-              <a:t>Leonardo Galindez, Mauricio Benavidez</a:t>
-            </a:r>
-          </a:p>
-          <a:p>
-            <a:pPr marL="0" indent="0">
-              <a:buNone/>
-            </a:pPr>
-            <a:endParaRPr lang="es-AR" dirty="0">
-              <a:solidFill>
-                <a:schemeClr val="bg1"/>
-              </a:solidFill>
-            </a:endParaRPr>
-          </a:p>
-        </p:txBody>
-      </p:sp>
-      <p:sp>
-        <p:nvSpPr>
-          <p:cNvPr id="24" name="Flecha: hacia la izquierda 23">
-            <a:extLst>
-              <a:ext uri="{FF2B5EF4-FFF2-40B4-BE49-F238E27FC236}">
-                <a16:creationId xmlns:a16="http://schemas.microsoft.com/office/drawing/2014/main" id="{FA32F456-4DE4-41E6-9E7F-708676530025}"/>
-              </a:ext>
-            </a:extLst>
-          </p:cNvPr>
-          <p:cNvSpPr/>
-          <p:nvPr/>
-        </p:nvSpPr>
-        <p:spPr>
-          <a:xfrm>
-            <a:off x="108047" y="200573"/>
-            <a:ext cx="806353" cy="503853"/>
-          </a:xfrm>
-          <a:prstGeom prst="leftArrow">
-            <a:avLst/>
-          </a:prstGeom>
-          <a:solidFill>
-            <a:schemeClr val="tx1"/>
-          </a:solidFill>
-          <a:ln>
-            <a:solidFill>
-              <a:schemeClr val="tx1"/>
-            </a:solidFill>
-          </a:ln>
-        </p:spPr>
-        <p:style>
-          <a:lnRef idx="2">
-            <a:schemeClr val="accent1">
-              <a:shade val="50000"/>
-            </a:schemeClr>
-          </a:lnRef>
-          <a:fillRef idx="1">
-            <a:schemeClr val="accent1"/>
-          </a:fillRef>
-          <a:effectRef idx="0">
-            <a:schemeClr val="accent1"/>
-          </a:effectRef>
-          <a:fontRef idx="minor">
-            <a:schemeClr val="lt1"/>
-          </a:fontRef>
-        </p:style>
-        <p:txBody>
-          <a:bodyPr rtlCol="0" anchor="ctr"/>
-          <a:lstStyle/>
-          <a:p>
-            <a:pPr algn="ctr"/>
-            <a:endParaRPr lang="es-AR"/>
-          </a:p>
-        </p:txBody>
-      </p:sp>
-      <p:sp>
-        <p:nvSpPr>
-          <p:cNvPr id="7" name="Título 1">
-            <a:extLst>
-              <a:ext uri="{FF2B5EF4-FFF2-40B4-BE49-F238E27FC236}">
-                <a16:creationId xmlns:a16="http://schemas.microsoft.com/office/drawing/2014/main" id="{B1D604FD-891D-4B62-804D-5B6D8A28C3FF}"/>
-              </a:ext>
-            </a:extLst>
-          </p:cNvPr>
-          <p:cNvSpPr txBox="1">
-            <a:spLocks/>
-          </p:cNvSpPr>
-          <p:nvPr/>
-        </p:nvSpPr>
-        <p:spPr>
-          <a:xfrm>
-            <a:off x="1298713" y="2950900"/>
-            <a:ext cx="10349948" cy="1478570"/>
-          </a:xfrm>
-          <a:prstGeom prst="rect">
-            <a:avLst/>
-          </a:prstGeom>
-        </p:spPr>
-        <p:txBody>
-          <a:bodyPr vert="horz" lIns="91440" tIns="45720" rIns="91440" bIns="45720" rtlCol="0" anchor="ctr">
-            <a:normAutofit/>
-          </a:bodyPr>
-          <a:lstStyle>
-            <a:lvl1pPr algn="l" defTabSz="914400" rtl="0" eaLnBrk="1" latinLnBrk="0" hangingPunct="1">
-              <a:lnSpc>
-                <a:spcPct val="90000"/>
-              </a:lnSpc>
-              <a:spcBef>
-                <a:spcPct val="0"/>
-              </a:spcBef>
-              <a:buNone/>
-              <a:defRPr sz="3600" kern="1200" cap="all" baseline="0">
-                <a:solidFill>
-                  <a:schemeClr val="tx1"/>
-                </a:solidFill>
-                <a:latin typeface="+mj-lt"/>
-                <a:ea typeface="+mj-ea"/>
-                <a:cs typeface="+mj-cs"/>
-              </a:defRPr>
-            </a:lvl1pPr>
-          </a:lstStyle>
-          <a:p>
-            <a:r>
-              <a:rPr lang="es-ES" sz="6600" b="1" dirty="0">
-                <a:solidFill>
-                  <a:schemeClr val="bg1"/>
-                </a:solidFill>
-              </a:rPr>
-              <a:t>FIN DE LA PRESENTACIÓN </a:t>
-            </a:r>
-            <a:endParaRPr lang="es-AR" sz="6600" b="1" dirty="0">
-              <a:solidFill>
-                <a:schemeClr val="bg1"/>
-              </a:solidFill>
-            </a:endParaRPr>
-          </a:p>
-        </p:txBody>
-      </p:sp>
-    </p:spTree>
-    <p:extLst>
-      <p:ext uri="{BB962C8B-B14F-4D97-AF65-F5344CB8AC3E}">
-        <p14:creationId xmlns:p14="http://schemas.microsoft.com/office/powerpoint/2010/main" val="3686702138"/>
-      </p:ext>
-    </p:extLst>
-  </p:cSld>
-  <p:clrMapOvr>
-    <a:masterClrMapping/>
-  </p:clrMapOvr>
-  <p:timing>
-    <p:tnLst>
-      <p:par>
-        <p:cTn id="1" dur="indefinite" restart="never" nodeType="tmRoot">
-          <p:childTnLst>
-            <p:seq concurrent="1" nextAc="seek">
-              <p:cTn id="2" dur="indefinite" nodeType="mainSeq">
-                <p:childTnLst>
-                  <p:par>
-                    <p:cTn id="3" fill="hold">
-                      <p:stCondLst>
-                        <p:cond delay="indefinite"/>
-                      </p:stCondLst>
-                      <p:childTnLst>
-                        <p:par>
-                          <p:cTn id="4" fill="hold">
-                            <p:stCondLst>
-                              <p:cond delay="0"/>
-                            </p:stCondLst>
-                            <p:childTnLst>
-                              <p:par>
-                                <p:cTn id="5" presetID="26" presetClass="entr" presetSubtype="0" fill="hold" grpId="0" nodeType="clickEffect">
-                                  <p:stCondLst>
-                                    <p:cond delay="0"/>
-                                  </p:stCondLst>
-                                  <p:childTnLst>
-                                    <p:set>
-                                      <p:cBhvr>
-                                        <p:cTn id="6" dur="1" fill="hold">
-                                          <p:stCondLst>
-                                            <p:cond delay="0"/>
-                                          </p:stCondLst>
-                                        </p:cTn>
-                                        <p:tgtEl>
-                                          <p:spTgt spid="2"/>
-                                        </p:tgtEl>
-                                        <p:attrNameLst>
-                                          <p:attrName>style.visibility</p:attrName>
-                                        </p:attrNameLst>
-                                      </p:cBhvr>
-                                      <p:to>
-                                        <p:strVal val="visible"/>
-                                      </p:to>
-                                    </p:set>
-                                    <p:animEffect transition="in" filter="wipe(down)">
-                                      <p:cBhvr>
-                                        <p:cTn id="7" dur="580">
-                                          <p:stCondLst>
-                                            <p:cond delay="0"/>
-                                          </p:stCondLst>
-                                        </p:cTn>
-                                        <p:tgtEl>
-                                          <p:spTgt spid="2"/>
-                                        </p:tgtEl>
-                                      </p:cBhvr>
-                                    </p:animEffect>
-                                    <p:anim calcmode="lin" valueType="num">
-                                      <p:cBhvr>
-                                        <p:cTn id="8" dur="1822" tmFilter="0,0; 0.14,0.36; 0.43,0.73; 0.71,0.91; 1.0,1.0">
-                                          <p:stCondLst>
-                                            <p:cond delay="0"/>
-                                          </p:stCondLst>
-                                        </p:cTn>
-                                        <p:tgtEl>
-                                          <p:spTgt spid="2"/>
-                                        </p:tgtEl>
-                                        <p:attrNameLst>
-                                          <p:attrName>ppt_x</p:attrName>
-                                        </p:attrNameLst>
-                                      </p:cBhvr>
-                                      <p:tavLst>
-                                        <p:tav tm="0">
-                                          <p:val>
-                                            <p:strVal val="#ppt_x-0.25"/>
-                                          </p:val>
-                                        </p:tav>
-                                        <p:tav tm="100000">
-                                          <p:val>
-                                            <p:strVal val="#ppt_x"/>
-                                          </p:val>
-                                        </p:tav>
-                                      </p:tavLst>
-                                    </p:anim>
-                                    <p:anim calcmode="lin" valueType="num">
-                                      <p:cBhvr>
-                                        <p:cTn id="9" dur="664" tmFilter="0.0,0.0; 0.25,0.07; 0.50,0.2; 0.75,0.467; 1.0,1.0">
-                                          <p:stCondLst>
-                                            <p:cond delay="0"/>
-                                          </p:stCondLst>
-                                        </p:cTn>
-                                        <p:tgtEl>
-                                          <p:spTgt spid="2"/>
-                                        </p:tgtEl>
-                                        <p:attrNameLst>
-                                          <p:attrName>ppt_y</p:attrName>
-                                        </p:attrNameLst>
-                                      </p:cBhvr>
-                                      <p:tavLst>
-                                        <p:tav tm="0" fmla="#ppt_y-sin(pi*$)/3">
-                                          <p:val>
-                                            <p:fltVal val="0.5"/>
-                                          </p:val>
-                                        </p:tav>
-                                        <p:tav tm="100000">
-                                          <p:val>
-                                            <p:fltVal val="1"/>
-                                          </p:val>
-                                        </p:tav>
-                                      </p:tavLst>
-                                    </p:anim>
-                                    <p:anim calcmode="lin" valueType="num">
-                                      <p:cBhvr>
-                                        <p:cTn id="10" dur="664" tmFilter="0, 0; 0.125,0.2665; 0.25,0.4; 0.375,0.465; 0.5,0.5;  0.625,0.535; 0.75,0.6; 0.875,0.7335; 1,1">
-                                          <p:stCondLst>
-                                            <p:cond delay="664"/>
-                                          </p:stCondLst>
-                                        </p:cTn>
-                                        <p:tgtEl>
-                                          <p:spTgt spid="2"/>
-                                        </p:tgtEl>
-                                        <p:attrNameLst>
-                                          <p:attrName>ppt_y</p:attrName>
-                                        </p:attrNameLst>
-                                      </p:cBhvr>
-                                      <p:tavLst>
-                                        <p:tav tm="0" fmla="#ppt_y-sin(pi*$)/9">
-                                          <p:val>
-                                            <p:fltVal val="0"/>
-                                          </p:val>
-                                        </p:tav>
-                                        <p:tav tm="100000">
-                                          <p:val>
-                                            <p:fltVal val="1"/>
-                                          </p:val>
-                                        </p:tav>
-                                      </p:tavLst>
-                                    </p:anim>
-                                    <p:anim calcmode="lin" valueType="num">
-                                      <p:cBhvr>
-                                        <p:cTn id="11" dur="332" tmFilter="0, 0; 0.125,0.2665; 0.25,0.4; 0.375,0.465; 0.5,0.5;  0.625,0.535; 0.75,0.6; 0.875,0.7335; 1,1">
-                                          <p:stCondLst>
-                                            <p:cond delay="1324"/>
-                                          </p:stCondLst>
-                                        </p:cTn>
-                                        <p:tgtEl>
-                                          <p:spTgt spid="2"/>
-                                        </p:tgtEl>
-                                        <p:attrNameLst>
-                                          <p:attrName>ppt_y</p:attrName>
-                                        </p:attrNameLst>
-                                      </p:cBhvr>
-                                      <p:tavLst>
-                                        <p:tav tm="0" fmla="#ppt_y-sin(pi*$)/27">
-                                          <p:val>
-                                            <p:fltVal val="0"/>
-                                          </p:val>
-                                        </p:tav>
-                                        <p:tav tm="100000">
-                                          <p:val>
-                                            <p:fltVal val="1"/>
-                                          </p:val>
-                                        </p:tav>
-                                      </p:tavLst>
-                                    </p:anim>
-                                    <p:anim calcmode="lin" valueType="num">
-                                      <p:cBhvr>
-                                        <p:cTn id="12" dur="164" tmFilter="0, 0; 0.125,0.2665; 0.25,0.4; 0.375,0.465; 0.5,0.5;  0.625,0.535; 0.75,0.6; 0.875,0.7335; 1,1">
-                                          <p:stCondLst>
-                                            <p:cond delay="1656"/>
-                                          </p:stCondLst>
-                                        </p:cTn>
-                                        <p:tgtEl>
-                                          <p:spTgt spid="2"/>
-                                        </p:tgtEl>
-                                        <p:attrNameLst>
-                                          <p:attrName>ppt_y</p:attrName>
-                                        </p:attrNameLst>
-                                      </p:cBhvr>
-                                      <p:tavLst>
-                                        <p:tav tm="0" fmla="#ppt_y-sin(pi*$)/81">
-                                          <p:val>
-                                            <p:fltVal val="0"/>
-                                          </p:val>
-                                        </p:tav>
-                                        <p:tav tm="100000">
-                                          <p:val>
-                                            <p:fltVal val="1"/>
-                                          </p:val>
-                                        </p:tav>
-                                      </p:tavLst>
-                                    </p:anim>
-                                    <p:animScale>
-                                      <p:cBhvr>
-                                        <p:cTn id="13" dur="26">
-                                          <p:stCondLst>
-                                            <p:cond delay="650"/>
-                                          </p:stCondLst>
-                                        </p:cTn>
-                                        <p:tgtEl>
-                                          <p:spTgt spid="2"/>
-                                        </p:tgtEl>
-                                      </p:cBhvr>
-                                      <p:to x="100000" y="60000"/>
-                                    </p:animScale>
-                                    <p:animScale>
-                                      <p:cBhvr>
-                                        <p:cTn id="14" dur="166" decel="50000">
-                                          <p:stCondLst>
-                                            <p:cond delay="676"/>
-                                          </p:stCondLst>
-                                        </p:cTn>
-                                        <p:tgtEl>
-                                          <p:spTgt spid="2"/>
-                                        </p:tgtEl>
-                                      </p:cBhvr>
-                                      <p:to x="100000" y="100000"/>
-                                    </p:animScale>
-                                    <p:animScale>
-                                      <p:cBhvr>
-                                        <p:cTn id="15" dur="26">
-                                          <p:stCondLst>
-                                            <p:cond delay="1312"/>
-                                          </p:stCondLst>
-                                        </p:cTn>
-                                        <p:tgtEl>
-                                          <p:spTgt spid="2"/>
-                                        </p:tgtEl>
-                                      </p:cBhvr>
-                                      <p:to x="100000" y="80000"/>
-                                    </p:animScale>
-                                    <p:animScale>
-                                      <p:cBhvr>
-                                        <p:cTn id="16" dur="166" decel="50000">
-                                          <p:stCondLst>
-                                            <p:cond delay="1338"/>
-                                          </p:stCondLst>
-                                        </p:cTn>
-                                        <p:tgtEl>
-                                          <p:spTgt spid="2"/>
-                                        </p:tgtEl>
-                                      </p:cBhvr>
-                                      <p:to x="100000" y="100000"/>
-                                    </p:animScale>
-                                    <p:animScale>
-                                      <p:cBhvr>
-                                        <p:cTn id="17" dur="26">
-                                          <p:stCondLst>
-                                            <p:cond delay="1642"/>
-                                          </p:stCondLst>
-                                        </p:cTn>
-                                        <p:tgtEl>
-                                          <p:spTgt spid="2"/>
-                                        </p:tgtEl>
-                                      </p:cBhvr>
-                                      <p:to x="100000" y="90000"/>
-                                    </p:animScale>
-                                    <p:animScale>
-                                      <p:cBhvr>
-                                        <p:cTn id="18" dur="166" decel="50000">
-                                          <p:stCondLst>
-                                            <p:cond delay="1668"/>
-                                          </p:stCondLst>
-                                        </p:cTn>
-                                        <p:tgtEl>
-                                          <p:spTgt spid="2"/>
-                                        </p:tgtEl>
-                                      </p:cBhvr>
-                                      <p:to x="100000" y="100000"/>
-                                    </p:animScale>
-                                    <p:animScale>
-                                      <p:cBhvr>
-                                        <p:cTn id="19" dur="26">
-                                          <p:stCondLst>
-                                            <p:cond delay="1808"/>
-                                          </p:stCondLst>
-                                        </p:cTn>
-                                        <p:tgtEl>
-                                          <p:spTgt spid="2"/>
-                                        </p:tgtEl>
-                                      </p:cBhvr>
-                                      <p:to x="100000" y="95000"/>
-                                    </p:animScale>
-                                    <p:animScale>
-                                      <p:cBhvr>
-                                        <p:cTn id="20" dur="166" decel="50000">
-                                          <p:stCondLst>
-                                            <p:cond delay="1834"/>
-                                          </p:stCondLst>
-                                        </p:cTn>
-                                        <p:tgtEl>
-                                          <p:spTgt spid="2"/>
-                                        </p:tgtEl>
-                                      </p:cBhvr>
-                                      <p:to x="100000" y="100000"/>
-                                    </p:animScale>
-                                  </p:childTnLst>
-                                </p:cTn>
-                              </p:par>
-                            </p:childTnLst>
-                          </p:cTn>
-                        </p:par>
-                      </p:childTnLst>
-                    </p:cTn>
-                  </p:par>
-                </p:childTnLst>
-              </p:cTn>
-              <p:prevCondLst>
-                <p:cond evt="onPrev" delay="0">
-                  <p:tgtEl>
-                    <p:sldTgt/>
-                  </p:tgtEl>
-                </p:cond>
-              </p:prevCondLst>
-              <p:nextCondLst>
-                <p:cond evt="onNext" delay="0">
-                  <p:tgtEl>
-                    <p:sldTgt/>
-                  </p:tgtEl>
-                </p:cond>
-              </p:nextCondLst>
-            </p:seq>
-          </p:childTnLst>
-        </p:cTn>
-      </p:par>
-    </p:tnLst>
-    <p:bldLst>
-      <p:bldP spid="2" grpId="0"/>
-    </p:bldLst>
-  </p:timing>
 </p:sld>
 </file>
 

--- a/Presentacion School Maps/SchoolMapsPresentacion.pptx
+++ b/Presentacion School Maps/SchoolMapsPresentacion.pptx
@@ -171,7 +171,7 @@
           <a:noFill/>
           <a:extLst>
             <a:ext uri="{909E8E84-426E-40dd-AFC4-6F175D3DCCD1}">
-              <a14:hiddenFill xmlns:a14="http://schemas.microsoft.com/office/drawing/2010/main" xmlns="">
+              <a14:hiddenFill xmlns="" xmlns:a14="http://schemas.microsoft.com/office/drawing/2010/main">
                 <a:solidFill>
                   <a:srgbClr val="FFFFFF"/>
                 </a:solidFill>
@@ -231,7 +231,7 @@
             </a:ln>
             <a:extLst>
               <a:ext uri="{91240B29-F687-4f45-9708-019B960494DF}">
-                <a14:hiddenLine xmlns:a14="http://schemas.microsoft.com/office/drawing/2010/main" xmlns="" w="9525">
+                <a14:hiddenLine xmlns="" xmlns:a14="http://schemas.microsoft.com/office/drawing/2010/main" w="9525">
                   <a:solidFill>
                     <a:srgbClr val="000000"/>
                   </a:solidFill>
@@ -321,7 +321,7 @@
             </a:ln>
             <a:extLst>
               <a:ext uri="{91240B29-F687-4f45-9708-019B960494DF}">
-                <a14:hiddenLine xmlns:a14="http://schemas.microsoft.com/office/drawing/2010/main" xmlns="" w="9525">
+                <a14:hiddenLine xmlns="" xmlns:a14="http://schemas.microsoft.com/office/drawing/2010/main" w="9525">
                   <a:solidFill>
                     <a:srgbClr val="000000"/>
                   </a:solidFill>
@@ -411,7 +411,7 @@
             </a:ln>
             <a:extLst>
               <a:ext uri="{91240B29-F687-4f45-9708-019B960494DF}">
-                <a14:hiddenLine xmlns:a14="http://schemas.microsoft.com/office/drawing/2010/main" xmlns="" w="9525">
+                <a14:hiddenLine xmlns="" xmlns:a14="http://schemas.microsoft.com/office/drawing/2010/main" w="9525">
                   <a:solidFill>
                     <a:srgbClr val="000000"/>
                   </a:solidFill>
@@ -445,7 +445,7 @@
             </a:ln>
             <a:extLst>
               <a:ext uri="{91240B29-F687-4f45-9708-019B960494DF}">
-                <a14:hiddenLine xmlns:a14="http://schemas.microsoft.com/office/drawing/2010/main" xmlns="" w="9525">
+                <a14:hiddenLine xmlns="" xmlns:a14="http://schemas.microsoft.com/office/drawing/2010/main" w="9525">
                   <a:solidFill>
                     <a:srgbClr val="000000"/>
                   </a:solidFill>
@@ -535,7 +535,7 @@
             </a:ln>
             <a:extLst>
               <a:ext uri="{91240B29-F687-4f45-9708-019B960494DF}">
-                <a14:hiddenLine xmlns:a14="http://schemas.microsoft.com/office/drawing/2010/main" xmlns="" w="9525">
+                <a14:hiddenLine xmlns="" xmlns:a14="http://schemas.microsoft.com/office/drawing/2010/main" w="9525">
                   <a:solidFill>
                     <a:srgbClr val="000000"/>
                   </a:solidFill>
@@ -597,7 +597,7 @@
             </a:ln>
             <a:extLst>
               <a:ext uri="{91240B29-F687-4f45-9708-019B960494DF}">
-                <a14:hiddenLine xmlns:a14="http://schemas.microsoft.com/office/drawing/2010/main" xmlns="" w="9525">
+                <a14:hiddenLine xmlns="" xmlns:a14="http://schemas.microsoft.com/office/drawing/2010/main" w="9525">
                   <a:solidFill>
                     <a:srgbClr val="000000"/>
                   </a:solidFill>
@@ -659,7 +659,7 @@
             </a:ln>
             <a:extLst>
               <a:ext uri="{91240B29-F687-4f45-9708-019B960494DF}">
-                <a14:hiddenLine xmlns:a14="http://schemas.microsoft.com/office/drawing/2010/main" xmlns="" w="9525">
+                <a14:hiddenLine xmlns="" xmlns:a14="http://schemas.microsoft.com/office/drawing/2010/main" w="9525">
                   <a:solidFill>
                     <a:srgbClr val="000000"/>
                   </a:solidFill>
@@ -749,7 +749,7 @@
             </a:ln>
             <a:extLst>
               <a:ext uri="{91240B29-F687-4f45-9708-019B960494DF}">
-                <a14:hiddenLine xmlns:a14="http://schemas.microsoft.com/office/drawing/2010/main" xmlns="" w="9525">
+                <a14:hiddenLine xmlns="" xmlns:a14="http://schemas.microsoft.com/office/drawing/2010/main" w="9525">
                   <a:solidFill>
                     <a:srgbClr val="000000"/>
                   </a:solidFill>
@@ -811,7 +811,7 @@
             </a:ln>
             <a:extLst>
               <a:ext uri="{91240B29-F687-4f45-9708-019B960494DF}">
-                <a14:hiddenLine xmlns:a14="http://schemas.microsoft.com/office/drawing/2010/main" xmlns="" w="9525">
+                <a14:hiddenLine xmlns="" xmlns:a14="http://schemas.microsoft.com/office/drawing/2010/main" w="9525">
                   <a:solidFill>
                     <a:srgbClr val="000000"/>
                   </a:solidFill>
@@ -873,7 +873,7 @@
             </a:ln>
             <a:extLst>
               <a:ext uri="{91240B29-F687-4f45-9708-019B960494DF}">
-                <a14:hiddenLine xmlns:a14="http://schemas.microsoft.com/office/drawing/2010/main" xmlns="" w="9525">
+                <a14:hiddenLine xmlns="" xmlns:a14="http://schemas.microsoft.com/office/drawing/2010/main" w="9525">
                   <a:solidFill>
                     <a:srgbClr val="000000"/>
                   </a:solidFill>
@@ -963,7 +963,7 @@
             </a:ln>
             <a:extLst>
               <a:ext uri="{91240B29-F687-4f45-9708-019B960494DF}">
-                <a14:hiddenLine xmlns:a14="http://schemas.microsoft.com/office/drawing/2010/main" xmlns="" w="9525">
+                <a14:hiddenLine xmlns="" xmlns:a14="http://schemas.microsoft.com/office/drawing/2010/main" w="9525">
                   <a:solidFill>
                     <a:srgbClr val="000000"/>
                   </a:solidFill>
@@ -1053,7 +1053,7 @@
             </a:ln>
             <a:extLst>
               <a:ext uri="{91240B29-F687-4f45-9708-019B960494DF}">
-                <a14:hiddenLine xmlns:a14="http://schemas.microsoft.com/office/drawing/2010/main" xmlns="" w="9525">
+                <a14:hiddenLine xmlns="" xmlns:a14="http://schemas.microsoft.com/office/drawing/2010/main" w="9525">
                   <a:solidFill>
                     <a:srgbClr val="000000"/>
                   </a:solidFill>
@@ -1115,7 +1115,7 @@
             </a:ln>
             <a:extLst>
               <a:ext uri="{91240B29-F687-4f45-9708-019B960494DF}">
-                <a14:hiddenLine xmlns:a14="http://schemas.microsoft.com/office/drawing/2010/main" xmlns="" w="9525">
+                <a14:hiddenLine xmlns="" xmlns:a14="http://schemas.microsoft.com/office/drawing/2010/main" w="9525">
                   <a:solidFill>
                     <a:srgbClr val="000000"/>
                   </a:solidFill>
@@ -1225,7 +1225,7 @@
             </a:ln>
             <a:extLst>
               <a:ext uri="{91240B29-F687-4f45-9708-019B960494DF}">
-                <a14:hiddenLine xmlns:a14="http://schemas.microsoft.com/office/drawing/2010/main" xmlns="" w="9525">
+                <a14:hiddenLine xmlns="" xmlns:a14="http://schemas.microsoft.com/office/drawing/2010/main" w="9525">
                   <a:solidFill>
                     <a:srgbClr val="000000"/>
                   </a:solidFill>
@@ -1287,7 +1287,7 @@
             </a:ln>
             <a:extLst>
               <a:ext uri="{91240B29-F687-4f45-9708-019B960494DF}">
-                <a14:hiddenLine xmlns:a14="http://schemas.microsoft.com/office/drawing/2010/main" xmlns="" w="9525">
+                <a14:hiddenLine xmlns="" xmlns:a14="http://schemas.microsoft.com/office/drawing/2010/main" w="9525">
                   <a:solidFill>
                     <a:srgbClr val="000000"/>
                   </a:solidFill>
@@ -1377,7 +1377,7 @@
             </a:ln>
             <a:extLst>
               <a:ext uri="{91240B29-F687-4f45-9708-019B960494DF}">
-                <a14:hiddenLine xmlns:a14="http://schemas.microsoft.com/office/drawing/2010/main" xmlns="" w="9525">
+                <a14:hiddenLine xmlns="" xmlns:a14="http://schemas.microsoft.com/office/drawing/2010/main" w="9525">
                   <a:solidFill>
                     <a:srgbClr val="000000"/>
                   </a:solidFill>
@@ -1467,7 +1467,7 @@
             </a:ln>
             <a:extLst>
               <a:ext uri="{91240B29-F687-4f45-9708-019B960494DF}">
-                <a14:hiddenLine xmlns:a14="http://schemas.microsoft.com/office/drawing/2010/main" xmlns="" w="9525">
+                <a14:hiddenLine xmlns="" xmlns:a14="http://schemas.microsoft.com/office/drawing/2010/main" w="9525">
                   <a:solidFill>
                     <a:srgbClr val="000000"/>
                   </a:solidFill>
@@ -1529,7 +1529,7 @@
             </a:ln>
             <a:extLst>
               <a:ext uri="{91240B29-F687-4f45-9708-019B960494DF}">
-                <a14:hiddenLine xmlns:a14="http://schemas.microsoft.com/office/drawing/2010/main" xmlns="" w="9525">
+                <a14:hiddenLine xmlns="" xmlns:a14="http://schemas.microsoft.com/office/drawing/2010/main" w="9525">
                   <a:solidFill>
                     <a:srgbClr val="000000"/>
                   </a:solidFill>
@@ -1619,7 +1619,7 @@
             </a:ln>
             <a:extLst>
               <a:ext uri="{91240B29-F687-4f45-9708-019B960494DF}">
-                <a14:hiddenLine xmlns:a14="http://schemas.microsoft.com/office/drawing/2010/main" xmlns="" w="9525">
+                <a14:hiddenLine xmlns="" xmlns:a14="http://schemas.microsoft.com/office/drawing/2010/main" w="9525">
                   <a:solidFill>
                     <a:srgbClr val="000000"/>
                   </a:solidFill>
@@ -1709,7 +1709,7 @@
             </a:ln>
             <a:extLst>
               <a:ext uri="{91240B29-F687-4f45-9708-019B960494DF}">
-                <a14:hiddenLine xmlns:a14="http://schemas.microsoft.com/office/drawing/2010/main" xmlns="" w="9525">
+                <a14:hiddenLine xmlns="" xmlns:a14="http://schemas.microsoft.com/office/drawing/2010/main" w="9525">
                   <a:solidFill>
                     <a:srgbClr val="000000"/>
                   </a:solidFill>
@@ -1765,7 +1765,7 @@
             </a:ln>
             <a:extLst>
               <a:ext uri="{91240B29-F687-4f45-9708-019B960494DF}">
-                <a14:hiddenLine xmlns:a14="http://schemas.microsoft.com/office/drawing/2010/main" xmlns="" w="9525">
+                <a14:hiddenLine xmlns="" xmlns:a14="http://schemas.microsoft.com/office/drawing/2010/main" w="9525">
                   <a:solidFill>
                     <a:srgbClr val="000000"/>
                   </a:solidFill>
@@ -1855,7 +1855,7 @@
             </a:ln>
             <a:extLst>
               <a:ext uri="{91240B29-F687-4f45-9708-019B960494DF}">
-                <a14:hiddenLine xmlns:a14="http://schemas.microsoft.com/office/drawing/2010/main" xmlns="" w="9525">
+                <a14:hiddenLine xmlns="" xmlns:a14="http://schemas.microsoft.com/office/drawing/2010/main" w="9525">
                   <a:solidFill>
                     <a:srgbClr val="000000"/>
                   </a:solidFill>
@@ -1911,7 +1911,7 @@
             </a:ln>
             <a:extLst>
               <a:ext uri="{91240B29-F687-4f45-9708-019B960494DF}">
-                <a14:hiddenLine xmlns:a14="http://schemas.microsoft.com/office/drawing/2010/main" xmlns="" w="9525">
+                <a14:hiddenLine xmlns="" xmlns:a14="http://schemas.microsoft.com/office/drawing/2010/main" w="9525">
                   <a:solidFill>
                     <a:srgbClr val="000000"/>
                   </a:solidFill>
@@ -2001,7 +2001,7 @@
             </a:ln>
             <a:extLst>
               <a:ext uri="{91240B29-F687-4f45-9708-019B960494DF}">
-                <a14:hiddenLine xmlns:a14="http://schemas.microsoft.com/office/drawing/2010/main" xmlns="" w="9525">
+                <a14:hiddenLine xmlns="" xmlns:a14="http://schemas.microsoft.com/office/drawing/2010/main" w="9525">
                   <a:solidFill>
                     <a:srgbClr val="000000"/>
                   </a:solidFill>
@@ -2069,7 +2069,7 @@
             </a:ln>
             <a:extLst>
               <a:ext uri="{91240B29-F687-4f45-9708-019B960494DF}">
-                <a14:hiddenLine xmlns:a14="http://schemas.microsoft.com/office/drawing/2010/main" xmlns="" w="9525">
+                <a14:hiddenLine xmlns="" xmlns:a14="http://schemas.microsoft.com/office/drawing/2010/main" w="9525">
                   <a:solidFill>
                     <a:srgbClr val="000000"/>
                   </a:solidFill>
@@ -2159,7 +2159,7 @@
             </a:ln>
             <a:extLst>
               <a:ext uri="{91240B29-F687-4f45-9708-019B960494DF}">
-                <a14:hiddenLine xmlns:a14="http://schemas.microsoft.com/office/drawing/2010/main" xmlns="" w="9525">
+                <a14:hiddenLine xmlns="" xmlns:a14="http://schemas.microsoft.com/office/drawing/2010/main" w="9525">
                   <a:solidFill>
                     <a:srgbClr val="000000"/>
                   </a:solidFill>
@@ -2227,7 +2227,7 @@
             </a:ln>
             <a:extLst>
               <a:ext uri="{91240B29-F687-4f45-9708-019B960494DF}">
-                <a14:hiddenLine xmlns:a14="http://schemas.microsoft.com/office/drawing/2010/main" xmlns="" w="9525">
+                <a14:hiddenLine xmlns="" xmlns:a14="http://schemas.microsoft.com/office/drawing/2010/main" w="9525">
                   <a:solidFill>
                     <a:srgbClr val="000000"/>
                   </a:solidFill>
@@ -2317,7 +2317,7 @@
             </a:ln>
             <a:extLst>
               <a:ext uri="{91240B29-F687-4f45-9708-019B960494DF}">
-                <a14:hiddenLine xmlns:a14="http://schemas.microsoft.com/office/drawing/2010/main" xmlns="" w="9525">
+                <a14:hiddenLine xmlns="" xmlns:a14="http://schemas.microsoft.com/office/drawing/2010/main" w="9525">
                   <a:solidFill>
                     <a:srgbClr val="000000"/>
                   </a:solidFill>
@@ -2351,7 +2351,7 @@
             </a:ln>
             <a:extLst>
               <a:ext uri="{91240B29-F687-4f45-9708-019B960494DF}">
-                <a14:hiddenLine xmlns:a14="http://schemas.microsoft.com/office/drawing/2010/main" xmlns="" w="9525">
+                <a14:hiddenLine xmlns="" xmlns:a14="http://schemas.microsoft.com/office/drawing/2010/main" w="9525">
                   <a:solidFill>
                     <a:srgbClr val="000000"/>
                   </a:solidFill>
@@ -2441,7 +2441,7 @@
             </a:ln>
             <a:extLst>
               <a:ext uri="{91240B29-F687-4f45-9708-019B960494DF}">
-                <a14:hiddenLine xmlns:a14="http://schemas.microsoft.com/office/drawing/2010/main" xmlns="" w="9525">
+                <a14:hiddenLine xmlns="" xmlns:a14="http://schemas.microsoft.com/office/drawing/2010/main" w="9525">
                   <a:solidFill>
                     <a:srgbClr val="000000"/>
                   </a:solidFill>
@@ -2503,7 +2503,7 @@
             </a:ln>
             <a:extLst>
               <a:ext uri="{91240B29-F687-4f45-9708-019B960494DF}">
-                <a14:hiddenLine xmlns:a14="http://schemas.microsoft.com/office/drawing/2010/main" xmlns="" w="9525">
+                <a14:hiddenLine xmlns="" xmlns:a14="http://schemas.microsoft.com/office/drawing/2010/main" w="9525">
                   <a:solidFill>
                     <a:srgbClr val="000000"/>
                   </a:solidFill>
@@ -2565,7 +2565,7 @@
             </a:ln>
             <a:extLst>
               <a:ext uri="{91240B29-F687-4f45-9708-019B960494DF}">
-                <a14:hiddenLine xmlns:a14="http://schemas.microsoft.com/office/drawing/2010/main" xmlns="" w="9525">
+                <a14:hiddenLine xmlns="" xmlns:a14="http://schemas.microsoft.com/office/drawing/2010/main" w="9525">
                   <a:solidFill>
                     <a:srgbClr val="000000"/>
                   </a:solidFill>
@@ -2655,7 +2655,7 @@
             </a:ln>
             <a:extLst>
               <a:ext uri="{91240B29-F687-4f45-9708-019B960494DF}">
-                <a14:hiddenLine xmlns:a14="http://schemas.microsoft.com/office/drawing/2010/main" xmlns="" w="9525">
+                <a14:hiddenLine xmlns="" xmlns:a14="http://schemas.microsoft.com/office/drawing/2010/main" w="9525">
                   <a:solidFill>
                     <a:srgbClr val="000000"/>
                   </a:solidFill>
@@ -2723,7 +2723,7 @@
             </a:ln>
             <a:extLst>
               <a:ext uri="{91240B29-F687-4f45-9708-019B960494DF}">
-                <a14:hiddenLine xmlns:a14="http://schemas.microsoft.com/office/drawing/2010/main" xmlns="" w="9525">
+                <a14:hiddenLine xmlns="" xmlns:a14="http://schemas.microsoft.com/office/drawing/2010/main" w="9525">
                   <a:solidFill>
                     <a:srgbClr val="000000"/>
                   </a:solidFill>
@@ -2785,7 +2785,7 @@
             </a:ln>
             <a:extLst>
               <a:ext uri="{91240B29-F687-4f45-9708-019B960494DF}">
-                <a14:hiddenLine xmlns:a14="http://schemas.microsoft.com/office/drawing/2010/main" xmlns="" w="9525">
+                <a14:hiddenLine xmlns="" xmlns:a14="http://schemas.microsoft.com/office/drawing/2010/main" w="9525">
                   <a:solidFill>
                     <a:srgbClr val="000000"/>
                   </a:solidFill>
@@ -2875,7 +2875,7 @@
             </a:ln>
             <a:extLst>
               <a:ext uri="{91240B29-F687-4f45-9708-019B960494DF}">
-                <a14:hiddenLine xmlns:a14="http://schemas.microsoft.com/office/drawing/2010/main" xmlns="" w="9525">
+                <a14:hiddenLine xmlns="" xmlns:a14="http://schemas.microsoft.com/office/drawing/2010/main" w="9525">
                   <a:solidFill>
                     <a:srgbClr val="000000"/>
                   </a:solidFill>
@@ -2937,7 +2937,7 @@
             </a:ln>
             <a:extLst>
               <a:ext uri="{91240B29-F687-4f45-9708-019B960494DF}">
-                <a14:hiddenLine xmlns:a14="http://schemas.microsoft.com/office/drawing/2010/main" xmlns="" w="9525">
+                <a14:hiddenLine xmlns="" xmlns:a14="http://schemas.microsoft.com/office/drawing/2010/main" w="9525">
                   <a:solidFill>
                     <a:srgbClr val="000000"/>
                   </a:solidFill>
@@ -3027,7 +3027,7 @@
             </a:ln>
             <a:extLst>
               <a:ext uri="{91240B29-F687-4f45-9708-019B960494DF}">
-                <a14:hiddenLine xmlns:a14="http://schemas.microsoft.com/office/drawing/2010/main" xmlns="" w="9525">
+                <a14:hiddenLine xmlns="" xmlns:a14="http://schemas.microsoft.com/office/drawing/2010/main" w="9525">
                   <a:solidFill>
                     <a:srgbClr val="000000"/>
                   </a:solidFill>
@@ -3089,7 +3089,7 @@
             </a:ln>
             <a:extLst>
               <a:ext uri="{91240B29-F687-4f45-9708-019B960494DF}">
-                <a14:hiddenLine xmlns:a14="http://schemas.microsoft.com/office/drawing/2010/main" xmlns="" w="9525">
+                <a14:hiddenLine xmlns="" xmlns:a14="http://schemas.microsoft.com/office/drawing/2010/main" w="9525">
                   <a:solidFill>
                     <a:srgbClr val="000000"/>
                   </a:solidFill>
@@ -3179,7 +3179,7 @@
             </a:ln>
             <a:extLst>
               <a:ext uri="{91240B29-F687-4f45-9708-019B960494DF}">
-                <a14:hiddenLine xmlns:a14="http://schemas.microsoft.com/office/drawing/2010/main" xmlns="" w="9525">
+                <a14:hiddenLine xmlns="" xmlns:a14="http://schemas.microsoft.com/office/drawing/2010/main" w="9525">
                   <a:solidFill>
                     <a:srgbClr val="000000"/>
                   </a:solidFill>
@@ -3213,7 +3213,7 @@
             </a:ln>
             <a:extLst>
               <a:ext uri="{91240B29-F687-4f45-9708-019B960494DF}">
-                <a14:hiddenLine xmlns:a14="http://schemas.microsoft.com/office/drawing/2010/main" xmlns="" w="9525">
+                <a14:hiddenLine xmlns="" xmlns:a14="http://schemas.microsoft.com/office/drawing/2010/main" w="9525">
                   <a:solidFill>
                     <a:srgbClr val="000000"/>
                   </a:solidFill>
@@ -3278,7 +3278,7 @@
             </a:ln>
             <a:extLst>
               <a:ext uri="{91240B29-F687-4f45-9708-019B960494DF}">
-                <a14:hiddenLine xmlns:a14="http://schemas.microsoft.com/office/drawing/2010/main" xmlns="" w="9525">
+                <a14:hiddenLine xmlns="" xmlns:a14="http://schemas.microsoft.com/office/drawing/2010/main" w="9525">
                   <a:solidFill>
                     <a:srgbClr val="000000"/>
                   </a:solidFill>
@@ -3368,7 +3368,7 @@
             </a:ln>
             <a:extLst>
               <a:ext uri="{91240B29-F687-4f45-9708-019B960494DF}">
-                <a14:hiddenLine xmlns:a14="http://schemas.microsoft.com/office/drawing/2010/main" xmlns="" w="9525">
+                <a14:hiddenLine xmlns="" xmlns:a14="http://schemas.microsoft.com/office/drawing/2010/main" w="9525">
                   <a:solidFill>
                     <a:srgbClr val="000000"/>
                   </a:solidFill>
@@ -3430,7 +3430,7 @@
             </a:ln>
             <a:extLst>
               <a:ext uri="{91240B29-F687-4f45-9708-019B960494DF}">
-                <a14:hiddenLine xmlns:a14="http://schemas.microsoft.com/office/drawing/2010/main" xmlns="" w="9525">
+                <a14:hiddenLine xmlns="" xmlns:a14="http://schemas.microsoft.com/office/drawing/2010/main" w="9525">
                   <a:solidFill>
                     <a:srgbClr val="000000"/>
                   </a:solidFill>
@@ -3520,7 +3520,7 @@
             </a:ln>
             <a:extLst>
               <a:ext uri="{91240B29-F687-4f45-9708-019B960494DF}">
-                <a14:hiddenLine xmlns:a14="http://schemas.microsoft.com/office/drawing/2010/main" xmlns="" w="9525">
+                <a14:hiddenLine xmlns="" xmlns:a14="http://schemas.microsoft.com/office/drawing/2010/main" w="9525">
                   <a:solidFill>
                     <a:srgbClr val="000000"/>
                   </a:solidFill>
@@ -3610,7 +3610,7 @@
             </a:ln>
             <a:extLst>
               <a:ext uri="{91240B29-F687-4f45-9708-019B960494DF}">
-                <a14:hiddenLine xmlns:a14="http://schemas.microsoft.com/office/drawing/2010/main" xmlns="" w="9525">
+                <a14:hiddenLine xmlns="" xmlns:a14="http://schemas.microsoft.com/office/drawing/2010/main" w="9525">
                   <a:solidFill>
                     <a:srgbClr val="000000"/>
                   </a:solidFill>
@@ -3675,7 +3675,7 @@
             </a:ln>
             <a:extLst>
               <a:ext uri="{91240B29-F687-4f45-9708-019B960494DF}">
-                <a14:hiddenLine xmlns:a14="http://schemas.microsoft.com/office/drawing/2010/main" xmlns="" w="9525">
+                <a14:hiddenLine xmlns="" xmlns:a14="http://schemas.microsoft.com/office/drawing/2010/main" w="9525">
                   <a:solidFill>
                     <a:srgbClr val="000000"/>
                   </a:solidFill>
@@ -3737,7 +3737,7 @@
             </a:ln>
             <a:extLst>
               <a:ext uri="{91240B29-F687-4f45-9708-019B960494DF}">
-                <a14:hiddenLine xmlns:a14="http://schemas.microsoft.com/office/drawing/2010/main" xmlns="" w="9525">
+                <a14:hiddenLine xmlns="" xmlns:a14="http://schemas.microsoft.com/office/drawing/2010/main" w="9525">
                   <a:solidFill>
                     <a:srgbClr val="000000"/>
                   </a:solidFill>
@@ -3827,7 +3827,7 @@
             </a:ln>
             <a:extLst>
               <a:ext uri="{91240B29-F687-4f45-9708-019B960494DF}">
-                <a14:hiddenLine xmlns:a14="http://schemas.microsoft.com/office/drawing/2010/main" xmlns="" w="9525">
+                <a14:hiddenLine xmlns="" xmlns:a14="http://schemas.microsoft.com/office/drawing/2010/main" w="9525">
                   <a:solidFill>
                     <a:srgbClr val="000000"/>
                   </a:solidFill>
@@ -3917,7 +3917,7 @@
             </a:ln>
             <a:extLst>
               <a:ext uri="{91240B29-F687-4f45-9708-019B960494DF}">
-                <a14:hiddenLine xmlns:a14="http://schemas.microsoft.com/office/drawing/2010/main" xmlns="" w="9525">
+                <a14:hiddenLine xmlns="" xmlns:a14="http://schemas.microsoft.com/office/drawing/2010/main" w="9525">
                   <a:solidFill>
                     <a:srgbClr val="000000"/>
                   </a:solidFill>
@@ -3979,7 +3979,7 @@
             </a:ln>
             <a:extLst>
               <a:ext uri="{91240B29-F687-4f45-9708-019B960494DF}">
-                <a14:hiddenLine xmlns:a14="http://schemas.microsoft.com/office/drawing/2010/main" xmlns="" w="9525">
+                <a14:hiddenLine xmlns="" xmlns:a14="http://schemas.microsoft.com/office/drawing/2010/main" w="9525">
                   <a:solidFill>
                     <a:srgbClr val="000000"/>
                   </a:solidFill>
@@ -4099,7 +4099,7 @@
             </a:ln>
             <a:extLst>
               <a:ext uri="{91240B29-F687-4f45-9708-019B960494DF}">
-                <a14:hiddenLine xmlns:a14="http://schemas.microsoft.com/office/drawing/2010/main" xmlns="" w="9525">
+                <a14:hiddenLine xmlns="" xmlns:a14="http://schemas.microsoft.com/office/drawing/2010/main" w="9525">
                   <a:solidFill>
                     <a:srgbClr val="000000"/>
                   </a:solidFill>
@@ -4167,7 +4167,7 @@
             </a:ln>
             <a:extLst>
               <a:ext uri="{91240B29-F687-4f45-9708-019B960494DF}">
-                <a14:hiddenLine xmlns:a14="http://schemas.microsoft.com/office/drawing/2010/main" xmlns="" w="9525">
+                <a14:hiddenLine xmlns="" xmlns:a14="http://schemas.microsoft.com/office/drawing/2010/main" w="9525">
                   <a:solidFill>
                     <a:srgbClr val="000000"/>
                   </a:solidFill>
@@ -4257,7 +4257,7 @@
             </a:ln>
             <a:extLst>
               <a:ext uri="{91240B29-F687-4f45-9708-019B960494DF}">
-                <a14:hiddenLine xmlns:a14="http://schemas.microsoft.com/office/drawing/2010/main" xmlns="" w="9525">
+                <a14:hiddenLine xmlns="" xmlns:a14="http://schemas.microsoft.com/office/drawing/2010/main" w="9525">
                   <a:solidFill>
                     <a:srgbClr val="000000"/>
                   </a:solidFill>
@@ -8979,7 +8979,7 @@
           <a:noFill/>
           <a:extLst>
             <a:ext uri="{909E8E84-426E-40dd-AFC4-6F175D3DCCD1}">
-              <a14:hiddenFill xmlns:a14="http://schemas.microsoft.com/office/drawing/2010/main" xmlns="">
+              <a14:hiddenFill xmlns="" xmlns:a14="http://schemas.microsoft.com/office/drawing/2010/main">
                 <a:solidFill>
                   <a:srgbClr val="FFFFFF"/>
                 </a:solidFill>
@@ -9053,7 +9053,7 @@
               </a:ln>
               <a:extLst>
                 <a:ext uri="{91240B29-F687-4f45-9708-019B960494DF}">
-                  <a14:hiddenLine xmlns:a14="http://schemas.microsoft.com/office/drawing/2010/main" xmlns="" w="9525">
+                  <a14:hiddenLine xmlns="" xmlns:a14="http://schemas.microsoft.com/office/drawing/2010/main" w="9525">
                     <a:solidFill>
                       <a:srgbClr val="000000"/>
                     </a:solidFill>
@@ -9143,7 +9143,7 @@
               </a:ln>
               <a:extLst>
                 <a:ext uri="{91240B29-F687-4f45-9708-019B960494DF}">
-                  <a14:hiddenLine xmlns:a14="http://schemas.microsoft.com/office/drawing/2010/main" xmlns="" w="9525">
+                  <a14:hiddenLine xmlns="" xmlns:a14="http://schemas.microsoft.com/office/drawing/2010/main" w="9525">
                     <a:solidFill>
                       <a:srgbClr val="000000"/>
                     </a:solidFill>
@@ -9233,7 +9233,7 @@
               </a:ln>
               <a:extLst>
                 <a:ext uri="{91240B29-F687-4f45-9708-019B960494DF}">
-                  <a14:hiddenLine xmlns:a14="http://schemas.microsoft.com/office/drawing/2010/main" xmlns="" w="9525">
+                  <a14:hiddenLine xmlns="" xmlns:a14="http://schemas.microsoft.com/office/drawing/2010/main" w="9525">
                     <a:solidFill>
                       <a:srgbClr val="000000"/>
                     </a:solidFill>
@@ -9295,7 +9295,7 @@
               </a:ln>
               <a:extLst>
                 <a:ext uri="{91240B29-F687-4f45-9708-019B960494DF}">
-                  <a14:hiddenLine xmlns:a14="http://schemas.microsoft.com/office/drawing/2010/main" xmlns="" w="9525">
+                  <a14:hiddenLine xmlns="" xmlns:a14="http://schemas.microsoft.com/office/drawing/2010/main" w="9525">
                     <a:solidFill>
                       <a:srgbClr val="000000"/>
                     </a:solidFill>
@@ -9385,7 +9385,7 @@
               </a:ln>
               <a:extLst>
                 <a:ext uri="{91240B29-F687-4f45-9708-019B960494DF}">
-                  <a14:hiddenLine xmlns:a14="http://schemas.microsoft.com/office/drawing/2010/main" xmlns="" w="9525">
+                  <a14:hiddenLine xmlns="" xmlns:a14="http://schemas.microsoft.com/office/drawing/2010/main" w="9525">
                     <a:solidFill>
                       <a:srgbClr val="000000"/>
                     </a:solidFill>
@@ -9447,7 +9447,7 @@
               </a:ln>
               <a:extLst>
                 <a:ext uri="{91240B29-F687-4f45-9708-019B960494DF}">
-                  <a14:hiddenLine xmlns:a14="http://schemas.microsoft.com/office/drawing/2010/main" xmlns="" w="9525">
+                  <a14:hiddenLine xmlns="" xmlns:a14="http://schemas.microsoft.com/office/drawing/2010/main" w="9525">
                     <a:solidFill>
                       <a:srgbClr val="000000"/>
                     </a:solidFill>
@@ -9509,7 +9509,7 @@
               </a:ln>
               <a:extLst>
                 <a:ext uri="{91240B29-F687-4f45-9708-019B960494DF}">
-                  <a14:hiddenLine xmlns:a14="http://schemas.microsoft.com/office/drawing/2010/main" xmlns="" w="9525">
+                  <a14:hiddenLine xmlns="" xmlns:a14="http://schemas.microsoft.com/office/drawing/2010/main" w="9525">
                     <a:solidFill>
                       <a:srgbClr val="000000"/>
                     </a:solidFill>
@@ -9599,7 +9599,7 @@
               </a:ln>
               <a:extLst>
                 <a:ext uri="{91240B29-F687-4f45-9708-019B960494DF}">
-                  <a14:hiddenLine xmlns:a14="http://schemas.microsoft.com/office/drawing/2010/main" xmlns="" w="9525">
+                  <a14:hiddenLine xmlns="" xmlns:a14="http://schemas.microsoft.com/office/drawing/2010/main" w="9525">
                     <a:solidFill>
                       <a:srgbClr val="000000"/>
                     </a:solidFill>
@@ -9689,7 +9689,7 @@
               </a:ln>
               <a:extLst>
                 <a:ext uri="{91240B29-F687-4f45-9708-019B960494DF}">
-                  <a14:hiddenLine xmlns:a14="http://schemas.microsoft.com/office/drawing/2010/main" xmlns="" w="9525">
+                  <a14:hiddenLine xmlns="" xmlns:a14="http://schemas.microsoft.com/office/drawing/2010/main" w="9525">
                     <a:solidFill>
                       <a:srgbClr val="000000"/>
                     </a:solidFill>
@@ -9751,7 +9751,7 @@
               </a:ln>
               <a:extLst>
                 <a:ext uri="{91240B29-F687-4f45-9708-019B960494DF}">
-                  <a14:hiddenLine xmlns:a14="http://schemas.microsoft.com/office/drawing/2010/main" xmlns="" w="9525">
+                  <a14:hiddenLine xmlns="" xmlns:a14="http://schemas.microsoft.com/office/drawing/2010/main" w="9525">
                     <a:solidFill>
                       <a:srgbClr val="000000"/>
                     </a:solidFill>
@@ -9861,7 +9861,7 @@
               </a:ln>
               <a:extLst>
                 <a:ext uri="{91240B29-F687-4f45-9708-019B960494DF}">
-                  <a14:hiddenLine xmlns:a14="http://schemas.microsoft.com/office/drawing/2010/main" xmlns="" w="9525">
+                  <a14:hiddenLine xmlns="" xmlns:a14="http://schemas.microsoft.com/office/drawing/2010/main" w="9525">
                     <a:solidFill>
                       <a:srgbClr val="000000"/>
                     </a:solidFill>
@@ -9945,7 +9945,7 @@
               </a:ln>
               <a:extLst>
                 <a:ext uri="{91240B29-F687-4f45-9708-019B960494DF}">
-                  <a14:hiddenLine xmlns:a14="http://schemas.microsoft.com/office/drawing/2010/main" xmlns="" w="9525">
+                  <a14:hiddenLine xmlns="" xmlns:a14="http://schemas.microsoft.com/office/drawing/2010/main" w="9525">
                     <a:solidFill>
                       <a:srgbClr val="000000"/>
                     </a:solidFill>
@@ -10007,7 +10007,7 @@
               </a:ln>
               <a:extLst>
                 <a:ext uri="{91240B29-F687-4f45-9708-019B960494DF}">
-                  <a14:hiddenLine xmlns:a14="http://schemas.microsoft.com/office/drawing/2010/main" xmlns="" w="9525">
+                  <a14:hiddenLine xmlns="" xmlns:a14="http://schemas.microsoft.com/office/drawing/2010/main" w="9525">
                     <a:solidFill>
                       <a:srgbClr val="000000"/>
                     </a:solidFill>
@@ -10069,7 +10069,7 @@
               </a:ln>
               <a:extLst>
                 <a:ext uri="{91240B29-F687-4f45-9708-019B960494DF}">
-                  <a14:hiddenLine xmlns:a14="http://schemas.microsoft.com/office/drawing/2010/main" xmlns="" w="9525">
+                  <a14:hiddenLine xmlns="" xmlns:a14="http://schemas.microsoft.com/office/drawing/2010/main" w="9525">
                     <a:solidFill>
                       <a:srgbClr val="000000"/>
                     </a:solidFill>
@@ -10159,7 +10159,7 @@
               </a:ln>
               <a:extLst>
                 <a:ext uri="{91240B29-F687-4f45-9708-019B960494DF}">
-                  <a14:hiddenLine xmlns:a14="http://schemas.microsoft.com/office/drawing/2010/main" xmlns="" w="9525">
+                  <a14:hiddenLine xmlns="" xmlns:a14="http://schemas.microsoft.com/office/drawing/2010/main" w="9525">
                     <a:solidFill>
                       <a:srgbClr val="000000"/>
                     </a:solidFill>
@@ -10193,7 +10193,7 @@
               </a:ln>
               <a:extLst>
                 <a:ext uri="{91240B29-F687-4f45-9708-019B960494DF}">
-                  <a14:hiddenLine xmlns:a14="http://schemas.microsoft.com/office/drawing/2010/main" xmlns="" w="9525">
+                  <a14:hiddenLine xmlns="" xmlns:a14="http://schemas.microsoft.com/office/drawing/2010/main" w="9525">
                     <a:solidFill>
                       <a:srgbClr val="000000"/>
                     </a:solidFill>
@@ -10258,7 +10258,7 @@
               </a:ln>
               <a:extLst>
                 <a:ext uri="{91240B29-F687-4f45-9708-019B960494DF}">
-                  <a14:hiddenLine xmlns:a14="http://schemas.microsoft.com/office/drawing/2010/main" xmlns="" w="9525">
+                  <a14:hiddenLine xmlns="" xmlns:a14="http://schemas.microsoft.com/office/drawing/2010/main" w="9525">
                     <a:solidFill>
                       <a:srgbClr val="000000"/>
                     </a:solidFill>
@@ -10348,7 +10348,7 @@
               </a:ln>
               <a:extLst>
                 <a:ext uri="{91240B29-F687-4f45-9708-019B960494DF}">
-                  <a14:hiddenLine xmlns:a14="http://schemas.microsoft.com/office/drawing/2010/main" xmlns="" w="9525">
+                  <a14:hiddenLine xmlns="" xmlns:a14="http://schemas.microsoft.com/office/drawing/2010/main" w="9525">
                     <a:solidFill>
                       <a:srgbClr val="000000"/>
                     </a:solidFill>
@@ -10410,7 +10410,7 @@
               </a:ln>
               <a:extLst>
                 <a:ext uri="{91240B29-F687-4f45-9708-019B960494DF}">
-                  <a14:hiddenLine xmlns:a14="http://schemas.microsoft.com/office/drawing/2010/main" xmlns="" w="9525">
+                  <a14:hiddenLine xmlns="" xmlns:a14="http://schemas.microsoft.com/office/drawing/2010/main" w="9525">
                     <a:solidFill>
                       <a:srgbClr val="000000"/>
                     </a:solidFill>
@@ -10500,7 +10500,7 @@
               </a:ln>
               <a:extLst>
                 <a:ext uri="{91240B29-F687-4f45-9708-019B960494DF}">
-                  <a14:hiddenLine xmlns:a14="http://schemas.microsoft.com/office/drawing/2010/main" xmlns="" w="9525">
+                  <a14:hiddenLine xmlns="" xmlns:a14="http://schemas.microsoft.com/office/drawing/2010/main" w="9525">
                     <a:solidFill>
                       <a:srgbClr val="000000"/>
                     </a:solidFill>
@@ -10565,7 +10565,7 @@
               </a:ln>
               <a:extLst>
                 <a:ext uri="{91240B29-F687-4f45-9708-019B960494DF}">
-                  <a14:hiddenLine xmlns:a14="http://schemas.microsoft.com/office/drawing/2010/main" xmlns="" w="9525">
+                  <a14:hiddenLine xmlns="" xmlns:a14="http://schemas.microsoft.com/office/drawing/2010/main" w="9525">
                     <a:solidFill>
                       <a:srgbClr val="000000"/>
                     </a:solidFill>
@@ -10627,7 +10627,7 @@
               </a:ln>
               <a:extLst>
                 <a:ext uri="{91240B29-F687-4f45-9708-019B960494DF}">
-                  <a14:hiddenLine xmlns:a14="http://schemas.microsoft.com/office/drawing/2010/main" xmlns="" w="9525">
+                  <a14:hiddenLine xmlns="" xmlns:a14="http://schemas.microsoft.com/office/drawing/2010/main" w="9525">
                     <a:solidFill>
                       <a:srgbClr val="000000"/>
                     </a:solidFill>
@@ -10717,7 +10717,7 @@
               </a:ln>
               <a:extLst>
                 <a:ext uri="{91240B29-F687-4f45-9708-019B960494DF}">
-                  <a14:hiddenLine xmlns:a14="http://schemas.microsoft.com/office/drawing/2010/main" xmlns="" w="9525">
+                  <a14:hiddenLine xmlns="" xmlns:a14="http://schemas.microsoft.com/office/drawing/2010/main" w="9525">
                     <a:solidFill>
                       <a:srgbClr val="000000"/>
                     </a:solidFill>
@@ -10807,7 +10807,7 @@
               </a:ln>
               <a:extLst>
                 <a:ext uri="{91240B29-F687-4f45-9708-019B960494DF}">
-                  <a14:hiddenLine xmlns:a14="http://schemas.microsoft.com/office/drawing/2010/main" xmlns="" w="9525">
+                  <a14:hiddenLine xmlns="" xmlns:a14="http://schemas.microsoft.com/office/drawing/2010/main" w="9525">
                     <a:solidFill>
                       <a:srgbClr val="000000"/>
                     </a:solidFill>
@@ -10872,7 +10872,7 @@
               </a:ln>
               <a:extLst>
                 <a:ext uri="{91240B29-F687-4f45-9708-019B960494DF}">
-                  <a14:hiddenLine xmlns:a14="http://schemas.microsoft.com/office/drawing/2010/main" xmlns="" w="9525">
+                  <a14:hiddenLine xmlns="" xmlns:a14="http://schemas.microsoft.com/office/drawing/2010/main" w="9525">
                     <a:solidFill>
                       <a:srgbClr val="000000"/>
                     </a:solidFill>
@@ -10992,7 +10992,7 @@
               </a:ln>
               <a:extLst>
                 <a:ext uri="{91240B29-F687-4f45-9708-019B960494DF}">
-                  <a14:hiddenLine xmlns:a14="http://schemas.microsoft.com/office/drawing/2010/main" xmlns="" w="9525">
+                  <a14:hiddenLine xmlns="" xmlns:a14="http://schemas.microsoft.com/office/drawing/2010/main" w="9525">
                     <a:solidFill>
                       <a:srgbClr val="000000"/>
                     </a:solidFill>
@@ -11090,7 +11090,7 @@
               </a:ln>
               <a:extLst>
                 <a:ext uri="{91240B29-F687-4f45-9708-019B960494DF}">
-                  <a14:hiddenLine xmlns:a14="http://schemas.microsoft.com/office/drawing/2010/main" xmlns="" w="9525">
+                  <a14:hiddenLine xmlns="" xmlns:a14="http://schemas.microsoft.com/office/drawing/2010/main" w="9525">
                     <a:solidFill>
                       <a:srgbClr val="000000"/>
                     </a:solidFill>
@@ -11205,7 +11205,7 @@
               </a:ln>
               <a:extLst>
                 <a:ext uri="{91240B29-F687-4f45-9708-019B960494DF}">
-                  <a14:hiddenLine xmlns:a14="http://schemas.microsoft.com/office/drawing/2010/main" xmlns="" w="9525">
+                  <a14:hiddenLine xmlns="" xmlns:a14="http://schemas.microsoft.com/office/drawing/2010/main" w="9525">
                     <a:solidFill>
                       <a:srgbClr val="000000"/>
                     </a:solidFill>
@@ -11295,7 +11295,7 @@
               </a:ln>
               <a:extLst>
                 <a:ext uri="{91240B29-F687-4f45-9708-019B960494DF}">
-                  <a14:hiddenLine xmlns:a14="http://schemas.microsoft.com/office/drawing/2010/main" xmlns="" w="9525">
+                  <a14:hiddenLine xmlns="" xmlns:a14="http://schemas.microsoft.com/office/drawing/2010/main" w="9525">
                     <a:solidFill>
                       <a:srgbClr val="000000"/>
                     </a:solidFill>
@@ -11360,7 +11360,7 @@
               </a:ln>
               <a:extLst>
                 <a:ext uri="{91240B29-F687-4f45-9708-019B960494DF}">
-                  <a14:hiddenLine xmlns:a14="http://schemas.microsoft.com/office/drawing/2010/main" xmlns="" w="9525">
+                  <a14:hiddenLine xmlns="" xmlns:a14="http://schemas.microsoft.com/office/drawing/2010/main" w="9525">
                     <a:solidFill>
                       <a:srgbClr val="000000"/>
                     </a:solidFill>
@@ -11450,7 +11450,7 @@
               </a:ln>
               <a:extLst>
                 <a:ext uri="{91240B29-F687-4f45-9708-019B960494DF}">
-                  <a14:hiddenLine xmlns:a14="http://schemas.microsoft.com/office/drawing/2010/main" xmlns="" w="9525">
+                  <a14:hiddenLine xmlns="" xmlns:a14="http://schemas.microsoft.com/office/drawing/2010/main" w="9525">
                     <a:solidFill>
                       <a:srgbClr val="000000"/>
                     </a:solidFill>
@@ -11518,7 +11518,7 @@
               </a:ln>
               <a:extLst>
                 <a:ext uri="{91240B29-F687-4f45-9708-019B960494DF}">
-                  <a14:hiddenLine xmlns:a14="http://schemas.microsoft.com/office/drawing/2010/main" xmlns="" w="9525">
+                  <a14:hiddenLine xmlns="" xmlns:a14="http://schemas.microsoft.com/office/drawing/2010/main" w="9525">
                     <a:solidFill>
                       <a:srgbClr val="000000"/>
                     </a:solidFill>
@@ -11608,7 +11608,7 @@
               </a:ln>
               <a:extLst>
                 <a:ext uri="{91240B29-F687-4f45-9708-019B960494DF}">
-                  <a14:hiddenLine xmlns:a14="http://schemas.microsoft.com/office/drawing/2010/main" xmlns="" w="9525">
+                  <a14:hiddenLine xmlns="" xmlns:a14="http://schemas.microsoft.com/office/drawing/2010/main" w="9525">
                     <a:solidFill>
                       <a:srgbClr val="000000"/>
                     </a:solidFill>
@@ -11676,7 +11676,7 @@
               </a:ln>
               <a:extLst>
                 <a:ext uri="{91240B29-F687-4f45-9708-019B960494DF}">
-                  <a14:hiddenLine xmlns:a14="http://schemas.microsoft.com/office/drawing/2010/main" xmlns="" w="9525">
+                  <a14:hiddenLine xmlns="" xmlns:a14="http://schemas.microsoft.com/office/drawing/2010/main" w="9525">
                     <a:solidFill>
                       <a:srgbClr val="000000"/>
                     </a:solidFill>
@@ -11766,7 +11766,7 @@
               </a:ln>
               <a:extLst>
                 <a:ext uri="{91240B29-F687-4f45-9708-019B960494DF}">
-                  <a14:hiddenLine xmlns:a14="http://schemas.microsoft.com/office/drawing/2010/main" xmlns="" w="9525">
+                  <a14:hiddenLine xmlns="" xmlns:a14="http://schemas.microsoft.com/office/drawing/2010/main" w="9525">
                     <a:solidFill>
                       <a:srgbClr val="000000"/>
                     </a:solidFill>
@@ -11800,7 +11800,7 @@
               </a:ln>
               <a:extLst>
                 <a:ext uri="{91240B29-F687-4f45-9708-019B960494DF}">
-                  <a14:hiddenLine xmlns:a14="http://schemas.microsoft.com/office/drawing/2010/main" xmlns="" w="9525">
+                  <a14:hiddenLine xmlns="" xmlns:a14="http://schemas.microsoft.com/office/drawing/2010/main" w="9525">
                     <a:solidFill>
                       <a:srgbClr val="000000"/>
                     </a:solidFill>
@@ -13044,8 +13044,8 @@
         </p:nvSpPr>
         <p:spPr>
           <a:xfrm>
-            <a:off x="1141413" y="1"/>
-            <a:ext cx="9905998" cy="979713"/>
+            <a:off x="1141413" y="2"/>
+            <a:ext cx="9905998" cy="783770"/>
           </a:xfrm>
         </p:spPr>
         <p:txBody>
@@ -13147,7 +13147,7 @@
         </p:nvSpPr>
         <p:spPr>
           <a:xfrm>
-            <a:off x="108047" y="200573"/>
+            <a:off x="166736" y="129263"/>
             <a:ext cx="806353" cy="503853"/>
           </a:xfrm>
           <a:prstGeom prst="leftArrow">
@@ -13867,7 +13867,7 @@
         <p:spPr>
           <a:xfrm>
             <a:off x="91115" y="1971795"/>
-            <a:ext cx="5937367" cy="3390911"/>
+            <a:ext cx="5844909" cy="3390911"/>
           </a:xfrm>
         </p:spPr>
       </p:pic>

--- a/Presentacion School Maps/SchoolMapsPresentacion.pptx
+++ b/Presentacion School Maps/SchoolMapsPresentacion.pptx
@@ -13689,7 +13689,7 @@
           <a:bodyPr/>
           <a:lstStyle/>
           <a:p>
-            <a:endParaRPr lang="es-AR"/>
+            <a:endParaRPr lang="es-AR" dirty="0"/>
           </a:p>
         </p:txBody>
       </p:sp>
